--- a/Severstal Segmentation.pptx
+++ b/Severstal Segmentation.pptx
@@ -1,35 +1,35 @@
 
 <file path=ppt/presentation.xml><?xml version="1.0" encoding="utf-8"?>
-<p:presentation xmlns:a="http://schemas.openxmlformats.org/drawingml/2006/main" xmlns:r="http://schemas.openxmlformats.org/officeDocument/2006/relationships" xmlns:mc="http://schemas.openxmlformats.org/markup-compatibility/2006" xmlns:mv="urn:schemas-microsoft-com:mac:vml" xmlns:p="http://schemas.openxmlformats.org/presentationml/2006/main" xmlns:c="http://schemas.openxmlformats.org/drawingml/2006/chart" xmlns:dgm="http://schemas.openxmlformats.org/drawingml/2006/diagram" xmlns:o="urn:schemas-microsoft-com:office:office" xmlns:v="urn:schemas-microsoft-com:vml" xmlns:pvml="urn:schemas-microsoft-com:office:powerpoint" xmlns:com="http://schemas.openxmlformats.org/drawingml/2006/compatibility" xmlns:p14="http://schemas.microsoft.com/office/powerpoint/2010/main" xmlns:p15="http://schemas.microsoft.com/office/powerpoint/2012/main" xmlns:ahyp="http://schemas.microsoft.com/office/drawing/2018/hyperlinkcolor" autoCompressPictures="0" strictFirstAndLastChars="0" saveSubsetFonts="1">
+<p:presentation xmlns:a="http://schemas.openxmlformats.org/drawingml/2006/main" xmlns:r="http://schemas.openxmlformats.org/officeDocument/2006/relationships" xmlns:p="http://schemas.openxmlformats.org/presentationml/2006/main" strictFirstAndLastChars="0" saveSubsetFonts="1" autoCompressPictures="0">
   <p:sldMasterIdLst>
-    <p:sldMasterId id="2147483659" r:id="rId4"/>
+    <p:sldMasterId id="2147483659" r:id="rId1"/>
   </p:sldMasterIdLst>
   <p:notesMasterIdLst>
-    <p:notesMasterId r:id="rId5"/>
+    <p:notesMasterId r:id="rId19"/>
   </p:notesMasterIdLst>
   <p:sldIdLst>
-    <p:sldId id="256" r:id="rId6"/>
-    <p:sldId id="257" r:id="rId7"/>
-    <p:sldId id="258" r:id="rId8"/>
-    <p:sldId id="259" r:id="rId9"/>
-    <p:sldId id="260" r:id="rId10"/>
-    <p:sldId id="261" r:id="rId11"/>
-    <p:sldId id="262" r:id="rId12"/>
-    <p:sldId id="263" r:id="rId13"/>
-    <p:sldId id="264" r:id="rId14"/>
-    <p:sldId id="265" r:id="rId15"/>
-    <p:sldId id="266" r:id="rId16"/>
-    <p:sldId id="267" r:id="rId17"/>
-    <p:sldId id="268" r:id="rId18"/>
-    <p:sldId id="269" r:id="rId19"/>
-    <p:sldId id="270" r:id="rId20"/>
-    <p:sldId id="271" r:id="rId21"/>
-    <p:sldId id="272" r:id="rId22"/>
+    <p:sldId id="256" r:id="rId2"/>
+    <p:sldId id="257" r:id="rId3"/>
+    <p:sldId id="258" r:id="rId4"/>
+    <p:sldId id="259" r:id="rId5"/>
+    <p:sldId id="260" r:id="rId6"/>
+    <p:sldId id="261" r:id="rId7"/>
+    <p:sldId id="262" r:id="rId8"/>
+    <p:sldId id="263" r:id="rId9"/>
+    <p:sldId id="264" r:id="rId10"/>
+    <p:sldId id="265" r:id="rId11"/>
+    <p:sldId id="266" r:id="rId12"/>
+    <p:sldId id="267" r:id="rId13"/>
+    <p:sldId id="268" r:id="rId14"/>
+    <p:sldId id="269" r:id="rId15"/>
+    <p:sldId id="270" r:id="rId16"/>
+    <p:sldId id="271" r:id="rId17"/>
+    <p:sldId id="272" r:id="rId18"/>
   </p:sldIdLst>
-  <p:sldSz cy="5143500" cx="9144000"/>
+  <p:sldSz cx="9144000" cy="5143500" type="screen16x9"/>
   <p:notesSz cx="6858000" cy="9144000"/>
   <p:defaultTextStyle>
-    <a:defPPr lvl="0" marR="0" rtl="0" algn="l">
+    <a:defPPr marR="0" lvl="0" algn="l" rtl="0">
       <a:lnSpc>
         <a:spcPct val="100000"/>
       </a:lnSpc>
@@ -40,7 +40,7 @@
         <a:spcPts val="0"/>
       </a:spcAft>
     </a:defPPr>
-    <a:lvl1pPr lvl="0" marR="0" rtl="0" algn="l">
+    <a:lvl1pPr marR="0" lvl="0" algn="l" rtl="0">
       <a:lnSpc>
         <a:spcPct val="100000"/>
       </a:lnSpc>
@@ -54,7 +54,7 @@
         <a:srgbClr val="000000"/>
       </a:buClr>
       <a:buFont typeface="Arial"/>
-      <a:defRPr b="0" i="0" sz="1400" u="none" cap="none" strike="noStrike">
+      <a:defRPr sz="1400" b="0" i="0" u="none" strike="noStrike" cap="none">
         <a:solidFill>
           <a:srgbClr val="000000"/>
         </a:solidFill>
@@ -64,7 +64,7 @@
         <a:sym typeface="Arial"/>
       </a:defRPr>
     </a:lvl1pPr>
-    <a:lvl2pPr lvl="1" marR="0" rtl="0" algn="l">
+    <a:lvl2pPr marR="0" lvl="1" algn="l" rtl="0">
       <a:lnSpc>
         <a:spcPct val="100000"/>
       </a:lnSpc>
@@ -78,7 +78,7 @@
         <a:srgbClr val="000000"/>
       </a:buClr>
       <a:buFont typeface="Arial"/>
-      <a:defRPr b="0" i="0" sz="1400" u="none" cap="none" strike="noStrike">
+      <a:defRPr sz="1400" b="0" i="0" u="none" strike="noStrike" cap="none">
         <a:solidFill>
           <a:srgbClr val="000000"/>
         </a:solidFill>
@@ -88,7 +88,7 @@
         <a:sym typeface="Arial"/>
       </a:defRPr>
     </a:lvl2pPr>
-    <a:lvl3pPr lvl="2" marR="0" rtl="0" algn="l">
+    <a:lvl3pPr marR="0" lvl="2" algn="l" rtl="0">
       <a:lnSpc>
         <a:spcPct val="100000"/>
       </a:lnSpc>
@@ -102,7 +102,7 @@
         <a:srgbClr val="000000"/>
       </a:buClr>
       <a:buFont typeface="Arial"/>
-      <a:defRPr b="0" i="0" sz="1400" u="none" cap="none" strike="noStrike">
+      <a:defRPr sz="1400" b="0" i="0" u="none" strike="noStrike" cap="none">
         <a:solidFill>
           <a:srgbClr val="000000"/>
         </a:solidFill>
@@ -112,7 +112,7 @@
         <a:sym typeface="Arial"/>
       </a:defRPr>
     </a:lvl3pPr>
-    <a:lvl4pPr lvl="3" marR="0" rtl="0" algn="l">
+    <a:lvl4pPr marR="0" lvl="3" algn="l" rtl="0">
       <a:lnSpc>
         <a:spcPct val="100000"/>
       </a:lnSpc>
@@ -126,7 +126,7 @@
         <a:srgbClr val="000000"/>
       </a:buClr>
       <a:buFont typeface="Arial"/>
-      <a:defRPr b="0" i="0" sz="1400" u="none" cap="none" strike="noStrike">
+      <a:defRPr sz="1400" b="0" i="0" u="none" strike="noStrike" cap="none">
         <a:solidFill>
           <a:srgbClr val="000000"/>
         </a:solidFill>
@@ -136,7 +136,7 @@
         <a:sym typeface="Arial"/>
       </a:defRPr>
     </a:lvl4pPr>
-    <a:lvl5pPr lvl="4" marR="0" rtl="0" algn="l">
+    <a:lvl5pPr marR="0" lvl="4" algn="l" rtl="0">
       <a:lnSpc>
         <a:spcPct val="100000"/>
       </a:lnSpc>
@@ -150,7 +150,7 @@
         <a:srgbClr val="000000"/>
       </a:buClr>
       <a:buFont typeface="Arial"/>
-      <a:defRPr b="0" i="0" sz="1400" u="none" cap="none" strike="noStrike">
+      <a:defRPr sz="1400" b="0" i="0" u="none" strike="noStrike" cap="none">
         <a:solidFill>
           <a:srgbClr val="000000"/>
         </a:solidFill>
@@ -160,7 +160,7 @@
         <a:sym typeface="Arial"/>
       </a:defRPr>
     </a:lvl5pPr>
-    <a:lvl6pPr lvl="5" marR="0" rtl="0" algn="l">
+    <a:lvl6pPr marR="0" lvl="5" algn="l" rtl="0">
       <a:lnSpc>
         <a:spcPct val="100000"/>
       </a:lnSpc>
@@ -174,7 +174,7 @@
         <a:srgbClr val="000000"/>
       </a:buClr>
       <a:buFont typeface="Arial"/>
-      <a:defRPr b="0" i="0" sz="1400" u="none" cap="none" strike="noStrike">
+      <a:defRPr sz="1400" b="0" i="0" u="none" strike="noStrike" cap="none">
         <a:solidFill>
           <a:srgbClr val="000000"/>
         </a:solidFill>
@@ -184,7 +184,7 @@
         <a:sym typeface="Arial"/>
       </a:defRPr>
     </a:lvl6pPr>
-    <a:lvl7pPr lvl="6" marR="0" rtl="0" algn="l">
+    <a:lvl7pPr marR="0" lvl="6" algn="l" rtl="0">
       <a:lnSpc>
         <a:spcPct val="100000"/>
       </a:lnSpc>
@@ -198,7 +198,7 @@
         <a:srgbClr val="000000"/>
       </a:buClr>
       <a:buFont typeface="Arial"/>
-      <a:defRPr b="0" i="0" sz="1400" u="none" cap="none" strike="noStrike">
+      <a:defRPr sz="1400" b="0" i="0" u="none" strike="noStrike" cap="none">
         <a:solidFill>
           <a:srgbClr val="000000"/>
         </a:solidFill>
@@ -208,7 +208,7 @@
         <a:sym typeface="Arial"/>
       </a:defRPr>
     </a:lvl7pPr>
-    <a:lvl8pPr lvl="7" marR="0" rtl="0" algn="l">
+    <a:lvl8pPr marR="0" lvl="7" algn="l" rtl="0">
       <a:lnSpc>
         <a:spcPct val="100000"/>
       </a:lnSpc>
@@ -222,7 +222,7 @@
         <a:srgbClr val="000000"/>
       </a:buClr>
       <a:buFont typeface="Arial"/>
-      <a:defRPr b="0" i="0" sz="1400" u="none" cap="none" strike="noStrike">
+      <a:defRPr sz="1400" b="0" i="0" u="none" strike="noStrike" cap="none">
         <a:solidFill>
           <a:srgbClr val="000000"/>
         </a:solidFill>
@@ -232,7 +232,7 @@
         <a:sym typeface="Arial"/>
       </a:defRPr>
     </a:lvl8pPr>
-    <a:lvl9pPr lvl="8" marR="0" rtl="0" algn="l">
+    <a:lvl9pPr marR="0" lvl="8" algn="l" rtl="0">
       <a:lnSpc>
         <a:spcPct val="100000"/>
       </a:lnSpc>
@@ -246,7 +246,7 @@
         <a:srgbClr val="000000"/>
       </a:buClr>
       <a:buFont typeface="Arial"/>
-      <a:defRPr b="0" i="0" sz="1400" u="none" cap="none" strike="noStrike">
+      <a:defRPr sz="1400" b="0" i="0" u="none" strike="noStrike" cap="none">
         <a:solidFill>
           <a:srgbClr val="000000"/>
         </a:solidFill>
@@ -259,7 +259,7 @@
   </p:defaultTextStyle>
   <p:extLst>
     <p:ext uri="{EFAFB233-063F-42B5-8137-9DF3F51BA10A}">
-      <p15:sldGuideLst>
+      <p15:sldGuideLst xmlns:p15="http://schemas.microsoft.com/office/powerpoint/2012/main">
         <p15:guide id="1" orient="horz" pos="2945">
           <p15:clr>
             <a:srgbClr val="A4A3A4"/>
@@ -282,11 +282,16 @@
 </file>
 
 <file path=ppt/notesMasters/notesMaster1.xml><?xml version="1.0" encoding="utf-8"?>
-<p:notesMaster xmlns:a="http://schemas.openxmlformats.org/drawingml/2006/main" xmlns:r="http://schemas.openxmlformats.org/officeDocument/2006/relationships" xmlns:mc="http://schemas.openxmlformats.org/markup-compatibility/2006" xmlns:mv="urn:schemas-microsoft-com:mac:vml" xmlns:p="http://schemas.openxmlformats.org/presentationml/2006/main" xmlns:c="http://schemas.openxmlformats.org/drawingml/2006/chart" xmlns:dgm="http://schemas.openxmlformats.org/drawingml/2006/diagram" xmlns:o="urn:schemas-microsoft-com:office:office" xmlns:v="urn:schemas-microsoft-com:vml" xmlns:pvml="urn:schemas-microsoft-com:office:powerpoint" xmlns:com="http://schemas.openxmlformats.org/drawingml/2006/compatibility" xmlns:p14="http://schemas.microsoft.com/office/powerpoint/2010/main" xmlns:p15="http://schemas.microsoft.com/office/powerpoint/2012/main" xmlns:ahyp="http://schemas.microsoft.com/office/drawing/2018/hyperlinkcolor">
+<p:notesMaster xmlns:a="http://schemas.openxmlformats.org/drawingml/2006/main" xmlns:r="http://schemas.openxmlformats.org/officeDocument/2006/relationships" xmlns:p="http://schemas.openxmlformats.org/presentationml/2006/main">
   <p:cSld>
+    <p:bg>
+      <p:bgRef idx="1001">
+        <a:schemeClr val="bg1"/>
+      </p:bgRef>
+    </p:bg>
     <p:spTree>
       <p:nvGrpSpPr>
-        <p:cNvPr id="2" name="Shape 2"/>
+        <p:cNvPr id="1" name="Shape 2"/>
         <p:cNvGrpSpPr/>
         <p:nvPr/>
       </p:nvGrpSpPr>
@@ -301,9 +306,11 @@
       <p:sp>
         <p:nvSpPr>
           <p:cNvPr id="3" name="Google Shape;3;n"/>
-          <p:cNvSpPr/>
+          <p:cNvSpPr>
+            <a:spLocks noGrp="1" noRot="1" noChangeAspect="1"/>
+          </p:cNvSpPr>
           <p:nvPr>
-            <p:ph idx="2" type="sldImg"/>
+            <p:ph type="sldImg" idx="2"/>
           </p:nvPr>
         </p:nvSpPr>
         <p:spPr>
@@ -312,9 +319,13 @@
             <a:ext cx="6096075" cy="3429000"/>
           </a:xfrm>
           <a:custGeom>
-            <a:rect b="b" l="l" r="r" t="t"/>
+            <a:avLst/>
+            <a:gdLst/>
+            <a:ahLst/>
+            <a:cxnLst/>
+            <a:rect l="l" t="t" r="r" b="b"/>
             <a:pathLst>
-              <a:path extrusionOk="0" h="120000" w="120000">
+              <a:path w="120000" h="120000" extrusionOk="0">
                 <a:moveTo>
                   <a:pt x="0" y="0"/>
                 </a:moveTo>
@@ -332,23 +343,25 @@
             </a:pathLst>
           </a:custGeom>
           <a:noFill/>
-          <a:ln cap="flat" cmpd="sng" w="9525">
+          <a:ln w="9525" cap="flat" cmpd="sng">
             <a:solidFill>
               <a:srgbClr val="000000"/>
             </a:solidFill>
             <a:prstDash val="solid"/>
             <a:round/>
-            <a:headEnd len="sm" w="sm" type="none"/>
-            <a:tailEnd len="sm" w="sm" type="none"/>
+            <a:headEnd type="none" w="sm" len="sm"/>
+            <a:tailEnd type="none" w="sm" len="sm"/>
           </a:ln>
         </p:spPr>
       </p:sp>
       <p:sp>
         <p:nvSpPr>
           <p:cNvPr id="4" name="Google Shape;4;n"/>
-          <p:cNvSpPr txBox="1"/>
+          <p:cNvSpPr txBox="1">
+            <a:spLocks noGrp="1"/>
+          </p:cNvSpPr>
           <p:nvPr>
-            <p:ph idx="1" type="body"/>
+            <p:ph type="body" idx="1"/>
           </p:nvPr>
         </p:nvSpPr>
         <p:spPr>
@@ -365,11 +378,11 @@
           </a:ln>
         </p:spPr>
         <p:txBody>
-          <a:bodyPr anchorCtr="0" anchor="t" bIns="91425" lIns="91425" spcFirstLastPara="1" rIns="91425" wrap="square" tIns="91425">
+          <a:bodyPr spcFirstLastPara="1" wrap="square" lIns="91425" tIns="91425" rIns="91425" bIns="91425" anchor="t" anchorCtr="0">
             <a:noAutofit/>
           </a:bodyPr>
           <a:lstStyle>
-            <a:lvl1pPr indent="-298450" lvl="0" marL="457200">
+            <a:lvl1pPr marL="457200" lvl="0" indent="-298450">
               <a:spcBef>
                 <a:spcPts val="0"/>
               </a:spcBef>
@@ -380,7 +393,7 @@
               <a:buChar char="●"/>
               <a:defRPr sz="1100"/>
             </a:lvl1pPr>
-            <a:lvl2pPr indent="-298450" lvl="1" marL="914400">
+            <a:lvl2pPr marL="914400" lvl="1" indent="-298450">
               <a:spcBef>
                 <a:spcPts val="0"/>
               </a:spcBef>
@@ -391,7 +404,7 @@
               <a:buChar char="○"/>
               <a:defRPr sz="1100"/>
             </a:lvl2pPr>
-            <a:lvl3pPr indent="-298450" lvl="2" marL="1371600">
+            <a:lvl3pPr marL="1371600" lvl="2" indent="-298450">
               <a:spcBef>
                 <a:spcPts val="0"/>
               </a:spcBef>
@@ -402,7 +415,7 @@
               <a:buChar char="■"/>
               <a:defRPr sz="1100"/>
             </a:lvl3pPr>
-            <a:lvl4pPr indent="-298450" lvl="3" marL="1828800">
+            <a:lvl4pPr marL="1828800" lvl="3" indent="-298450">
               <a:spcBef>
                 <a:spcPts val="0"/>
               </a:spcBef>
@@ -413,7 +426,7 @@
               <a:buChar char="●"/>
               <a:defRPr sz="1100"/>
             </a:lvl4pPr>
-            <a:lvl5pPr indent="-298450" lvl="4" marL="2286000">
+            <a:lvl5pPr marL="2286000" lvl="4" indent="-298450">
               <a:spcBef>
                 <a:spcPts val="0"/>
               </a:spcBef>
@@ -424,7 +437,7 @@
               <a:buChar char="○"/>
               <a:defRPr sz="1100"/>
             </a:lvl5pPr>
-            <a:lvl6pPr indent="-298450" lvl="5" marL="2743200">
+            <a:lvl6pPr marL="2743200" lvl="5" indent="-298450">
               <a:spcBef>
                 <a:spcPts val="0"/>
               </a:spcBef>
@@ -435,7 +448,7 @@
               <a:buChar char="■"/>
               <a:defRPr sz="1100"/>
             </a:lvl6pPr>
-            <a:lvl7pPr indent="-298450" lvl="6" marL="3200400">
+            <a:lvl7pPr marL="3200400" lvl="6" indent="-298450">
               <a:spcBef>
                 <a:spcPts val="0"/>
               </a:spcBef>
@@ -446,7 +459,7 @@
               <a:buChar char="●"/>
               <a:defRPr sz="1100"/>
             </a:lvl7pPr>
-            <a:lvl8pPr indent="-298450" lvl="7" marL="3657600">
+            <a:lvl8pPr marL="3657600" lvl="7" indent="-298450">
               <a:spcBef>
                 <a:spcPts val="0"/>
               </a:spcBef>
@@ -457,7 +470,7 @@
               <a:buChar char="○"/>
               <a:defRPr sz="1100"/>
             </a:lvl8pPr>
-            <a:lvl9pPr indent="-298450" lvl="8" marL="4114800">
+            <a:lvl9pPr marL="4114800" lvl="8" indent="-298450">
               <a:spcBef>
                 <a:spcPts val="0"/>
               </a:spcBef>
@@ -469,14 +482,16 @@
               <a:defRPr sz="1100"/>
             </a:lvl9pPr>
           </a:lstStyle>
-          <a:p/>
+          <a:p>
+            <a:endParaRPr/>
+          </a:p>
         </p:txBody>
       </p:sp>
     </p:spTree>
   </p:cSld>
-  <p:clrMap accent1="accent1" accent2="accent2" accent3="accent3" accent4="accent4" accent5="accent5" accent6="accent6" bg1="lt1" bg2="dk2" tx1="dk1" tx2="lt2" folHlink="folHlink" hlink="hlink"/>
+  <p:clrMap bg1="lt1" tx1="dk1" bg2="dk2" tx2="lt2" accent1="accent1" accent2="accent2" accent3="accent3" accent4="accent4" accent5="accent5" accent6="accent6" hlink="hlink" folHlink="folHlink"/>
   <p:notesStyle>
-    <a:defPPr lvl="0" marR="0" rtl="0" algn="l">
+    <a:defPPr marR="0" lvl="0" algn="l" rtl="0">
       <a:lnSpc>
         <a:spcPct val="100000"/>
       </a:lnSpc>
@@ -487,7 +502,7 @@
         <a:spcPts val="0"/>
       </a:spcAft>
     </a:defPPr>
-    <a:lvl1pPr lvl="0" marR="0" rtl="0" algn="l">
+    <a:lvl1pPr marR="0" lvl="0" algn="l" rtl="0">
       <a:lnSpc>
         <a:spcPct val="100000"/>
       </a:lnSpc>
@@ -501,7 +516,7 @@
         <a:srgbClr val="000000"/>
       </a:buClr>
       <a:buFont typeface="Arial"/>
-      <a:defRPr b="0" i="0" sz="1400" u="none" cap="none" strike="noStrike">
+      <a:defRPr sz="1400" b="0" i="0" u="none" strike="noStrike" cap="none">
         <a:solidFill>
           <a:srgbClr val="000000"/>
         </a:solidFill>
@@ -511,7 +526,7 @@
         <a:sym typeface="Arial"/>
       </a:defRPr>
     </a:lvl1pPr>
-    <a:lvl2pPr lvl="1" marR="0" rtl="0" algn="l">
+    <a:lvl2pPr marR="0" lvl="1" algn="l" rtl="0">
       <a:lnSpc>
         <a:spcPct val="100000"/>
       </a:lnSpc>
@@ -525,7 +540,7 @@
         <a:srgbClr val="000000"/>
       </a:buClr>
       <a:buFont typeface="Arial"/>
-      <a:defRPr b="0" i="0" sz="1400" u="none" cap="none" strike="noStrike">
+      <a:defRPr sz="1400" b="0" i="0" u="none" strike="noStrike" cap="none">
         <a:solidFill>
           <a:srgbClr val="000000"/>
         </a:solidFill>
@@ -535,7 +550,7 @@
         <a:sym typeface="Arial"/>
       </a:defRPr>
     </a:lvl2pPr>
-    <a:lvl3pPr lvl="2" marR="0" rtl="0" algn="l">
+    <a:lvl3pPr marR="0" lvl="2" algn="l" rtl="0">
       <a:lnSpc>
         <a:spcPct val="100000"/>
       </a:lnSpc>
@@ -549,7 +564,7 @@
         <a:srgbClr val="000000"/>
       </a:buClr>
       <a:buFont typeface="Arial"/>
-      <a:defRPr b="0" i="0" sz="1400" u="none" cap="none" strike="noStrike">
+      <a:defRPr sz="1400" b="0" i="0" u="none" strike="noStrike" cap="none">
         <a:solidFill>
           <a:srgbClr val="000000"/>
         </a:solidFill>
@@ -559,7 +574,7 @@
         <a:sym typeface="Arial"/>
       </a:defRPr>
     </a:lvl3pPr>
-    <a:lvl4pPr lvl="3" marR="0" rtl="0" algn="l">
+    <a:lvl4pPr marR="0" lvl="3" algn="l" rtl="0">
       <a:lnSpc>
         <a:spcPct val="100000"/>
       </a:lnSpc>
@@ -573,7 +588,7 @@
         <a:srgbClr val="000000"/>
       </a:buClr>
       <a:buFont typeface="Arial"/>
-      <a:defRPr b="0" i="0" sz="1400" u="none" cap="none" strike="noStrike">
+      <a:defRPr sz="1400" b="0" i="0" u="none" strike="noStrike" cap="none">
         <a:solidFill>
           <a:srgbClr val="000000"/>
         </a:solidFill>
@@ -583,7 +598,7 @@
         <a:sym typeface="Arial"/>
       </a:defRPr>
     </a:lvl4pPr>
-    <a:lvl5pPr lvl="4" marR="0" rtl="0" algn="l">
+    <a:lvl5pPr marR="0" lvl="4" algn="l" rtl="0">
       <a:lnSpc>
         <a:spcPct val="100000"/>
       </a:lnSpc>
@@ -597,7 +612,7 @@
         <a:srgbClr val="000000"/>
       </a:buClr>
       <a:buFont typeface="Arial"/>
-      <a:defRPr b="0" i="0" sz="1400" u="none" cap="none" strike="noStrike">
+      <a:defRPr sz="1400" b="0" i="0" u="none" strike="noStrike" cap="none">
         <a:solidFill>
           <a:srgbClr val="000000"/>
         </a:solidFill>
@@ -607,7 +622,7 @@
         <a:sym typeface="Arial"/>
       </a:defRPr>
     </a:lvl5pPr>
-    <a:lvl6pPr lvl="5" marR="0" rtl="0" algn="l">
+    <a:lvl6pPr marR="0" lvl="5" algn="l" rtl="0">
       <a:lnSpc>
         <a:spcPct val="100000"/>
       </a:lnSpc>
@@ -621,7 +636,7 @@
         <a:srgbClr val="000000"/>
       </a:buClr>
       <a:buFont typeface="Arial"/>
-      <a:defRPr b="0" i="0" sz="1400" u="none" cap="none" strike="noStrike">
+      <a:defRPr sz="1400" b="0" i="0" u="none" strike="noStrike" cap="none">
         <a:solidFill>
           <a:srgbClr val="000000"/>
         </a:solidFill>
@@ -631,7 +646,7 @@
         <a:sym typeface="Arial"/>
       </a:defRPr>
     </a:lvl6pPr>
-    <a:lvl7pPr lvl="6" marR="0" rtl="0" algn="l">
+    <a:lvl7pPr marR="0" lvl="6" algn="l" rtl="0">
       <a:lnSpc>
         <a:spcPct val="100000"/>
       </a:lnSpc>
@@ -645,7 +660,7 @@
         <a:srgbClr val="000000"/>
       </a:buClr>
       <a:buFont typeface="Arial"/>
-      <a:defRPr b="0" i="0" sz="1400" u="none" cap="none" strike="noStrike">
+      <a:defRPr sz="1400" b="0" i="0" u="none" strike="noStrike" cap="none">
         <a:solidFill>
           <a:srgbClr val="000000"/>
         </a:solidFill>
@@ -655,7 +670,7 @@
         <a:sym typeface="Arial"/>
       </a:defRPr>
     </a:lvl7pPr>
-    <a:lvl8pPr lvl="7" marR="0" rtl="0" algn="l">
+    <a:lvl8pPr marR="0" lvl="7" algn="l" rtl="0">
       <a:lnSpc>
         <a:spcPct val="100000"/>
       </a:lnSpc>
@@ -669,7 +684,7 @@
         <a:srgbClr val="000000"/>
       </a:buClr>
       <a:buFont typeface="Arial"/>
-      <a:defRPr b="0" i="0" sz="1400" u="none" cap="none" strike="noStrike">
+      <a:defRPr sz="1400" b="0" i="0" u="none" strike="noStrike" cap="none">
         <a:solidFill>
           <a:srgbClr val="000000"/>
         </a:solidFill>
@@ -679,7 +694,7 @@
         <a:sym typeface="Arial"/>
       </a:defRPr>
     </a:lvl8pPr>
-    <a:lvl9pPr lvl="8" marR="0" rtl="0" algn="l">
+    <a:lvl9pPr marR="0" lvl="8" algn="l" rtl="0">
       <a:lnSpc>
         <a:spcPct val="100000"/>
       </a:lnSpc>
@@ -693,7 +708,7 @@
         <a:srgbClr val="000000"/>
       </a:buClr>
       <a:buFont typeface="Arial"/>
-      <a:defRPr b="0" i="0" sz="1400" u="none" cap="none" strike="noStrike">
+      <a:defRPr sz="1400" b="0" i="0" u="none" strike="noStrike" cap="none">
         <a:solidFill>
           <a:srgbClr val="000000"/>
         </a:solidFill>
@@ -708,11 +723,11 @@
 </file>
 
 <file path=ppt/notesSlides/notesSlide1.xml><?xml version="1.0" encoding="utf-8"?>
-<p:notes xmlns:a="http://schemas.openxmlformats.org/drawingml/2006/main" xmlns:r="http://schemas.openxmlformats.org/officeDocument/2006/relationships" xmlns:mc="http://schemas.openxmlformats.org/markup-compatibility/2006" xmlns:mv="urn:schemas-microsoft-com:mac:vml" xmlns:p="http://schemas.openxmlformats.org/presentationml/2006/main" xmlns:c="http://schemas.openxmlformats.org/drawingml/2006/chart" xmlns:dgm="http://schemas.openxmlformats.org/drawingml/2006/diagram" xmlns:o="urn:schemas-microsoft-com:office:office" xmlns:v="urn:schemas-microsoft-com:vml" xmlns:pvml="urn:schemas-microsoft-com:office:powerpoint" xmlns:com="http://schemas.openxmlformats.org/drawingml/2006/compatibility" xmlns:p14="http://schemas.microsoft.com/office/powerpoint/2010/main" xmlns:p15="http://schemas.microsoft.com/office/powerpoint/2012/main" xmlns:ahyp="http://schemas.microsoft.com/office/drawing/2018/hyperlinkcolor" showMasterPhAnim="0" showMasterSp="0">
+<p:notes xmlns:a="http://schemas.openxmlformats.org/drawingml/2006/main" xmlns:r="http://schemas.openxmlformats.org/officeDocument/2006/relationships" xmlns:p="http://schemas.openxmlformats.org/presentationml/2006/main" showMasterSp="0" showMasterPhAnim="0">
   <p:cSld>
     <p:spTree>
       <p:nvGrpSpPr>
-        <p:cNvPr id="50" name="Shape 50"/>
+        <p:cNvPr id="1" name="Shape 50"/>
         <p:cNvGrpSpPr/>
         <p:nvPr/>
       </p:nvGrpSpPr>
@@ -727,9 +742,11 @@
       <p:sp>
         <p:nvSpPr>
           <p:cNvPr id="51" name="Google Shape;51;p:notes"/>
-          <p:cNvSpPr/>
+          <p:cNvSpPr>
+            <a:spLocks noGrp="1" noRot="1" noChangeAspect="1"/>
+          </p:cNvSpPr>
           <p:nvPr>
-            <p:ph idx="2" type="sldImg"/>
+            <p:ph type="sldImg" idx="2"/>
           </p:nvPr>
         </p:nvSpPr>
         <p:spPr>
@@ -738,9 +755,13 @@
             <a:ext cx="6096075" cy="3429000"/>
           </a:xfrm>
           <a:custGeom>
-            <a:rect b="b" l="l" r="r" t="t"/>
+            <a:avLst/>
+            <a:gdLst/>
+            <a:ahLst/>
+            <a:cxnLst/>
+            <a:rect l="l" t="t" r="r" b="b"/>
             <a:pathLst>
-              <a:path extrusionOk="0" h="120000" w="120000">
+              <a:path w="120000" h="120000" extrusionOk="0">
                 <a:moveTo>
                   <a:pt x="0" y="0"/>
                 </a:moveTo>
@@ -762,9 +783,11 @@
       <p:sp>
         <p:nvSpPr>
           <p:cNvPr id="52" name="Google Shape;52;p:notes"/>
-          <p:cNvSpPr txBox="1"/>
+          <p:cNvSpPr txBox="1">
+            <a:spLocks noGrp="1"/>
+          </p:cNvSpPr>
           <p:nvPr>
-            <p:ph idx="1" type="body"/>
+            <p:ph type="body" idx="1"/>
           </p:nvPr>
         </p:nvSpPr>
         <p:spPr>
@@ -777,12 +800,12 @@
           </a:prstGeom>
         </p:spPr>
         <p:txBody>
-          <a:bodyPr anchorCtr="0" anchor="t" bIns="91425" lIns="91425" spcFirstLastPara="1" rIns="91425" wrap="square" tIns="91425">
+          <a:bodyPr spcFirstLastPara="1" wrap="square" lIns="91425" tIns="91425" rIns="91425" bIns="91425" anchor="t" anchorCtr="0">
             <a:noAutofit/>
           </a:bodyPr>
           <a:lstStyle/>
           <a:p>
-            <a:pPr indent="0" lvl="0" marL="0" rtl="0" algn="l">
+            <a:pPr marL="0" lvl="0" indent="0" algn="l" rtl="0">
               <a:spcBef>
                 <a:spcPts val="0"/>
               </a:spcBef>
@@ -791,9 +814,6 @@
               </a:spcAft>
               <a:buNone/>
             </a:pPr>
-            <a:r>
-              <a:t/>
-            </a:r>
             <a:endParaRPr/>
           </a:p>
         </p:txBody>
@@ -807,11 +827,11 @@
 </file>
 
 <file path=ppt/notesSlides/notesSlide10.xml><?xml version="1.0" encoding="utf-8"?>
-<p:notes xmlns:a="http://schemas.openxmlformats.org/drawingml/2006/main" xmlns:r="http://schemas.openxmlformats.org/officeDocument/2006/relationships" xmlns:mc="http://schemas.openxmlformats.org/markup-compatibility/2006" xmlns:mv="urn:schemas-microsoft-com:mac:vml" xmlns:p="http://schemas.openxmlformats.org/presentationml/2006/main" xmlns:c="http://schemas.openxmlformats.org/drawingml/2006/chart" xmlns:dgm="http://schemas.openxmlformats.org/drawingml/2006/diagram" xmlns:o="urn:schemas-microsoft-com:office:office" xmlns:v="urn:schemas-microsoft-com:vml" xmlns:pvml="urn:schemas-microsoft-com:office:powerpoint" xmlns:com="http://schemas.openxmlformats.org/drawingml/2006/compatibility" xmlns:p14="http://schemas.microsoft.com/office/powerpoint/2010/main" xmlns:p15="http://schemas.microsoft.com/office/powerpoint/2012/main" xmlns:ahyp="http://schemas.microsoft.com/office/drawing/2018/hyperlinkcolor" showMasterPhAnim="0" showMasterSp="0">
+<p:notes xmlns:a="http://schemas.openxmlformats.org/drawingml/2006/main" xmlns:r="http://schemas.openxmlformats.org/officeDocument/2006/relationships" xmlns:p="http://schemas.openxmlformats.org/presentationml/2006/main" showMasterSp="0" showMasterPhAnim="0">
   <p:cSld>
     <p:spTree>
       <p:nvGrpSpPr>
-        <p:cNvPr id="121" name="Shape 121"/>
+        <p:cNvPr id="1" name="Shape 121"/>
         <p:cNvGrpSpPr/>
         <p:nvPr/>
       </p:nvGrpSpPr>
@@ -826,9 +846,11 @@
       <p:sp>
         <p:nvSpPr>
           <p:cNvPr id="122" name="Google Shape;122;g8d848f1021_1_9:notes"/>
-          <p:cNvSpPr/>
+          <p:cNvSpPr>
+            <a:spLocks noGrp="1" noRot="1" noChangeAspect="1"/>
+          </p:cNvSpPr>
           <p:nvPr>
-            <p:ph idx="2" type="sldImg"/>
+            <p:ph type="sldImg" idx="2"/>
           </p:nvPr>
         </p:nvSpPr>
         <p:spPr>
@@ -837,9 +859,13 @@
             <a:ext cx="6096000" cy="3429000"/>
           </a:xfrm>
           <a:custGeom>
-            <a:rect b="b" l="l" r="r" t="t"/>
+            <a:avLst/>
+            <a:gdLst/>
+            <a:ahLst/>
+            <a:cxnLst/>
+            <a:rect l="l" t="t" r="r" b="b"/>
             <a:pathLst>
-              <a:path extrusionOk="0" h="120000" w="120000">
+              <a:path w="120000" h="120000" extrusionOk="0">
                 <a:moveTo>
                   <a:pt x="0" y="0"/>
                 </a:moveTo>
@@ -861,9 +887,11 @@
       <p:sp>
         <p:nvSpPr>
           <p:cNvPr id="123" name="Google Shape;123;g8d848f1021_1_9:notes"/>
-          <p:cNvSpPr txBox="1"/>
+          <p:cNvSpPr txBox="1">
+            <a:spLocks noGrp="1"/>
+          </p:cNvSpPr>
           <p:nvPr>
-            <p:ph idx="1" type="body"/>
+            <p:ph type="body" idx="1"/>
           </p:nvPr>
         </p:nvSpPr>
         <p:spPr>
@@ -876,12 +904,12 @@
           </a:prstGeom>
         </p:spPr>
         <p:txBody>
-          <a:bodyPr anchorCtr="0" anchor="t" bIns="91425" lIns="91425" spcFirstLastPara="1" rIns="91425" wrap="square" tIns="91425">
+          <a:bodyPr spcFirstLastPara="1" wrap="square" lIns="91425" tIns="91425" rIns="91425" bIns="91425" anchor="t" anchorCtr="0">
             <a:noAutofit/>
           </a:bodyPr>
           <a:lstStyle/>
           <a:p>
-            <a:pPr indent="0" lvl="0" marL="0" rtl="0" algn="l">
+            <a:pPr marL="0" lvl="0" indent="0" algn="l" rtl="0">
               <a:spcBef>
                 <a:spcPts val="0"/>
               </a:spcBef>
@@ -890,9 +918,6 @@
               </a:spcAft>
               <a:buNone/>
             </a:pPr>
-            <a:r>
-              <a:t/>
-            </a:r>
             <a:endParaRPr/>
           </a:p>
         </p:txBody>
@@ -906,11 +931,11 @@
 </file>
 
 <file path=ppt/notesSlides/notesSlide11.xml><?xml version="1.0" encoding="utf-8"?>
-<p:notes xmlns:a="http://schemas.openxmlformats.org/drawingml/2006/main" xmlns:r="http://schemas.openxmlformats.org/officeDocument/2006/relationships" xmlns:mc="http://schemas.openxmlformats.org/markup-compatibility/2006" xmlns:mv="urn:schemas-microsoft-com:mac:vml" xmlns:p="http://schemas.openxmlformats.org/presentationml/2006/main" xmlns:c="http://schemas.openxmlformats.org/drawingml/2006/chart" xmlns:dgm="http://schemas.openxmlformats.org/drawingml/2006/diagram" xmlns:o="urn:schemas-microsoft-com:office:office" xmlns:v="urn:schemas-microsoft-com:vml" xmlns:pvml="urn:schemas-microsoft-com:office:powerpoint" xmlns:com="http://schemas.openxmlformats.org/drawingml/2006/compatibility" xmlns:p14="http://schemas.microsoft.com/office/powerpoint/2010/main" xmlns:p15="http://schemas.microsoft.com/office/powerpoint/2012/main" xmlns:ahyp="http://schemas.microsoft.com/office/drawing/2018/hyperlinkcolor" showMasterPhAnim="0" showMasterSp="0">
+<p:notes xmlns:a="http://schemas.openxmlformats.org/drawingml/2006/main" xmlns:r="http://schemas.openxmlformats.org/officeDocument/2006/relationships" xmlns:p="http://schemas.openxmlformats.org/presentationml/2006/main" showMasterSp="0" showMasterPhAnim="0">
   <p:cSld>
     <p:spTree>
       <p:nvGrpSpPr>
-        <p:cNvPr id="127" name="Shape 127"/>
+        <p:cNvPr id="1" name="Shape 127"/>
         <p:cNvGrpSpPr/>
         <p:nvPr/>
       </p:nvGrpSpPr>
@@ -925,20 +950,26 @@
       <p:sp>
         <p:nvSpPr>
           <p:cNvPr id="128" name="Google Shape;128;g90d13264de_0_48:notes"/>
-          <p:cNvSpPr/>
+          <p:cNvSpPr>
+            <a:spLocks noGrp="1" noRot="1" noChangeAspect="1"/>
+          </p:cNvSpPr>
           <p:nvPr>
-            <p:ph idx="2" type="sldImg"/>
+            <p:ph type="sldImg" idx="2"/>
           </p:nvPr>
         </p:nvSpPr>
         <p:spPr>
           <a:xfrm>
-            <a:off x="381300" y="685800"/>
+            <a:off x="381000" y="685800"/>
             <a:ext cx="6096000" cy="3429000"/>
           </a:xfrm>
           <a:custGeom>
-            <a:rect b="b" l="l" r="r" t="t"/>
+            <a:avLst/>
+            <a:gdLst/>
+            <a:ahLst/>
+            <a:cxnLst/>
+            <a:rect l="l" t="t" r="r" b="b"/>
             <a:pathLst>
-              <a:path extrusionOk="0" h="120000" w="120000">
+              <a:path w="120000" h="120000" extrusionOk="0">
                 <a:moveTo>
                   <a:pt x="0" y="0"/>
                 </a:moveTo>
@@ -960,9 +991,11 @@
       <p:sp>
         <p:nvSpPr>
           <p:cNvPr id="129" name="Google Shape;129;g90d13264de_0_48:notes"/>
-          <p:cNvSpPr txBox="1"/>
+          <p:cNvSpPr txBox="1">
+            <a:spLocks noGrp="1"/>
+          </p:cNvSpPr>
           <p:nvPr>
-            <p:ph idx="1" type="body"/>
+            <p:ph type="body" idx="1"/>
           </p:nvPr>
         </p:nvSpPr>
         <p:spPr>
@@ -975,12 +1008,12 @@
           </a:prstGeom>
         </p:spPr>
         <p:txBody>
-          <a:bodyPr anchorCtr="0" anchor="t" bIns="91425" lIns="91425" spcFirstLastPara="1" rIns="91425" wrap="square" tIns="91425">
+          <a:bodyPr spcFirstLastPara="1" wrap="square" lIns="91425" tIns="91425" rIns="91425" bIns="91425" anchor="t" anchorCtr="0">
             <a:noAutofit/>
           </a:bodyPr>
           <a:lstStyle/>
           <a:p>
-            <a:pPr indent="0" lvl="0" marL="0" rtl="0" algn="l">
+            <a:pPr marL="0" lvl="0" indent="0" algn="l" rtl="0">
               <a:spcBef>
                 <a:spcPts val="0"/>
               </a:spcBef>
@@ -989,9 +1022,6 @@
               </a:spcAft>
               <a:buNone/>
             </a:pPr>
-            <a:r>
-              <a:t/>
-            </a:r>
             <a:endParaRPr/>
           </a:p>
         </p:txBody>
@@ -1005,11 +1035,11 @@
 </file>
 
 <file path=ppt/notesSlides/notesSlide12.xml><?xml version="1.0" encoding="utf-8"?>
-<p:notes xmlns:a="http://schemas.openxmlformats.org/drawingml/2006/main" xmlns:r="http://schemas.openxmlformats.org/officeDocument/2006/relationships" xmlns:mc="http://schemas.openxmlformats.org/markup-compatibility/2006" xmlns:mv="urn:schemas-microsoft-com:mac:vml" xmlns:p="http://schemas.openxmlformats.org/presentationml/2006/main" xmlns:c="http://schemas.openxmlformats.org/drawingml/2006/chart" xmlns:dgm="http://schemas.openxmlformats.org/drawingml/2006/diagram" xmlns:o="urn:schemas-microsoft-com:office:office" xmlns:v="urn:schemas-microsoft-com:vml" xmlns:pvml="urn:schemas-microsoft-com:office:powerpoint" xmlns:com="http://schemas.openxmlformats.org/drawingml/2006/compatibility" xmlns:p14="http://schemas.microsoft.com/office/powerpoint/2010/main" xmlns:p15="http://schemas.microsoft.com/office/powerpoint/2012/main" xmlns:ahyp="http://schemas.microsoft.com/office/drawing/2018/hyperlinkcolor" showMasterPhAnim="0" showMasterSp="0">
+<p:notes xmlns:a="http://schemas.openxmlformats.org/drawingml/2006/main" xmlns:r="http://schemas.openxmlformats.org/officeDocument/2006/relationships" xmlns:p="http://schemas.openxmlformats.org/presentationml/2006/main" showMasterSp="0" showMasterPhAnim="0">
   <p:cSld>
     <p:spTree>
       <p:nvGrpSpPr>
-        <p:cNvPr id="135" name="Shape 135"/>
+        <p:cNvPr id="1" name="Shape 135"/>
         <p:cNvGrpSpPr/>
         <p:nvPr/>
       </p:nvGrpSpPr>
@@ -1024,9 +1054,11 @@
       <p:sp>
         <p:nvSpPr>
           <p:cNvPr id="136" name="Google Shape;136;g90d13264de_0_56:notes"/>
-          <p:cNvSpPr/>
+          <p:cNvSpPr>
+            <a:spLocks noGrp="1" noRot="1" noChangeAspect="1"/>
+          </p:cNvSpPr>
           <p:nvPr>
-            <p:ph idx="2" type="sldImg"/>
+            <p:ph type="sldImg" idx="2"/>
           </p:nvPr>
         </p:nvSpPr>
         <p:spPr>
@@ -1035,9 +1067,13 @@
             <a:ext cx="6096000" cy="3429000"/>
           </a:xfrm>
           <a:custGeom>
-            <a:rect b="b" l="l" r="r" t="t"/>
+            <a:avLst/>
+            <a:gdLst/>
+            <a:ahLst/>
+            <a:cxnLst/>
+            <a:rect l="l" t="t" r="r" b="b"/>
             <a:pathLst>
-              <a:path extrusionOk="0" h="120000" w="120000">
+              <a:path w="120000" h="120000" extrusionOk="0">
                 <a:moveTo>
                   <a:pt x="0" y="0"/>
                 </a:moveTo>
@@ -1059,9 +1095,11 @@
       <p:sp>
         <p:nvSpPr>
           <p:cNvPr id="137" name="Google Shape;137;g90d13264de_0_56:notes"/>
-          <p:cNvSpPr txBox="1"/>
+          <p:cNvSpPr txBox="1">
+            <a:spLocks noGrp="1"/>
+          </p:cNvSpPr>
           <p:nvPr>
-            <p:ph idx="1" type="body"/>
+            <p:ph type="body" idx="1"/>
           </p:nvPr>
         </p:nvSpPr>
         <p:spPr>
@@ -1074,12 +1112,12 @@
           </a:prstGeom>
         </p:spPr>
         <p:txBody>
-          <a:bodyPr anchorCtr="0" anchor="t" bIns="91425" lIns="91425" spcFirstLastPara="1" rIns="91425" wrap="square" tIns="91425">
+          <a:bodyPr spcFirstLastPara="1" wrap="square" lIns="91425" tIns="91425" rIns="91425" bIns="91425" anchor="t" anchorCtr="0">
             <a:noAutofit/>
           </a:bodyPr>
           <a:lstStyle/>
           <a:p>
-            <a:pPr indent="0" lvl="0" marL="0" rtl="0" algn="l">
+            <a:pPr marL="0" lvl="0" indent="0" algn="l" rtl="0">
               <a:spcBef>
                 <a:spcPts val="0"/>
               </a:spcBef>
@@ -1088,9 +1126,6 @@
               </a:spcAft>
               <a:buNone/>
             </a:pPr>
-            <a:r>
-              <a:t/>
-            </a:r>
             <a:endParaRPr/>
           </a:p>
         </p:txBody>
@@ -1104,11 +1139,11 @@
 </file>
 
 <file path=ppt/notesSlides/notesSlide13.xml><?xml version="1.0" encoding="utf-8"?>
-<p:notes xmlns:a="http://schemas.openxmlformats.org/drawingml/2006/main" xmlns:r="http://schemas.openxmlformats.org/officeDocument/2006/relationships" xmlns:mc="http://schemas.openxmlformats.org/markup-compatibility/2006" xmlns:mv="urn:schemas-microsoft-com:mac:vml" xmlns:p="http://schemas.openxmlformats.org/presentationml/2006/main" xmlns:c="http://schemas.openxmlformats.org/drawingml/2006/chart" xmlns:dgm="http://schemas.openxmlformats.org/drawingml/2006/diagram" xmlns:o="urn:schemas-microsoft-com:office:office" xmlns:v="urn:schemas-microsoft-com:vml" xmlns:pvml="urn:schemas-microsoft-com:office:powerpoint" xmlns:com="http://schemas.openxmlformats.org/drawingml/2006/compatibility" xmlns:p14="http://schemas.microsoft.com/office/powerpoint/2010/main" xmlns:p15="http://schemas.microsoft.com/office/powerpoint/2012/main" xmlns:ahyp="http://schemas.microsoft.com/office/drawing/2018/hyperlinkcolor" showMasterPhAnim="0" showMasterSp="0">
+<p:notes xmlns:a="http://schemas.openxmlformats.org/drawingml/2006/main" xmlns:r="http://schemas.openxmlformats.org/officeDocument/2006/relationships" xmlns:p="http://schemas.openxmlformats.org/presentationml/2006/main" showMasterSp="0" showMasterPhAnim="0">
   <p:cSld>
     <p:spTree>
       <p:nvGrpSpPr>
-        <p:cNvPr id="142" name="Shape 142"/>
+        <p:cNvPr id="1" name="Shape 142"/>
         <p:cNvGrpSpPr/>
         <p:nvPr/>
       </p:nvGrpSpPr>
@@ -1123,9 +1158,11 @@
       <p:sp>
         <p:nvSpPr>
           <p:cNvPr id="143" name="Google Shape;143;g90d13264de_0_67:notes"/>
-          <p:cNvSpPr/>
+          <p:cNvSpPr>
+            <a:spLocks noGrp="1" noRot="1" noChangeAspect="1"/>
+          </p:cNvSpPr>
           <p:nvPr>
-            <p:ph idx="2" type="sldImg"/>
+            <p:ph type="sldImg" idx="2"/>
           </p:nvPr>
         </p:nvSpPr>
         <p:spPr>
@@ -1134,9 +1171,13 @@
             <a:ext cx="6096000" cy="3429000"/>
           </a:xfrm>
           <a:custGeom>
-            <a:rect b="b" l="l" r="r" t="t"/>
+            <a:avLst/>
+            <a:gdLst/>
+            <a:ahLst/>
+            <a:cxnLst/>
+            <a:rect l="l" t="t" r="r" b="b"/>
             <a:pathLst>
-              <a:path extrusionOk="0" h="120000" w="120000">
+              <a:path w="120000" h="120000" extrusionOk="0">
                 <a:moveTo>
                   <a:pt x="0" y="0"/>
                 </a:moveTo>
@@ -1158,9 +1199,11 @@
       <p:sp>
         <p:nvSpPr>
           <p:cNvPr id="144" name="Google Shape;144;g90d13264de_0_67:notes"/>
-          <p:cNvSpPr txBox="1"/>
+          <p:cNvSpPr txBox="1">
+            <a:spLocks noGrp="1"/>
+          </p:cNvSpPr>
           <p:nvPr>
-            <p:ph idx="1" type="body"/>
+            <p:ph type="body" idx="1"/>
           </p:nvPr>
         </p:nvSpPr>
         <p:spPr>
@@ -1173,12 +1216,12 @@
           </a:prstGeom>
         </p:spPr>
         <p:txBody>
-          <a:bodyPr anchorCtr="0" anchor="t" bIns="91425" lIns="91425" spcFirstLastPara="1" rIns="91425" wrap="square" tIns="91425">
+          <a:bodyPr spcFirstLastPara="1" wrap="square" lIns="91425" tIns="91425" rIns="91425" bIns="91425" anchor="t" anchorCtr="0">
             <a:noAutofit/>
           </a:bodyPr>
           <a:lstStyle/>
           <a:p>
-            <a:pPr indent="0" lvl="0" marL="0" rtl="0" algn="l">
+            <a:pPr marL="0" lvl="0" indent="0" algn="l" rtl="0">
               <a:spcBef>
                 <a:spcPts val="0"/>
               </a:spcBef>
@@ -1187,9 +1230,6 @@
               </a:spcAft>
               <a:buNone/>
             </a:pPr>
-            <a:r>
-              <a:t/>
-            </a:r>
             <a:endParaRPr/>
           </a:p>
         </p:txBody>
@@ -1203,11 +1243,11 @@
 </file>
 
 <file path=ppt/notesSlides/notesSlide14.xml><?xml version="1.0" encoding="utf-8"?>
-<p:notes xmlns:a="http://schemas.openxmlformats.org/drawingml/2006/main" xmlns:r="http://schemas.openxmlformats.org/officeDocument/2006/relationships" xmlns:mc="http://schemas.openxmlformats.org/markup-compatibility/2006" xmlns:mv="urn:schemas-microsoft-com:mac:vml" xmlns:p="http://schemas.openxmlformats.org/presentationml/2006/main" xmlns:c="http://schemas.openxmlformats.org/drawingml/2006/chart" xmlns:dgm="http://schemas.openxmlformats.org/drawingml/2006/diagram" xmlns:o="urn:schemas-microsoft-com:office:office" xmlns:v="urn:schemas-microsoft-com:vml" xmlns:pvml="urn:schemas-microsoft-com:office:powerpoint" xmlns:com="http://schemas.openxmlformats.org/drawingml/2006/compatibility" xmlns:p14="http://schemas.microsoft.com/office/powerpoint/2010/main" xmlns:p15="http://schemas.microsoft.com/office/powerpoint/2012/main" xmlns:ahyp="http://schemas.microsoft.com/office/drawing/2018/hyperlinkcolor" showMasterPhAnim="0" showMasterSp="0">
+<p:notes xmlns:a="http://schemas.openxmlformats.org/drawingml/2006/main" xmlns:r="http://schemas.openxmlformats.org/officeDocument/2006/relationships" xmlns:p="http://schemas.openxmlformats.org/presentationml/2006/main" showMasterSp="0" showMasterPhAnim="0">
   <p:cSld>
     <p:spTree>
       <p:nvGrpSpPr>
-        <p:cNvPr id="148" name="Shape 148"/>
+        <p:cNvPr id="1" name="Shape 148"/>
         <p:cNvGrpSpPr/>
         <p:nvPr/>
       </p:nvGrpSpPr>
@@ -1222,9 +1262,11 @@
       <p:sp>
         <p:nvSpPr>
           <p:cNvPr id="149" name="Google Shape;149;g90d13264de_1_15:notes"/>
-          <p:cNvSpPr/>
+          <p:cNvSpPr>
+            <a:spLocks noGrp="1" noRot="1" noChangeAspect="1"/>
+          </p:cNvSpPr>
           <p:nvPr>
-            <p:ph idx="2" type="sldImg"/>
+            <p:ph type="sldImg" idx="2"/>
           </p:nvPr>
         </p:nvSpPr>
         <p:spPr>
@@ -1233,9 +1275,13 @@
             <a:ext cx="6096000" cy="3429000"/>
           </a:xfrm>
           <a:custGeom>
-            <a:rect b="b" l="l" r="r" t="t"/>
+            <a:avLst/>
+            <a:gdLst/>
+            <a:ahLst/>
+            <a:cxnLst/>
+            <a:rect l="l" t="t" r="r" b="b"/>
             <a:pathLst>
-              <a:path extrusionOk="0" h="120000" w="120000">
+              <a:path w="120000" h="120000" extrusionOk="0">
                 <a:moveTo>
                   <a:pt x="0" y="0"/>
                 </a:moveTo>
@@ -1257,9 +1303,11 @@
       <p:sp>
         <p:nvSpPr>
           <p:cNvPr id="150" name="Google Shape;150;g90d13264de_1_15:notes"/>
-          <p:cNvSpPr txBox="1"/>
+          <p:cNvSpPr txBox="1">
+            <a:spLocks noGrp="1"/>
+          </p:cNvSpPr>
           <p:nvPr>
-            <p:ph idx="1" type="body"/>
+            <p:ph type="body" idx="1"/>
           </p:nvPr>
         </p:nvSpPr>
         <p:spPr>
@@ -1272,12 +1320,12 @@
           </a:prstGeom>
         </p:spPr>
         <p:txBody>
-          <a:bodyPr anchorCtr="0" anchor="t" bIns="91425" lIns="91425" spcFirstLastPara="1" rIns="91425" wrap="square" tIns="91425">
+          <a:bodyPr spcFirstLastPara="1" wrap="square" lIns="91425" tIns="91425" rIns="91425" bIns="91425" anchor="t" anchorCtr="0">
             <a:noAutofit/>
           </a:bodyPr>
           <a:lstStyle/>
           <a:p>
-            <a:pPr indent="0" lvl="0" marL="0" rtl="0" algn="l">
+            <a:pPr marL="0" lvl="0" indent="0" algn="l" rtl="0">
               <a:spcBef>
                 <a:spcPts val="0"/>
               </a:spcBef>
@@ -1286,9 +1334,6 @@
               </a:spcAft>
               <a:buNone/>
             </a:pPr>
-            <a:r>
-              <a:t/>
-            </a:r>
             <a:endParaRPr/>
           </a:p>
         </p:txBody>
@@ -1302,11 +1347,11 @@
 </file>
 
 <file path=ppt/notesSlides/notesSlide15.xml><?xml version="1.0" encoding="utf-8"?>
-<p:notes xmlns:a="http://schemas.openxmlformats.org/drawingml/2006/main" xmlns:r="http://schemas.openxmlformats.org/officeDocument/2006/relationships" xmlns:mc="http://schemas.openxmlformats.org/markup-compatibility/2006" xmlns:mv="urn:schemas-microsoft-com:mac:vml" xmlns:p="http://schemas.openxmlformats.org/presentationml/2006/main" xmlns:c="http://schemas.openxmlformats.org/drawingml/2006/chart" xmlns:dgm="http://schemas.openxmlformats.org/drawingml/2006/diagram" xmlns:o="urn:schemas-microsoft-com:office:office" xmlns:v="urn:schemas-microsoft-com:vml" xmlns:pvml="urn:schemas-microsoft-com:office:powerpoint" xmlns:com="http://schemas.openxmlformats.org/drawingml/2006/compatibility" xmlns:p14="http://schemas.microsoft.com/office/powerpoint/2010/main" xmlns:p15="http://schemas.microsoft.com/office/powerpoint/2012/main" xmlns:ahyp="http://schemas.microsoft.com/office/drawing/2018/hyperlinkcolor" showMasterPhAnim="0" showMasterSp="0">
+<p:notes xmlns:a="http://schemas.openxmlformats.org/drawingml/2006/main" xmlns:r="http://schemas.openxmlformats.org/officeDocument/2006/relationships" xmlns:p="http://schemas.openxmlformats.org/presentationml/2006/main" showMasterSp="0" showMasterPhAnim="0">
   <p:cSld>
     <p:spTree>
       <p:nvGrpSpPr>
-        <p:cNvPr id="154" name="Shape 154"/>
+        <p:cNvPr id="1" name="Shape 154"/>
         <p:cNvGrpSpPr/>
         <p:nvPr/>
       </p:nvGrpSpPr>
@@ -1321,9 +1366,11 @@
       <p:sp>
         <p:nvSpPr>
           <p:cNvPr id="155" name="Google Shape;155;g90d13264de_1_8:notes"/>
-          <p:cNvSpPr/>
+          <p:cNvSpPr>
+            <a:spLocks noGrp="1" noRot="1" noChangeAspect="1"/>
+          </p:cNvSpPr>
           <p:nvPr>
-            <p:ph idx="2" type="sldImg"/>
+            <p:ph type="sldImg" idx="2"/>
           </p:nvPr>
         </p:nvSpPr>
         <p:spPr>
@@ -1332,9 +1379,13 @@
             <a:ext cx="6096000" cy="3429000"/>
           </a:xfrm>
           <a:custGeom>
-            <a:rect b="b" l="l" r="r" t="t"/>
+            <a:avLst/>
+            <a:gdLst/>
+            <a:ahLst/>
+            <a:cxnLst/>
+            <a:rect l="l" t="t" r="r" b="b"/>
             <a:pathLst>
-              <a:path extrusionOk="0" h="120000" w="120000">
+              <a:path w="120000" h="120000" extrusionOk="0">
                 <a:moveTo>
                   <a:pt x="0" y="0"/>
                 </a:moveTo>
@@ -1356,9 +1407,11 @@
       <p:sp>
         <p:nvSpPr>
           <p:cNvPr id="156" name="Google Shape;156;g90d13264de_1_8:notes"/>
-          <p:cNvSpPr txBox="1"/>
+          <p:cNvSpPr txBox="1">
+            <a:spLocks noGrp="1"/>
+          </p:cNvSpPr>
           <p:nvPr>
-            <p:ph idx="1" type="body"/>
+            <p:ph type="body" idx="1"/>
           </p:nvPr>
         </p:nvSpPr>
         <p:spPr>
@@ -1371,12 +1424,12 @@
           </a:prstGeom>
         </p:spPr>
         <p:txBody>
-          <a:bodyPr anchorCtr="0" anchor="t" bIns="91425" lIns="91425" spcFirstLastPara="1" rIns="91425" wrap="square" tIns="91425">
+          <a:bodyPr spcFirstLastPara="1" wrap="square" lIns="91425" tIns="91425" rIns="91425" bIns="91425" anchor="t" anchorCtr="0">
             <a:noAutofit/>
           </a:bodyPr>
           <a:lstStyle/>
           <a:p>
-            <a:pPr indent="0" lvl="0" marL="0" rtl="0" algn="l">
+            <a:pPr marL="0" lvl="0" indent="0" algn="l" rtl="0">
               <a:spcBef>
                 <a:spcPts val="0"/>
               </a:spcBef>
@@ -1385,9 +1438,6 @@
               </a:spcAft>
               <a:buNone/>
             </a:pPr>
-            <a:r>
-              <a:t/>
-            </a:r>
             <a:endParaRPr/>
           </a:p>
         </p:txBody>
@@ -1401,11 +1451,11 @@
 </file>
 
 <file path=ppt/notesSlides/notesSlide16.xml><?xml version="1.0" encoding="utf-8"?>
-<p:notes xmlns:a="http://schemas.openxmlformats.org/drawingml/2006/main" xmlns:r="http://schemas.openxmlformats.org/officeDocument/2006/relationships" xmlns:mc="http://schemas.openxmlformats.org/markup-compatibility/2006" xmlns:mv="urn:schemas-microsoft-com:mac:vml" xmlns:p="http://schemas.openxmlformats.org/presentationml/2006/main" xmlns:c="http://schemas.openxmlformats.org/drawingml/2006/chart" xmlns:dgm="http://schemas.openxmlformats.org/drawingml/2006/diagram" xmlns:o="urn:schemas-microsoft-com:office:office" xmlns:v="urn:schemas-microsoft-com:vml" xmlns:pvml="urn:schemas-microsoft-com:office:powerpoint" xmlns:com="http://schemas.openxmlformats.org/drawingml/2006/compatibility" xmlns:p14="http://schemas.microsoft.com/office/powerpoint/2010/main" xmlns:p15="http://schemas.microsoft.com/office/powerpoint/2012/main" xmlns:ahyp="http://schemas.microsoft.com/office/drawing/2018/hyperlinkcolor" showMasterPhAnim="0" showMasterSp="0">
+<p:notes xmlns:a="http://schemas.openxmlformats.org/drawingml/2006/main" xmlns:r="http://schemas.openxmlformats.org/officeDocument/2006/relationships" xmlns:p="http://schemas.openxmlformats.org/presentationml/2006/main" showMasterSp="0" showMasterPhAnim="0">
   <p:cSld>
     <p:spTree>
       <p:nvGrpSpPr>
-        <p:cNvPr id="160" name="Shape 160"/>
+        <p:cNvPr id="1" name="Shape 160"/>
         <p:cNvGrpSpPr/>
         <p:nvPr/>
       </p:nvGrpSpPr>
@@ -1420,9 +1470,11 @@
       <p:sp>
         <p:nvSpPr>
           <p:cNvPr id="161" name="Google Shape;161;g90d13264de_1_21:notes"/>
-          <p:cNvSpPr/>
+          <p:cNvSpPr>
+            <a:spLocks noGrp="1" noRot="1" noChangeAspect="1"/>
+          </p:cNvSpPr>
           <p:nvPr>
-            <p:ph idx="2" type="sldImg"/>
+            <p:ph type="sldImg" idx="2"/>
           </p:nvPr>
         </p:nvSpPr>
         <p:spPr>
@@ -1431,9 +1483,13 @@
             <a:ext cx="6096000" cy="3429000"/>
           </a:xfrm>
           <a:custGeom>
-            <a:rect b="b" l="l" r="r" t="t"/>
+            <a:avLst/>
+            <a:gdLst/>
+            <a:ahLst/>
+            <a:cxnLst/>
+            <a:rect l="l" t="t" r="r" b="b"/>
             <a:pathLst>
-              <a:path extrusionOk="0" h="120000" w="120000">
+              <a:path w="120000" h="120000" extrusionOk="0">
                 <a:moveTo>
                   <a:pt x="0" y="0"/>
                 </a:moveTo>
@@ -1455,9 +1511,11 @@
       <p:sp>
         <p:nvSpPr>
           <p:cNvPr id="162" name="Google Shape;162;g90d13264de_1_21:notes"/>
-          <p:cNvSpPr txBox="1"/>
+          <p:cNvSpPr txBox="1">
+            <a:spLocks noGrp="1"/>
+          </p:cNvSpPr>
           <p:nvPr>
-            <p:ph idx="1" type="body"/>
+            <p:ph type="body" idx="1"/>
           </p:nvPr>
         </p:nvSpPr>
         <p:spPr>
@@ -1470,12 +1528,12 @@
           </a:prstGeom>
         </p:spPr>
         <p:txBody>
-          <a:bodyPr anchorCtr="0" anchor="t" bIns="91425" lIns="91425" spcFirstLastPara="1" rIns="91425" wrap="square" tIns="91425">
+          <a:bodyPr spcFirstLastPara="1" wrap="square" lIns="91425" tIns="91425" rIns="91425" bIns="91425" anchor="t" anchorCtr="0">
             <a:noAutofit/>
           </a:bodyPr>
           <a:lstStyle/>
           <a:p>
-            <a:pPr indent="0" lvl="0" marL="0" rtl="0" algn="l">
+            <a:pPr marL="0" lvl="0" indent="0" algn="l" rtl="0">
               <a:spcBef>
                 <a:spcPts val="0"/>
               </a:spcBef>
@@ -1484,9 +1542,6 @@
               </a:spcAft>
               <a:buNone/>
             </a:pPr>
-            <a:r>
-              <a:t/>
-            </a:r>
             <a:endParaRPr/>
           </a:p>
         </p:txBody>
@@ -1500,11 +1555,11 @@
 </file>
 
 <file path=ppt/notesSlides/notesSlide17.xml><?xml version="1.0" encoding="utf-8"?>
-<p:notes xmlns:a="http://schemas.openxmlformats.org/drawingml/2006/main" xmlns:r="http://schemas.openxmlformats.org/officeDocument/2006/relationships" xmlns:mc="http://schemas.openxmlformats.org/markup-compatibility/2006" xmlns:mv="urn:schemas-microsoft-com:mac:vml" xmlns:p="http://schemas.openxmlformats.org/presentationml/2006/main" xmlns:c="http://schemas.openxmlformats.org/drawingml/2006/chart" xmlns:dgm="http://schemas.openxmlformats.org/drawingml/2006/diagram" xmlns:o="urn:schemas-microsoft-com:office:office" xmlns:v="urn:schemas-microsoft-com:vml" xmlns:pvml="urn:schemas-microsoft-com:office:powerpoint" xmlns:com="http://schemas.openxmlformats.org/drawingml/2006/compatibility" xmlns:p14="http://schemas.microsoft.com/office/powerpoint/2010/main" xmlns:p15="http://schemas.microsoft.com/office/powerpoint/2012/main" xmlns:ahyp="http://schemas.microsoft.com/office/drawing/2018/hyperlinkcolor" showMasterPhAnim="0" showMasterSp="0">
+<p:notes xmlns:a="http://schemas.openxmlformats.org/drawingml/2006/main" xmlns:r="http://schemas.openxmlformats.org/officeDocument/2006/relationships" xmlns:p="http://schemas.openxmlformats.org/presentationml/2006/main" showMasterSp="0" showMasterPhAnim="0">
   <p:cSld>
     <p:spTree>
       <p:nvGrpSpPr>
-        <p:cNvPr id="166" name="Shape 166"/>
+        <p:cNvPr id="1" name="Shape 166"/>
         <p:cNvGrpSpPr/>
         <p:nvPr/>
       </p:nvGrpSpPr>
@@ -1519,9 +1574,11 @@
       <p:sp>
         <p:nvSpPr>
           <p:cNvPr id="167" name="Google Shape;167;g90d13264de_0_62:notes"/>
-          <p:cNvSpPr/>
+          <p:cNvSpPr>
+            <a:spLocks noGrp="1" noRot="1" noChangeAspect="1"/>
+          </p:cNvSpPr>
           <p:nvPr>
-            <p:ph idx="2" type="sldImg"/>
+            <p:ph type="sldImg" idx="2"/>
           </p:nvPr>
         </p:nvSpPr>
         <p:spPr>
@@ -1530,9 +1587,13 @@
             <a:ext cx="6096000" cy="3429000"/>
           </a:xfrm>
           <a:custGeom>
-            <a:rect b="b" l="l" r="r" t="t"/>
+            <a:avLst/>
+            <a:gdLst/>
+            <a:ahLst/>
+            <a:cxnLst/>
+            <a:rect l="l" t="t" r="r" b="b"/>
             <a:pathLst>
-              <a:path extrusionOk="0" h="120000" w="120000">
+              <a:path w="120000" h="120000" extrusionOk="0">
                 <a:moveTo>
                   <a:pt x="0" y="0"/>
                 </a:moveTo>
@@ -1554,9 +1615,11 @@
       <p:sp>
         <p:nvSpPr>
           <p:cNvPr id="168" name="Google Shape;168;g90d13264de_0_62:notes"/>
-          <p:cNvSpPr txBox="1"/>
+          <p:cNvSpPr txBox="1">
+            <a:spLocks noGrp="1"/>
+          </p:cNvSpPr>
           <p:nvPr>
-            <p:ph idx="1" type="body"/>
+            <p:ph type="body" idx="1"/>
           </p:nvPr>
         </p:nvSpPr>
         <p:spPr>
@@ -1569,12 +1632,12 @@
           </a:prstGeom>
         </p:spPr>
         <p:txBody>
-          <a:bodyPr anchorCtr="0" anchor="t" bIns="91425" lIns="91425" spcFirstLastPara="1" rIns="91425" wrap="square" tIns="91425">
+          <a:bodyPr spcFirstLastPara="1" wrap="square" lIns="91425" tIns="91425" rIns="91425" bIns="91425" anchor="t" anchorCtr="0">
             <a:noAutofit/>
           </a:bodyPr>
           <a:lstStyle/>
           <a:p>
-            <a:pPr indent="0" lvl="0" marL="0" rtl="0" algn="l">
+            <a:pPr marL="0" lvl="0" indent="0" algn="l" rtl="0">
               <a:spcBef>
                 <a:spcPts val="0"/>
               </a:spcBef>
@@ -1583,9 +1646,6 @@
               </a:spcAft>
               <a:buNone/>
             </a:pPr>
-            <a:r>
-              <a:t/>
-            </a:r>
             <a:endParaRPr/>
           </a:p>
         </p:txBody>
@@ -1599,11 +1659,11 @@
 </file>
 
 <file path=ppt/notesSlides/notesSlide2.xml><?xml version="1.0" encoding="utf-8"?>
-<p:notes xmlns:a="http://schemas.openxmlformats.org/drawingml/2006/main" xmlns:r="http://schemas.openxmlformats.org/officeDocument/2006/relationships" xmlns:mc="http://schemas.openxmlformats.org/markup-compatibility/2006" xmlns:mv="urn:schemas-microsoft-com:mac:vml" xmlns:p="http://schemas.openxmlformats.org/presentationml/2006/main" xmlns:c="http://schemas.openxmlformats.org/drawingml/2006/chart" xmlns:dgm="http://schemas.openxmlformats.org/drawingml/2006/diagram" xmlns:o="urn:schemas-microsoft-com:office:office" xmlns:v="urn:schemas-microsoft-com:vml" xmlns:pvml="urn:schemas-microsoft-com:office:powerpoint" xmlns:com="http://schemas.openxmlformats.org/drawingml/2006/compatibility" xmlns:p14="http://schemas.microsoft.com/office/powerpoint/2010/main" xmlns:p15="http://schemas.microsoft.com/office/powerpoint/2012/main" xmlns:ahyp="http://schemas.microsoft.com/office/drawing/2018/hyperlinkcolor" showMasterPhAnim="0" showMasterSp="0">
+<p:notes xmlns:a="http://schemas.openxmlformats.org/drawingml/2006/main" xmlns:r="http://schemas.openxmlformats.org/officeDocument/2006/relationships" xmlns:p="http://schemas.openxmlformats.org/presentationml/2006/main" showMasterSp="0" showMasterPhAnim="0">
   <p:cSld>
     <p:spTree>
       <p:nvGrpSpPr>
-        <p:cNvPr id="56" name="Shape 56"/>
+        <p:cNvPr id="1" name="Shape 56"/>
         <p:cNvGrpSpPr/>
         <p:nvPr/>
       </p:nvGrpSpPr>
@@ -1618,20 +1678,26 @@
       <p:sp>
         <p:nvSpPr>
           <p:cNvPr id="57" name="Google Shape;57;g8d848f1021_0_215:notes"/>
-          <p:cNvSpPr/>
+          <p:cNvSpPr>
+            <a:spLocks noGrp="1" noRot="1" noChangeAspect="1"/>
+          </p:cNvSpPr>
           <p:nvPr>
-            <p:ph idx="2" type="sldImg"/>
+            <p:ph type="sldImg" idx="2"/>
           </p:nvPr>
         </p:nvSpPr>
         <p:spPr>
           <a:xfrm>
-            <a:off x="381300" y="685800"/>
+            <a:off x="381000" y="685800"/>
             <a:ext cx="6096000" cy="3429000"/>
           </a:xfrm>
           <a:custGeom>
-            <a:rect b="b" l="l" r="r" t="t"/>
+            <a:avLst/>
+            <a:gdLst/>
+            <a:ahLst/>
+            <a:cxnLst/>
+            <a:rect l="l" t="t" r="r" b="b"/>
             <a:pathLst>
-              <a:path extrusionOk="0" h="120000" w="120000">
+              <a:path w="120000" h="120000" extrusionOk="0">
                 <a:moveTo>
                   <a:pt x="0" y="0"/>
                 </a:moveTo>
@@ -1653,9 +1719,11 @@
       <p:sp>
         <p:nvSpPr>
           <p:cNvPr id="58" name="Google Shape;58;g8d848f1021_0_215:notes"/>
-          <p:cNvSpPr txBox="1"/>
+          <p:cNvSpPr txBox="1">
+            <a:spLocks noGrp="1"/>
+          </p:cNvSpPr>
           <p:nvPr>
-            <p:ph idx="1" type="body"/>
+            <p:ph type="body" idx="1"/>
           </p:nvPr>
         </p:nvSpPr>
         <p:spPr>
@@ -1668,12 +1736,12 @@
           </a:prstGeom>
         </p:spPr>
         <p:txBody>
-          <a:bodyPr anchorCtr="0" anchor="t" bIns="91425" lIns="91425" spcFirstLastPara="1" rIns="91425" wrap="square" tIns="91425">
+          <a:bodyPr spcFirstLastPara="1" wrap="square" lIns="91425" tIns="91425" rIns="91425" bIns="91425" anchor="t" anchorCtr="0">
             <a:noAutofit/>
           </a:bodyPr>
           <a:lstStyle/>
           <a:p>
-            <a:pPr indent="0" lvl="0" marL="0" rtl="0" algn="l">
+            <a:pPr marL="0" lvl="0" indent="0" algn="l" rtl="0">
               <a:spcBef>
                 <a:spcPts val="0"/>
               </a:spcBef>
@@ -1682,9 +1750,6 @@
               </a:spcAft>
               <a:buNone/>
             </a:pPr>
-            <a:r>
-              <a:t/>
-            </a:r>
             <a:endParaRPr/>
           </a:p>
         </p:txBody>
@@ -1698,11 +1763,11 @@
 </file>
 
 <file path=ppt/notesSlides/notesSlide3.xml><?xml version="1.0" encoding="utf-8"?>
-<p:notes xmlns:a="http://schemas.openxmlformats.org/drawingml/2006/main" xmlns:r="http://schemas.openxmlformats.org/officeDocument/2006/relationships" xmlns:mc="http://schemas.openxmlformats.org/markup-compatibility/2006" xmlns:mv="urn:schemas-microsoft-com:mac:vml" xmlns:p="http://schemas.openxmlformats.org/presentationml/2006/main" xmlns:c="http://schemas.openxmlformats.org/drawingml/2006/chart" xmlns:dgm="http://schemas.openxmlformats.org/drawingml/2006/diagram" xmlns:o="urn:schemas-microsoft-com:office:office" xmlns:v="urn:schemas-microsoft-com:vml" xmlns:pvml="urn:schemas-microsoft-com:office:powerpoint" xmlns:com="http://schemas.openxmlformats.org/drawingml/2006/compatibility" xmlns:p14="http://schemas.microsoft.com/office/powerpoint/2010/main" xmlns:p15="http://schemas.microsoft.com/office/powerpoint/2012/main" xmlns:ahyp="http://schemas.microsoft.com/office/drawing/2018/hyperlinkcolor" showMasterPhAnim="0" showMasterSp="0">
+<p:notes xmlns:a="http://schemas.openxmlformats.org/drawingml/2006/main" xmlns:r="http://schemas.openxmlformats.org/officeDocument/2006/relationships" xmlns:p="http://schemas.openxmlformats.org/presentationml/2006/main" showMasterSp="0" showMasterPhAnim="0">
   <p:cSld>
     <p:spTree>
       <p:nvGrpSpPr>
-        <p:cNvPr id="66" name="Shape 66"/>
+        <p:cNvPr id="1" name="Shape 66"/>
         <p:cNvGrpSpPr/>
         <p:nvPr/>
       </p:nvGrpSpPr>
@@ -1717,20 +1782,26 @@
       <p:sp>
         <p:nvSpPr>
           <p:cNvPr id="67" name="Google Shape;67;g90d13264de_0_1:notes"/>
-          <p:cNvSpPr/>
+          <p:cNvSpPr>
+            <a:spLocks noGrp="1" noRot="1" noChangeAspect="1"/>
+          </p:cNvSpPr>
           <p:nvPr>
-            <p:ph idx="2" type="sldImg"/>
+            <p:ph type="sldImg" idx="2"/>
           </p:nvPr>
         </p:nvSpPr>
         <p:spPr>
           <a:xfrm>
-            <a:off x="381300" y="685800"/>
+            <a:off x="381000" y="685800"/>
             <a:ext cx="6096000" cy="3429000"/>
           </a:xfrm>
           <a:custGeom>
-            <a:rect b="b" l="l" r="r" t="t"/>
+            <a:avLst/>
+            <a:gdLst/>
+            <a:ahLst/>
+            <a:cxnLst/>
+            <a:rect l="l" t="t" r="r" b="b"/>
             <a:pathLst>
-              <a:path extrusionOk="0" h="120000" w="120000">
+              <a:path w="120000" h="120000" extrusionOk="0">
                 <a:moveTo>
                   <a:pt x="0" y="0"/>
                 </a:moveTo>
@@ -1752,9 +1823,11 @@
       <p:sp>
         <p:nvSpPr>
           <p:cNvPr id="68" name="Google Shape;68;g90d13264de_0_1:notes"/>
-          <p:cNvSpPr txBox="1"/>
+          <p:cNvSpPr txBox="1">
+            <a:spLocks noGrp="1"/>
+          </p:cNvSpPr>
           <p:nvPr>
-            <p:ph idx="1" type="body"/>
+            <p:ph type="body" idx="1"/>
           </p:nvPr>
         </p:nvSpPr>
         <p:spPr>
@@ -1767,12 +1840,12 @@
           </a:prstGeom>
         </p:spPr>
         <p:txBody>
-          <a:bodyPr anchorCtr="0" anchor="t" bIns="91425" lIns="91425" spcFirstLastPara="1" rIns="91425" wrap="square" tIns="91425">
+          <a:bodyPr spcFirstLastPara="1" wrap="square" lIns="91425" tIns="91425" rIns="91425" bIns="91425" anchor="t" anchorCtr="0">
             <a:noAutofit/>
           </a:bodyPr>
           <a:lstStyle/>
           <a:p>
-            <a:pPr indent="0" lvl="0" marL="0" rtl="0" algn="l">
+            <a:pPr marL="0" lvl="0" indent="0" algn="l" rtl="0">
               <a:spcBef>
                 <a:spcPts val="0"/>
               </a:spcBef>
@@ -1781,9 +1854,6 @@
               </a:spcAft>
               <a:buNone/>
             </a:pPr>
-            <a:r>
-              <a:t/>
-            </a:r>
             <a:endParaRPr/>
           </a:p>
         </p:txBody>
@@ -1797,11 +1867,11 @@
 </file>
 
 <file path=ppt/notesSlides/notesSlide4.xml><?xml version="1.0" encoding="utf-8"?>
-<p:notes xmlns:a="http://schemas.openxmlformats.org/drawingml/2006/main" xmlns:r="http://schemas.openxmlformats.org/officeDocument/2006/relationships" xmlns:mc="http://schemas.openxmlformats.org/markup-compatibility/2006" xmlns:mv="urn:schemas-microsoft-com:mac:vml" xmlns:p="http://schemas.openxmlformats.org/presentationml/2006/main" xmlns:c="http://schemas.openxmlformats.org/drawingml/2006/chart" xmlns:dgm="http://schemas.openxmlformats.org/drawingml/2006/diagram" xmlns:o="urn:schemas-microsoft-com:office:office" xmlns:v="urn:schemas-microsoft-com:vml" xmlns:pvml="urn:schemas-microsoft-com:office:powerpoint" xmlns:com="http://schemas.openxmlformats.org/drawingml/2006/compatibility" xmlns:p14="http://schemas.microsoft.com/office/powerpoint/2010/main" xmlns:p15="http://schemas.microsoft.com/office/powerpoint/2012/main" xmlns:ahyp="http://schemas.microsoft.com/office/drawing/2018/hyperlinkcolor" showMasterPhAnim="0" showMasterSp="0">
+<p:notes xmlns:a="http://schemas.openxmlformats.org/drawingml/2006/main" xmlns:r="http://schemas.openxmlformats.org/officeDocument/2006/relationships" xmlns:p="http://schemas.openxmlformats.org/presentationml/2006/main" showMasterSp="0" showMasterPhAnim="0">
   <p:cSld>
     <p:spTree>
       <p:nvGrpSpPr>
-        <p:cNvPr id="75" name="Shape 75"/>
+        <p:cNvPr id="1" name="Shape 75"/>
         <p:cNvGrpSpPr/>
         <p:nvPr/>
       </p:nvGrpSpPr>
@@ -1816,9 +1886,11 @@
       <p:sp>
         <p:nvSpPr>
           <p:cNvPr id="76" name="Google Shape;76;g90d13264de_0_16:notes"/>
-          <p:cNvSpPr/>
+          <p:cNvSpPr>
+            <a:spLocks noGrp="1" noRot="1" noChangeAspect="1"/>
+          </p:cNvSpPr>
           <p:nvPr>
-            <p:ph idx="2" type="sldImg"/>
+            <p:ph type="sldImg" idx="2"/>
           </p:nvPr>
         </p:nvSpPr>
         <p:spPr>
@@ -1827,9 +1899,13 @@
             <a:ext cx="6096000" cy="3429000"/>
           </a:xfrm>
           <a:custGeom>
-            <a:rect b="b" l="l" r="r" t="t"/>
+            <a:avLst/>
+            <a:gdLst/>
+            <a:ahLst/>
+            <a:cxnLst/>
+            <a:rect l="l" t="t" r="r" b="b"/>
             <a:pathLst>
-              <a:path extrusionOk="0" h="120000" w="120000">
+              <a:path w="120000" h="120000" extrusionOk="0">
                 <a:moveTo>
                   <a:pt x="0" y="0"/>
                 </a:moveTo>
@@ -1851,9 +1927,11 @@
       <p:sp>
         <p:nvSpPr>
           <p:cNvPr id="77" name="Google Shape;77;g90d13264de_0_16:notes"/>
-          <p:cNvSpPr txBox="1"/>
+          <p:cNvSpPr txBox="1">
+            <a:spLocks noGrp="1"/>
+          </p:cNvSpPr>
           <p:nvPr>
-            <p:ph idx="1" type="body"/>
+            <p:ph type="body" idx="1"/>
           </p:nvPr>
         </p:nvSpPr>
         <p:spPr>
@@ -1866,12 +1944,12 @@
           </a:prstGeom>
         </p:spPr>
         <p:txBody>
-          <a:bodyPr anchorCtr="0" anchor="t" bIns="91425" lIns="91425" spcFirstLastPara="1" rIns="91425" wrap="square" tIns="91425">
+          <a:bodyPr spcFirstLastPara="1" wrap="square" lIns="91425" tIns="91425" rIns="91425" bIns="91425" anchor="t" anchorCtr="0">
             <a:noAutofit/>
           </a:bodyPr>
           <a:lstStyle/>
           <a:p>
-            <a:pPr indent="0" lvl="0" marL="0" rtl="0" algn="l">
+            <a:pPr marL="0" lvl="0" indent="0" algn="l" rtl="0">
               <a:spcBef>
                 <a:spcPts val="0"/>
               </a:spcBef>
@@ -1880,9 +1958,6 @@
               </a:spcAft>
               <a:buNone/>
             </a:pPr>
-            <a:r>
-              <a:t/>
-            </a:r>
             <a:endParaRPr/>
           </a:p>
         </p:txBody>
@@ -1896,11 +1971,11 @@
 </file>
 
 <file path=ppt/notesSlides/notesSlide5.xml><?xml version="1.0" encoding="utf-8"?>
-<p:notes xmlns:a="http://schemas.openxmlformats.org/drawingml/2006/main" xmlns:r="http://schemas.openxmlformats.org/officeDocument/2006/relationships" xmlns:mc="http://schemas.openxmlformats.org/markup-compatibility/2006" xmlns:mv="urn:schemas-microsoft-com:mac:vml" xmlns:p="http://schemas.openxmlformats.org/presentationml/2006/main" xmlns:c="http://schemas.openxmlformats.org/drawingml/2006/chart" xmlns:dgm="http://schemas.openxmlformats.org/drawingml/2006/diagram" xmlns:o="urn:schemas-microsoft-com:office:office" xmlns:v="urn:schemas-microsoft-com:vml" xmlns:pvml="urn:schemas-microsoft-com:office:powerpoint" xmlns:com="http://schemas.openxmlformats.org/drawingml/2006/compatibility" xmlns:p14="http://schemas.microsoft.com/office/powerpoint/2010/main" xmlns:p15="http://schemas.microsoft.com/office/powerpoint/2012/main" xmlns:ahyp="http://schemas.microsoft.com/office/drawing/2018/hyperlinkcolor" showMasterPhAnim="0" showMasterSp="0">
+<p:notes xmlns:a="http://schemas.openxmlformats.org/drawingml/2006/main" xmlns:r="http://schemas.openxmlformats.org/officeDocument/2006/relationships" xmlns:p="http://schemas.openxmlformats.org/presentationml/2006/main" showMasterSp="0" showMasterPhAnim="0">
   <p:cSld>
     <p:spTree>
       <p:nvGrpSpPr>
-        <p:cNvPr id="81" name="Shape 81"/>
+        <p:cNvPr id="1" name="Shape 81"/>
         <p:cNvGrpSpPr/>
         <p:nvPr/>
       </p:nvGrpSpPr>
@@ -1915,9 +1990,11 @@
       <p:sp>
         <p:nvSpPr>
           <p:cNvPr id="82" name="Google Shape;82;g8d848f1021_0_220:notes"/>
-          <p:cNvSpPr/>
+          <p:cNvSpPr>
+            <a:spLocks noGrp="1" noRot="1" noChangeAspect="1"/>
+          </p:cNvSpPr>
           <p:nvPr>
-            <p:ph idx="2" type="sldImg"/>
+            <p:ph type="sldImg" idx="2"/>
           </p:nvPr>
         </p:nvSpPr>
         <p:spPr>
@@ -1926,9 +2003,13 @@
             <a:ext cx="6096000" cy="3429000"/>
           </a:xfrm>
           <a:custGeom>
-            <a:rect b="b" l="l" r="r" t="t"/>
+            <a:avLst/>
+            <a:gdLst/>
+            <a:ahLst/>
+            <a:cxnLst/>
+            <a:rect l="l" t="t" r="r" b="b"/>
             <a:pathLst>
-              <a:path extrusionOk="0" h="120000" w="120000">
+              <a:path w="120000" h="120000" extrusionOk="0">
                 <a:moveTo>
                   <a:pt x="0" y="0"/>
                 </a:moveTo>
@@ -1950,9 +2031,11 @@
       <p:sp>
         <p:nvSpPr>
           <p:cNvPr id="83" name="Google Shape;83;g8d848f1021_0_220:notes"/>
-          <p:cNvSpPr txBox="1"/>
+          <p:cNvSpPr txBox="1">
+            <a:spLocks noGrp="1"/>
+          </p:cNvSpPr>
           <p:nvPr>
-            <p:ph idx="1" type="body"/>
+            <p:ph type="body" idx="1"/>
           </p:nvPr>
         </p:nvSpPr>
         <p:spPr>
@@ -1965,12 +2048,12 @@
           </a:prstGeom>
         </p:spPr>
         <p:txBody>
-          <a:bodyPr anchorCtr="0" anchor="t" bIns="91425" lIns="91425" spcFirstLastPara="1" rIns="91425" wrap="square" tIns="91425">
+          <a:bodyPr spcFirstLastPara="1" wrap="square" lIns="91425" tIns="91425" rIns="91425" bIns="91425" anchor="t" anchorCtr="0">
             <a:noAutofit/>
           </a:bodyPr>
           <a:lstStyle/>
           <a:p>
-            <a:pPr indent="0" lvl="0" marL="0" rtl="0" algn="l">
+            <a:pPr marL="0" lvl="0" indent="0" algn="l" rtl="0">
               <a:spcBef>
                 <a:spcPts val="0"/>
               </a:spcBef>
@@ -1979,9 +2062,6 @@
               </a:spcAft>
               <a:buNone/>
             </a:pPr>
-            <a:r>
-              <a:t/>
-            </a:r>
             <a:endParaRPr/>
           </a:p>
         </p:txBody>
@@ -1995,11 +2075,11 @@
 </file>
 
 <file path=ppt/notesSlides/notesSlide6.xml><?xml version="1.0" encoding="utf-8"?>
-<p:notes xmlns:a="http://schemas.openxmlformats.org/drawingml/2006/main" xmlns:r="http://schemas.openxmlformats.org/officeDocument/2006/relationships" xmlns:mc="http://schemas.openxmlformats.org/markup-compatibility/2006" xmlns:mv="urn:schemas-microsoft-com:mac:vml" xmlns:p="http://schemas.openxmlformats.org/presentationml/2006/main" xmlns:c="http://schemas.openxmlformats.org/drawingml/2006/chart" xmlns:dgm="http://schemas.openxmlformats.org/drawingml/2006/diagram" xmlns:o="urn:schemas-microsoft-com:office:office" xmlns:v="urn:schemas-microsoft-com:vml" xmlns:pvml="urn:schemas-microsoft-com:office:powerpoint" xmlns:com="http://schemas.openxmlformats.org/drawingml/2006/compatibility" xmlns:p14="http://schemas.microsoft.com/office/powerpoint/2010/main" xmlns:p15="http://schemas.microsoft.com/office/powerpoint/2012/main" xmlns:ahyp="http://schemas.microsoft.com/office/drawing/2018/hyperlinkcolor" showMasterPhAnim="0" showMasterSp="0">
+<p:notes xmlns:a="http://schemas.openxmlformats.org/drawingml/2006/main" xmlns:r="http://schemas.openxmlformats.org/officeDocument/2006/relationships" xmlns:p="http://schemas.openxmlformats.org/presentationml/2006/main" showMasterSp="0" showMasterPhAnim="0">
   <p:cSld>
     <p:spTree>
       <p:nvGrpSpPr>
-        <p:cNvPr id="90" name="Shape 90"/>
+        <p:cNvPr id="1" name="Shape 90"/>
         <p:cNvGrpSpPr/>
         <p:nvPr/>
       </p:nvGrpSpPr>
@@ -2014,20 +2094,26 @@
       <p:sp>
         <p:nvSpPr>
           <p:cNvPr id="91" name="Google Shape;91;g8d848f1021_1_3:notes"/>
-          <p:cNvSpPr/>
+          <p:cNvSpPr>
+            <a:spLocks noGrp="1" noRot="1" noChangeAspect="1"/>
+          </p:cNvSpPr>
           <p:nvPr>
-            <p:ph idx="2" type="sldImg"/>
+            <p:ph type="sldImg" idx="2"/>
           </p:nvPr>
         </p:nvSpPr>
         <p:spPr>
           <a:xfrm>
-            <a:off x="381300" y="685800"/>
+            <a:off x="381000" y="685800"/>
             <a:ext cx="6096000" cy="3429000"/>
           </a:xfrm>
           <a:custGeom>
-            <a:rect b="b" l="l" r="r" t="t"/>
+            <a:avLst/>
+            <a:gdLst/>
+            <a:ahLst/>
+            <a:cxnLst/>
+            <a:rect l="l" t="t" r="r" b="b"/>
             <a:pathLst>
-              <a:path extrusionOk="0" h="120000" w="120000">
+              <a:path w="120000" h="120000" extrusionOk="0">
                 <a:moveTo>
                   <a:pt x="0" y="0"/>
                 </a:moveTo>
@@ -2049,9 +2135,11 @@
       <p:sp>
         <p:nvSpPr>
           <p:cNvPr id="92" name="Google Shape;92;g8d848f1021_1_3:notes"/>
-          <p:cNvSpPr txBox="1"/>
+          <p:cNvSpPr txBox="1">
+            <a:spLocks noGrp="1"/>
+          </p:cNvSpPr>
           <p:nvPr>
-            <p:ph idx="1" type="body"/>
+            <p:ph type="body" idx="1"/>
           </p:nvPr>
         </p:nvSpPr>
         <p:spPr>
@@ -2064,12 +2152,12 @@
           </a:prstGeom>
         </p:spPr>
         <p:txBody>
-          <a:bodyPr anchorCtr="0" anchor="t" bIns="91425" lIns="91425" spcFirstLastPara="1" rIns="91425" wrap="square" tIns="91425">
+          <a:bodyPr spcFirstLastPara="1" wrap="square" lIns="91425" tIns="91425" rIns="91425" bIns="91425" anchor="t" anchorCtr="0">
             <a:noAutofit/>
           </a:bodyPr>
           <a:lstStyle/>
           <a:p>
-            <a:pPr indent="0" lvl="0" marL="0" rtl="0" algn="l">
+            <a:pPr marL="0" lvl="0" indent="0" algn="l" rtl="0">
               <a:spcBef>
                 <a:spcPts val="0"/>
               </a:spcBef>
@@ -2078,9 +2166,6 @@
               </a:spcAft>
               <a:buNone/>
             </a:pPr>
-            <a:r>
-              <a:t/>
-            </a:r>
             <a:endParaRPr/>
           </a:p>
         </p:txBody>
@@ -2094,11 +2179,11 @@
 </file>
 
 <file path=ppt/notesSlides/notesSlide7.xml><?xml version="1.0" encoding="utf-8"?>
-<p:notes xmlns:a="http://schemas.openxmlformats.org/drawingml/2006/main" xmlns:r="http://schemas.openxmlformats.org/officeDocument/2006/relationships" xmlns:mc="http://schemas.openxmlformats.org/markup-compatibility/2006" xmlns:mv="urn:schemas-microsoft-com:mac:vml" xmlns:p="http://schemas.openxmlformats.org/presentationml/2006/main" xmlns:c="http://schemas.openxmlformats.org/drawingml/2006/chart" xmlns:dgm="http://schemas.openxmlformats.org/drawingml/2006/diagram" xmlns:o="urn:schemas-microsoft-com:office:office" xmlns:v="urn:schemas-microsoft-com:vml" xmlns:pvml="urn:schemas-microsoft-com:office:powerpoint" xmlns:com="http://schemas.openxmlformats.org/drawingml/2006/compatibility" xmlns:p14="http://schemas.microsoft.com/office/powerpoint/2010/main" xmlns:p15="http://schemas.microsoft.com/office/powerpoint/2012/main" xmlns:ahyp="http://schemas.microsoft.com/office/drawing/2018/hyperlinkcolor" showMasterPhAnim="0" showMasterSp="0">
+<p:notes xmlns:a="http://schemas.openxmlformats.org/drawingml/2006/main" xmlns:r="http://schemas.openxmlformats.org/officeDocument/2006/relationships" xmlns:p="http://schemas.openxmlformats.org/presentationml/2006/main" showMasterSp="0" showMasterPhAnim="0">
   <p:cSld>
     <p:spTree>
       <p:nvGrpSpPr>
-        <p:cNvPr id="100" name="Shape 100"/>
+        <p:cNvPr id="1" name="Shape 100"/>
         <p:cNvGrpSpPr/>
         <p:nvPr/>
       </p:nvGrpSpPr>
@@ -2113,9 +2198,11 @@
       <p:sp>
         <p:nvSpPr>
           <p:cNvPr id="101" name="Google Shape;101;g90d13264de_0_34:notes"/>
-          <p:cNvSpPr/>
+          <p:cNvSpPr>
+            <a:spLocks noGrp="1" noRot="1" noChangeAspect="1"/>
+          </p:cNvSpPr>
           <p:nvPr>
-            <p:ph idx="2" type="sldImg"/>
+            <p:ph type="sldImg" idx="2"/>
           </p:nvPr>
         </p:nvSpPr>
         <p:spPr>
@@ -2124,9 +2211,13 @@
             <a:ext cx="6096000" cy="3429000"/>
           </a:xfrm>
           <a:custGeom>
-            <a:rect b="b" l="l" r="r" t="t"/>
+            <a:avLst/>
+            <a:gdLst/>
+            <a:ahLst/>
+            <a:cxnLst/>
+            <a:rect l="l" t="t" r="r" b="b"/>
             <a:pathLst>
-              <a:path extrusionOk="0" h="120000" w="120000">
+              <a:path w="120000" h="120000" extrusionOk="0">
                 <a:moveTo>
                   <a:pt x="0" y="0"/>
                 </a:moveTo>
@@ -2148,9 +2239,11 @@
       <p:sp>
         <p:nvSpPr>
           <p:cNvPr id="102" name="Google Shape;102;g90d13264de_0_34:notes"/>
-          <p:cNvSpPr txBox="1"/>
+          <p:cNvSpPr txBox="1">
+            <a:spLocks noGrp="1"/>
+          </p:cNvSpPr>
           <p:nvPr>
-            <p:ph idx="1" type="body"/>
+            <p:ph type="body" idx="1"/>
           </p:nvPr>
         </p:nvSpPr>
         <p:spPr>
@@ -2163,12 +2256,12 @@
           </a:prstGeom>
         </p:spPr>
         <p:txBody>
-          <a:bodyPr anchorCtr="0" anchor="t" bIns="91425" lIns="91425" spcFirstLastPara="1" rIns="91425" wrap="square" tIns="91425">
+          <a:bodyPr spcFirstLastPara="1" wrap="square" lIns="91425" tIns="91425" rIns="91425" bIns="91425" anchor="t" anchorCtr="0">
             <a:noAutofit/>
           </a:bodyPr>
           <a:lstStyle/>
           <a:p>
-            <a:pPr indent="0" lvl="0" marL="0" rtl="0" algn="l">
+            <a:pPr marL="0" lvl="0" indent="0" algn="l" rtl="0">
               <a:spcBef>
                 <a:spcPts val="0"/>
               </a:spcBef>
@@ -2177,9 +2270,6 @@
               </a:spcAft>
               <a:buNone/>
             </a:pPr>
-            <a:r>
-              <a:t/>
-            </a:r>
             <a:endParaRPr/>
           </a:p>
         </p:txBody>
@@ -2193,11 +2283,11 @@
 </file>
 
 <file path=ppt/notesSlides/notesSlide8.xml><?xml version="1.0" encoding="utf-8"?>
-<p:notes xmlns:a="http://schemas.openxmlformats.org/drawingml/2006/main" xmlns:r="http://schemas.openxmlformats.org/officeDocument/2006/relationships" xmlns:mc="http://schemas.openxmlformats.org/markup-compatibility/2006" xmlns:mv="urn:schemas-microsoft-com:mac:vml" xmlns:p="http://schemas.openxmlformats.org/presentationml/2006/main" xmlns:c="http://schemas.openxmlformats.org/drawingml/2006/chart" xmlns:dgm="http://schemas.openxmlformats.org/drawingml/2006/diagram" xmlns:o="urn:schemas-microsoft-com:office:office" xmlns:v="urn:schemas-microsoft-com:vml" xmlns:pvml="urn:schemas-microsoft-com:office:powerpoint" xmlns:com="http://schemas.openxmlformats.org/drawingml/2006/compatibility" xmlns:p14="http://schemas.microsoft.com/office/powerpoint/2010/main" xmlns:p15="http://schemas.microsoft.com/office/powerpoint/2012/main" xmlns:ahyp="http://schemas.microsoft.com/office/drawing/2018/hyperlinkcolor" showMasterPhAnim="0" showMasterSp="0">
+<p:notes xmlns:a="http://schemas.openxmlformats.org/drawingml/2006/main" xmlns:r="http://schemas.openxmlformats.org/officeDocument/2006/relationships" xmlns:p="http://schemas.openxmlformats.org/presentationml/2006/main" showMasterSp="0" showMasterPhAnim="0">
   <p:cSld>
     <p:spTree>
       <p:nvGrpSpPr>
-        <p:cNvPr id="107" name="Shape 107"/>
+        <p:cNvPr id="1" name="Shape 107"/>
         <p:cNvGrpSpPr/>
         <p:nvPr/>
       </p:nvGrpSpPr>
@@ -2212,9 +2302,11 @@
       <p:sp>
         <p:nvSpPr>
           <p:cNvPr id="108" name="Google Shape;108;g8d848f1021_1_14:notes"/>
-          <p:cNvSpPr/>
+          <p:cNvSpPr>
+            <a:spLocks noGrp="1" noRot="1" noChangeAspect="1"/>
+          </p:cNvSpPr>
           <p:nvPr>
-            <p:ph idx="2" type="sldImg"/>
+            <p:ph type="sldImg" idx="2"/>
           </p:nvPr>
         </p:nvSpPr>
         <p:spPr>
@@ -2223,9 +2315,13 @@
             <a:ext cx="6096000" cy="3429000"/>
           </a:xfrm>
           <a:custGeom>
-            <a:rect b="b" l="l" r="r" t="t"/>
+            <a:avLst/>
+            <a:gdLst/>
+            <a:ahLst/>
+            <a:cxnLst/>
+            <a:rect l="l" t="t" r="r" b="b"/>
             <a:pathLst>
-              <a:path extrusionOk="0" h="120000" w="120000">
+              <a:path w="120000" h="120000" extrusionOk="0">
                 <a:moveTo>
                   <a:pt x="0" y="0"/>
                 </a:moveTo>
@@ -2247,9 +2343,11 @@
       <p:sp>
         <p:nvSpPr>
           <p:cNvPr id="109" name="Google Shape;109;g8d848f1021_1_14:notes"/>
-          <p:cNvSpPr txBox="1"/>
+          <p:cNvSpPr txBox="1">
+            <a:spLocks noGrp="1"/>
+          </p:cNvSpPr>
           <p:nvPr>
-            <p:ph idx="1" type="body"/>
+            <p:ph type="body" idx="1"/>
           </p:nvPr>
         </p:nvSpPr>
         <p:spPr>
@@ -2262,12 +2360,12 @@
           </a:prstGeom>
         </p:spPr>
         <p:txBody>
-          <a:bodyPr anchorCtr="0" anchor="t" bIns="91425" lIns="91425" spcFirstLastPara="1" rIns="91425" wrap="square" tIns="91425">
+          <a:bodyPr spcFirstLastPara="1" wrap="square" lIns="91425" tIns="91425" rIns="91425" bIns="91425" anchor="t" anchorCtr="0">
             <a:noAutofit/>
           </a:bodyPr>
           <a:lstStyle/>
           <a:p>
-            <a:pPr indent="0" lvl="0" marL="0" rtl="0" algn="l">
+            <a:pPr marL="0" lvl="0" indent="0" algn="l" rtl="0">
               <a:spcBef>
                 <a:spcPts val="0"/>
               </a:spcBef>
@@ -2276,9 +2374,6 @@
               </a:spcAft>
               <a:buNone/>
             </a:pPr>
-            <a:r>
-              <a:t/>
-            </a:r>
             <a:endParaRPr/>
           </a:p>
         </p:txBody>
@@ -2292,11 +2387,11 @@
 </file>
 
 <file path=ppt/notesSlides/notesSlide9.xml><?xml version="1.0" encoding="utf-8"?>
-<p:notes xmlns:a="http://schemas.openxmlformats.org/drawingml/2006/main" xmlns:r="http://schemas.openxmlformats.org/officeDocument/2006/relationships" xmlns:mc="http://schemas.openxmlformats.org/markup-compatibility/2006" xmlns:mv="urn:schemas-microsoft-com:mac:vml" xmlns:p="http://schemas.openxmlformats.org/presentationml/2006/main" xmlns:c="http://schemas.openxmlformats.org/drawingml/2006/chart" xmlns:dgm="http://schemas.openxmlformats.org/drawingml/2006/diagram" xmlns:o="urn:schemas-microsoft-com:office:office" xmlns:v="urn:schemas-microsoft-com:vml" xmlns:pvml="urn:schemas-microsoft-com:office:powerpoint" xmlns:com="http://schemas.openxmlformats.org/drawingml/2006/compatibility" xmlns:p14="http://schemas.microsoft.com/office/powerpoint/2010/main" xmlns:p15="http://schemas.microsoft.com/office/powerpoint/2012/main" xmlns:ahyp="http://schemas.microsoft.com/office/drawing/2018/hyperlinkcolor" showMasterPhAnim="0" showMasterSp="0">
+<p:notes xmlns:a="http://schemas.openxmlformats.org/drawingml/2006/main" xmlns:r="http://schemas.openxmlformats.org/officeDocument/2006/relationships" xmlns:p="http://schemas.openxmlformats.org/presentationml/2006/main" showMasterSp="0" showMasterPhAnim="0">
   <p:cSld>
     <p:spTree>
       <p:nvGrpSpPr>
-        <p:cNvPr id="113" name="Shape 113"/>
+        <p:cNvPr id="1" name="Shape 113"/>
         <p:cNvGrpSpPr/>
         <p:nvPr/>
       </p:nvGrpSpPr>
@@ -2311,9 +2406,11 @@
       <p:sp>
         <p:nvSpPr>
           <p:cNvPr id="114" name="Google Shape;114;g90d13264de_0_39:notes"/>
-          <p:cNvSpPr/>
+          <p:cNvSpPr>
+            <a:spLocks noGrp="1" noRot="1" noChangeAspect="1"/>
+          </p:cNvSpPr>
           <p:nvPr>
-            <p:ph idx="2" type="sldImg"/>
+            <p:ph type="sldImg" idx="2"/>
           </p:nvPr>
         </p:nvSpPr>
         <p:spPr>
@@ -2322,9 +2419,13 @@
             <a:ext cx="6096000" cy="3429000"/>
           </a:xfrm>
           <a:custGeom>
-            <a:rect b="b" l="l" r="r" t="t"/>
+            <a:avLst/>
+            <a:gdLst/>
+            <a:ahLst/>
+            <a:cxnLst/>
+            <a:rect l="l" t="t" r="r" b="b"/>
             <a:pathLst>
-              <a:path extrusionOk="0" h="120000" w="120000">
+              <a:path w="120000" h="120000" extrusionOk="0">
                 <a:moveTo>
                   <a:pt x="0" y="0"/>
                 </a:moveTo>
@@ -2346,9 +2447,11 @@
       <p:sp>
         <p:nvSpPr>
           <p:cNvPr id="115" name="Google Shape;115;g90d13264de_0_39:notes"/>
-          <p:cNvSpPr txBox="1"/>
+          <p:cNvSpPr txBox="1">
+            <a:spLocks noGrp="1"/>
+          </p:cNvSpPr>
           <p:nvPr>
-            <p:ph idx="1" type="body"/>
+            <p:ph type="body" idx="1"/>
           </p:nvPr>
         </p:nvSpPr>
         <p:spPr>
@@ -2361,12 +2464,12 @@
           </a:prstGeom>
         </p:spPr>
         <p:txBody>
-          <a:bodyPr anchorCtr="0" anchor="t" bIns="91425" lIns="91425" spcFirstLastPara="1" rIns="91425" wrap="square" tIns="91425">
+          <a:bodyPr spcFirstLastPara="1" wrap="square" lIns="91425" tIns="91425" rIns="91425" bIns="91425" anchor="t" anchorCtr="0">
             <a:noAutofit/>
           </a:bodyPr>
           <a:lstStyle/>
           <a:p>
-            <a:pPr indent="0" lvl="0" marL="0" rtl="0" algn="l">
+            <a:pPr marL="0" lvl="0" indent="0" algn="l" rtl="0">
               <a:spcBef>
                 <a:spcPts val="0"/>
               </a:spcBef>
@@ -2375,9 +2478,6 @@
               </a:spcAft>
               <a:buNone/>
             </a:pPr>
-            <a:r>
-              <a:t/>
-            </a:r>
             <a:endParaRPr/>
           </a:p>
         </p:txBody>
@@ -2391,11 +2491,11 @@
 </file>
 
 <file path=ppt/slideLayouts/slideLayout1.xml><?xml version="1.0" encoding="utf-8"?>
-<p:sldLayout xmlns:a="http://schemas.openxmlformats.org/drawingml/2006/main" xmlns:r="http://schemas.openxmlformats.org/officeDocument/2006/relationships" xmlns:mc="http://schemas.openxmlformats.org/markup-compatibility/2006" xmlns:mv="urn:schemas-microsoft-com:mac:vml" xmlns:p="http://schemas.openxmlformats.org/presentationml/2006/main" xmlns:c="http://schemas.openxmlformats.org/drawingml/2006/chart" xmlns:dgm="http://schemas.openxmlformats.org/drawingml/2006/diagram" xmlns:o="urn:schemas-microsoft-com:office:office" xmlns:v="urn:schemas-microsoft-com:vml" xmlns:pvml="urn:schemas-microsoft-com:office:powerpoint" xmlns:com="http://schemas.openxmlformats.org/drawingml/2006/compatibility" xmlns:p14="http://schemas.microsoft.com/office/powerpoint/2010/main" xmlns:p15="http://schemas.microsoft.com/office/powerpoint/2012/main" xmlns:ahyp="http://schemas.microsoft.com/office/drawing/2018/hyperlinkcolor" matchingName="Title slide" type="title">
+<p:sldLayout xmlns:a="http://schemas.openxmlformats.org/drawingml/2006/main" xmlns:r="http://schemas.openxmlformats.org/officeDocument/2006/relationships" xmlns:p="http://schemas.openxmlformats.org/presentationml/2006/main" matchingName="Title slide" type="title">
   <p:cSld name="TITLE">
     <p:spTree>
       <p:nvGrpSpPr>
-        <p:cNvPr id="9" name="Shape 9"/>
+        <p:cNvPr id="1" name="Shape 9"/>
         <p:cNvGrpSpPr/>
         <p:nvPr/>
       </p:nvGrpSpPr>
@@ -2410,7 +2510,9 @@
       <p:sp>
         <p:nvSpPr>
           <p:cNvPr id="10" name="Google Shape;10;p2"/>
-          <p:cNvSpPr txBox="1"/>
+          <p:cNvSpPr txBox="1">
+            <a:spLocks noGrp="1"/>
+          </p:cNvSpPr>
           <p:nvPr>
             <p:ph type="ctrTitle"/>
           </p:nvPr>
@@ -2425,7 +2527,7 @@
           </a:prstGeom>
         </p:spPr>
         <p:txBody>
-          <a:bodyPr anchorCtr="0" anchor="b" bIns="91425" lIns="91425" spcFirstLastPara="1" rIns="91425" wrap="square" tIns="91425">
+          <a:bodyPr spcFirstLastPara="1" wrap="square" lIns="91425" tIns="91425" rIns="91425" bIns="91425" anchor="b" anchorCtr="0">
             <a:noAutofit/>
           </a:bodyPr>
           <a:lstStyle>
@@ -2529,15 +2631,19 @@
               <a:defRPr sz="5200"/>
             </a:lvl9pPr>
           </a:lstStyle>
-          <a:p/>
+          <a:p>
+            <a:endParaRPr/>
+          </a:p>
         </p:txBody>
       </p:sp>
       <p:sp>
         <p:nvSpPr>
           <p:cNvPr id="11" name="Google Shape;11;p2"/>
-          <p:cNvSpPr txBox="1"/>
+          <p:cNvSpPr txBox="1">
+            <a:spLocks noGrp="1"/>
+          </p:cNvSpPr>
           <p:nvPr>
-            <p:ph idx="1" type="subTitle"/>
+            <p:ph type="subTitle" idx="1"/>
           </p:nvPr>
         </p:nvSpPr>
         <p:spPr>
@@ -2550,7 +2656,7 @@
           </a:prstGeom>
         </p:spPr>
         <p:txBody>
-          <a:bodyPr anchorCtr="0" anchor="t" bIns="91425" lIns="91425" spcFirstLastPara="1" rIns="91425" wrap="square" tIns="91425">
+          <a:bodyPr spcFirstLastPara="1" wrap="square" lIns="91425" tIns="91425" rIns="91425" bIns="91425" anchor="t" anchorCtr="0">
             <a:noAutofit/>
           </a:bodyPr>
           <a:lstStyle>
@@ -2681,15 +2787,19 @@
               <a:defRPr sz="2800"/>
             </a:lvl9pPr>
           </a:lstStyle>
-          <a:p/>
+          <a:p>
+            <a:endParaRPr/>
+          </a:p>
         </p:txBody>
       </p:sp>
       <p:sp>
         <p:nvSpPr>
           <p:cNvPr id="12" name="Google Shape;12;p2"/>
-          <p:cNvSpPr txBox="1"/>
+          <p:cNvSpPr txBox="1">
+            <a:spLocks noGrp="1"/>
+          </p:cNvSpPr>
           <p:nvPr>
-            <p:ph idx="12" type="sldNum"/>
+            <p:ph type="sldNum" idx="12"/>
           </p:nvPr>
         </p:nvSpPr>
         <p:spPr>
@@ -2702,7 +2812,7 @@
           </a:prstGeom>
         </p:spPr>
         <p:txBody>
-          <a:bodyPr anchorCtr="0" anchor="ctr" bIns="91425" lIns="91425" spcFirstLastPara="1" rIns="91425" wrap="square" tIns="91425">
+          <a:bodyPr spcFirstLastPara="1" wrap="square" lIns="91425" tIns="91425" rIns="91425" bIns="91425" anchor="ctr" anchorCtr="0">
             <a:noAutofit/>
           </a:bodyPr>
           <a:lstStyle>
@@ -2744,7 +2854,7 @@
             </a:lvl9pPr>
           </a:lstStyle>
           <a:p>
-            <a:pPr indent="0" lvl="0" marL="0" rtl="0" algn="r">
+            <a:pPr marL="0" lvl="0" indent="0" algn="r" rtl="0">
               <a:spcBef>
                 <a:spcPts val="0"/>
               </a:spcBef>
@@ -2755,7 +2865,7 @@
             </a:pPr>
             <a:fld id="{00000000-1234-1234-1234-123412341234}" type="slidenum">
               <a:rPr lang="it"/>
-              <a:t>‹#›</a:t>
+              <a:t>‹N›</a:t>
             </a:fld>
             <a:endParaRPr/>
           </a:p>
@@ -2770,11 +2880,11 @@
 </file>
 
 <file path=ppt/slideLayouts/slideLayout10.xml><?xml version="1.0" encoding="utf-8"?>
-<p:sldLayout xmlns:a="http://schemas.openxmlformats.org/drawingml/2006/main" xmlns:r="http://schemas.openxmlformats.org/officeDocument/2006/relationships" xmlns:mc="http://schemas.openxmlformats.org/markup-compatibility/2006" xmlns:mv="urn:schemas-microsoft-com:mac:vml" xmlns:p="http://schemas.openxmlformats.org/presentationml/2006/main" xmlns:c="http://schemas.openxmlformats.org/drawingml/2006/chart" xmlns:dgm="http://schemas.openxmlformats.org/drawingml/2006/diagram" xmlns:o="urn:schemas-microsoft-com:office:office" xmlns:v="urn:schemas-microsoft-com:vml" xmlns:pvml="urn:schemas-microsoft-com:office:powerpoint" xmlns:com="http://schemas.openxmlformats.org/drawingml/2006/compatibility" xmlns:p14="http://schemas.microsoft.com/office/powerpoint/2010/main" xmlns:p15="http://schemas.microsoft.com/office/powerpoint/2012/main" xmlns:ahyp="http://schemas.microsoft.com/office/drawing/2018/hyperlinkcolor" matchingName="Big number">
+<p:sldLayout xmlns:a="http://schemas.openxmlformats.org/drawingml/2006/main" xmlns:r="http://schemas.openxmlformats.org/officeDocument/2006/relationships" xmlns:p="http://schemas.openxmlformats.org/presentationml/2006/main" matchingName="Big number">
   <p:cSld name="BIG_NUMBER">
     <p:spTree>
       <p:nvGrpSpPr>
-        <p:cNvPr id="44" name="Shape 44"/>
+        <p:cNvPr id="1" name="Shape 44"/>
         <p:cNvGrpSpPr/>
         <p:nvPr/>
       </p:nvGrpSpPr>
@@ -2789,9 +2899,11 @@
       <p:sp>
         <p:nvSpPr>
           <p:cNvPr id="45" name="Google Shape;45;p11"/>
-          <p:cNvSpPr txBox="1"/>
+          <p:cNvSpPr txBox="1">
+            <a:spLocks noGrp="1"/>
+          </p:cNvSpPr>
           <p:nvPr>
-            <p:ph hasCustomPrompt="1" type="title"/>
+            <p:ph type="title" hasCustomPrompt="1"/>
           </p:nvPr>
         </p:nvSpPr>
         <p:spPr>
@@ -2804,7 +2916,7 @@
           </a:prstGeom>
         </p:spPr>
         <p:txBody>
-          <a:bodyPr anchorCtr="0" anchor="b" bIns="91425" lIns="91425" spcFirstLastPara="1" rIns="91425" wrap="square" tIns="91425">
+          <a:bodyPr spcFirstLastPara="1" wrap="square" lIns="91425" tIns="91425" rIns="91425" bIns="91425" anchor="b" anchorCtr="0">
             <a:noAutofit/>
           </a:bodyPr>
           <a:lstStyle>
@@ -2918,9 +3030,11 @@
       <p:sp>
         <p:nvSpPr>
           <p:cNvPr id="46" name="Google Shape;46;p11"/>
-          <p:cNvSpPr txBox="1"/>
+          <p:cNvSpPr txBox="1">
+            <a:spLocks noGrp="1"/>
+          </p:cNvSpPr>
           <p:nvPr>
-            <p:ph idx="1" type="body"/>
+            <p:ph type="body" idx="1"/>
           </p:nvPr>
         </p:nvSpPr>
         <p:spPr>
@@ -2933,11 +3047,11 @@
           </a:prstGeom>
         </p:spPr>
         <p:txBody>
-          <a:bodyPr anchorCtr="0" anchor="t" bIns="91425" lIns="91425" spcFirstLastPara="1" rIns="91425" wrap="square" tIns="91425">
+          <a:bodyPr spcFirstLastPara="1" wrap="square" lIns="91425" tIns="91425" rIns="91425" bIns="91425" anchor="t" anchorCtr="0">
             <a:noAutofit/>
           </a:bodyPr>
           <a:lstStyle>
-            <a:lvl1pPr indent="-342900" lvl="0" marL="457200" algn="ctr">
+            <a:lvl1pPr marL="457200" lvl="0" indent="-342900" algn="ctr">
               <a:spcBef>
                 <a:spcPts val="0"/>
               </a:spcBef>
@@ -2948,7 +3062,7 @@
               <a:buChar char="●"/>
               <a:defRPr/>
             </a:lvl1pPr>
-            <a:lvl2pPr indent="-317500" lvl="1" marL="914400" algn="ctr">
+            <a:lvl2pPr marL="914400" lvl="1" indent="-317500" algn="ctr">
               <a:spcBef>
                 <a:spcPts val="1600"/>
               </a:spcBef>
@@ -2959,7 +3073,7 @@
               <a:buChar char="○"/>
               <a:defRPr/>
             </a:lvl2pPr>
-            <a:lvl3pPr indent="-317500" lvl="2" marL="1371600" algn="ctr">
+            <a:lvl3pPr marL="1371600" lvl="2" indent="-317500" algn="ctr">
               <a:spcBef>
                 <a:spcPts val="1600"/>
               </a:spcBef>
@@ -2970,7 +3084,7 @@
               <a:buChar char="■"/>
               <a:defRPr/>
             </a:lvl3pPr>
-            <a:lvl4pPr indent="-317500" lvl="3" marL="1828800" algn="ctr">
+            <a:lvl4pPr marL="1828800" lvl="3" indent="-317500" algn="ctr">
               <a:spcBef>
                 <a:spcPts val="1600"/>
               </a:spcBef>
@@ -2981,7 +3095,7 @@
               <a:buChar char="●"/>
               <a:defRPr/>
             </a:lvl4pPr>
-            <a:lvl5pPr indent="-317500" lvl="4" marL="2286000" algn="ctr">
+            <a:lvl5pPr marL="2286000" lvl="4" indent="-317500" algn="ctr">
               <a:spcBef>
                 <a:spcPts val="1600"/>
               </a:spcBef>
@@ -2992,7 +3106,7 @@
               <a:buChar char="○"/>
               <a:defRPr/>
             </a:lvl5pPr>
-            <a:lvl6pPr indent="-317500" lvl="5" marL="2743200" algn="ctr">
+            <a:lvl6pPr marL="2743200" lvl="5" indent="-317500" algn="ctr">
               <a:spcBef>
                 <a:spcPts val="1600"/>
               </a:spcBef>
@@ -3003,7 +3117,7 @@
               <a:buChar char="■"/>
               <a:defRPr/>
             </a:lvl6pPr>
-            <a:lvl7pPr indent="-317500" lvl="6" marL="3200400" algn="ctr">
+            <a:lvl7pPr marL="3200400" lvl="6" indent="-317500" algn="ctr">
               <a:spcBef>
                 <a:spcPts val="1600"/>
               </a:spcBef>
@@ -3014,7 +3128,7 @@
               <a:buChar char="●"/>
               <a:defRPr/>
             </a:lvl7pPr>
-            <a:lvl8pPr indent="-317500" lvl="7" marL="3657600" algn="ctr">
+            <a:lvl8pPr marL="3657600" lvl="7" indent="-317500" algn="ctr">
               <a:spcBef>
                 <a:spcPts val="1600"/>
               </a:spcBef>
@@ -3025,7 +3139,7 @@
               <a:buChar char="○"/>
               <a:defRPr/>
             </a:lvl8pPr>
-            <a:lvl9pPr indent="-317500" lvl="8" marL="4114800" algn="ctr">
+            <a:lvl9pPr marL="4114800" lvl="8" indent="-317500" algn="ctr">
               <a:spcBef>
                 <a:spcPts val="1600"/>
               </a:spcBef>
@@ -3037,15 +3151,19 @@
               <a:defRPr/>
             </a:lvl9pPr>
           </a:lstStyle>
-          <a:p/>
+          <a:p>
+            <a:endParaRPr/>
+          </a:p>
         </p:txBody>
       </p:sp>
       <p:sp>
         <p:nvSpPr>
           <p:cNvPr id="47" name="Google Shape;47;p11"/>
-          <p:cNvSpPr txBox="1"/>
+          <p:cNvSpPr txBox="1">
+            <a:spLocks noGrp="1"/>
+          </p:cNvSpPr>
           <p:nvPr>
-            <p:ph idx="12" type="sldNum"/>
+            <p:ph type="sldNum" idx="12"/>
           </p:nvPr>
         </p:nvSpPr>
         <p:spPr>
@@ -3058,7 +3176,7 @@
           </a:prstGeom>
         </p:spPr>
         <p:txBody>
-          <a:bodyPr anchorCtr="0" anchor="ctr" bIns="91425" lIns="91425" spcFirstLastPara="1" rIns="91425" wrap="square" tIns="91425">
+          <a:bodyPr spcFirstLastPara="1" wrap="square" lIns="91425" tIns="91425" rIns="91425" bIns="91425" anchor="ctr" anchorCtr="0">
             <a:noAutofit/>
           </a:bodyPr>
           <a:lstStyle>
@@ -3100,7 +3218,7 @@
             </a:lvl9pPr>
           </a:lstStyle>
           <a:p>
-            <a:pPr indent="0" lvl="0" marL="0" rtl="0" algn="r">
+            <a:pPr marL="0" lvl="0" indent="0" algn="r" rtl="0">
               <a:spcBef>
                 <a:spcPts val="0"/>
               </a:spcBef>
@@ -3111,7 +3229,7 @@
             </a:pPr>
             <a:fld id="{00000000-1234-1234-1234-123412341234}" type="slidenum">
               <a:rPr lang="it"/>
-              <a:t>‹#›</a:t>
+              <a:t>‹N›</a:t>
             </a:fld>
             <a:endParaRPr/>
           </a:p>
@@ -3126,11 +3244,11 @@
 </file>
 
 <file path=ppt/slideLayouts/slideLayout11.xml><?xml version="1.0" encoding="utf-8"?>
-<p:sldLayout xmlns:a="http://schemas.openxmlformats.org/drawingml/2006/main" xmlns:r="http://schemas.openxmlformats.org/officeDocument/2006/relationships" xmlns:mc="http://schemas.openxmlformats.org/markup-compatibility/2006" xmlns:mv="urn:schemas-microsoft-com:mac:vml" xmlns:p="http://schemas.openxmlformats.org/presentationml/2006/main" xmlns:c="http://schemas.openxmlformats.org/drawingml/2006/chart" xmlns:dgm="http://schemas.openxmlformats.org/drawingml/2006/diagram" xmlns:o="urn:schemas-microsoft-com:office:office" xmlns:v="urn:schemas-microsoft-com:vml" xmlns:pvml="urn:schemas-microsoft-com:office:powerpoint" xmlns:com="http://schemas.openxmlformats.org/drawingml/2006/compatibility" xmlns:p14="http://schemas.microsoft.com/office/powerpoint/2010/main" xmlns:p15="http://schemas.microsoft.com/office/powerpoint/2012/main" xmlns:ahyp="http://schemas.microsoft.com/office/drawing/2018/hyperlinkcolor" matchingName="Blank" type="blank">
+<p:sldLayout xmlns:a="http://schemas.openxmlformats.org/drawingml/2006/main" xmlns:r="http://schemas.openxmlformats.org/officeDocument/2006/relationships" xmlns:p="http://schemas.openxmlformats.org/presentationml/2006/main" matchingName="Blank" type="blank">
   <p:cSld name="BLANK">
     <p:spTree>
       <p:nvGrpSpPr>
-        <p:cNvPr id="48" name="Shape 48"/>
+        <p:cNvPr id="1" name="Shape 48"/>
         <p:cNvGrpSpPr/>
         <p:nvPr/>
       </p:nvGrpSpPr>
@@ -3145,9 +3263,11 @@
       <p:sp>
         <p:nvSpPr>
           <p:cNvPr id="49" name="Google Shape;49;p12"/>
-          <p:cNvSpPr txBox="1"/>
+          <p:cNvSpPr txBox="1">
+            <a:spLocks noGrp="1"/>
+          </p:cNvSpPr>
           <p:nvPr>
-            <p:ph idx="12" type="sldNum"/>
+            <p:ph type="sldNum" idx="12"/>
           </p:nvPr>
         </p:nvSpPr>
         <p:spPr>
@@ -3160,7 +3280,7 @@
           </a:prstGeom>
         </p:spPr>
         <p:txBody>
-          <a:bodyPr anchorCtr="0" anchor="ctr" bIns="91425" lIns="91425" spcFirstLastPara="1" rIns="91425" wrap="square" tIns="91425">
+          <a:bodyPr spcFirstLastPara="1" wrap="square" lIns="91425" tIns="91425" rIns="91425" bIns="91425" anchor="ctr" anchorCtr="0">
             <a:noAutofit/>
           </a:bodyPr>
           <a:lstStyle>
@@ -3202,7 +3322,7 @@
             </a:lvl9pPr>
           </a:lstStyle>
           <a:p>
-            <a:pPr indent="0" lvl="0" marL="0" rtl="0" algn="r">
+            <a:pPr marL="0" lvl="0" indent="0" algn="r" rtl="0">
               <a:spcBef>
                 <a:spcPts val="0"/>
               </a:spcBef>
@@ -3213,7 +3333,7 @@
             </a:pPr>
             <a:fld id="{00000000-1234-1234-1234-123412341234}" type="slidenum">
               <a:rPr lang="it"/>
-              <a:t>‹#›</a:t>
+              <a:t>‹N›</a:t>
             </a:fld>
             <a:endParaRPr/>
           </a:p>
@@ -3228,11 +3348,11 @@
 </file>
 
 <file path=ppt/slideLayouts/slideLayout2.xml><?xml version="1.0" encoding="utf-8"?>
-<p:sldLayout xmlns:a="http://schemas.openxmlformats.org/drawingml/2006/main" xmlns:r="http://schemas.openxmlformats.org/officeDocument/2006/relationships" xmlns:mc="http://schemas.openxmlformats.org/markup-compatibility/2006" xmlns:mv="urn:schemas-microsoft-com:mac:vml" xmlns:p="http://schemas.openxmlformats.org/presentationml/2006/main" xmlns:c="http://schemas.openxmlformats.org/drawingml/2006/chart" xmlns:dgm="http://schemas.openxmlformats.org/drawingml/2006/diagram" xmlns:o="urn:schemas-microsoft-com:office:office" xmlns:v="urn:schemas-microsoft-com:vml" xmlns:pvml="urn:schemas-microsoft-com:office:powerpoint" xmlns:com="http://schemas.openxmlformats.org/drawingml/2006/compatibility" xmlns:p14="http://schemas.microsoft.com/office/powerpoint/2010/main" xmlns:p15="http://schemas.microsoft.com/office/powerpoint/2012/main" xmlns:ahyp="http://schemas.microsoft.com/office/drawing/2018/hyperlinkcolor" matchingName="Section header" type="secHead">
+<p:sldLayout xmlns:a="http://schemas.openxmlformats.org/drawingml/2006/main" xmlns:r="http://schemas.openxmlformats.org/officeDocument/2006/relationships" xmlns:p="http://schemas.openxmlformats.org/presentationml/2006/main" matchingName="Section header" type="secHead">
   <p:cSld name="SECTION_HEADER">
     <p:spTree>
       <p:nvGrpSpPr>
-        <p:cNvPr id="13" name="Shape 13"/>
+        <p:cNvPr id="1" name="Shape 13"/>
         <p:cNvGrpSpPr/>
         <p:nvPr/>
       </p:nvGrpSpPr>
@@ -3247,7 +3367,9 @@
       <p:sp>
         <p:nvSpPr>
           <p:cNvPr id="14" name="Google Shape;14;p3"/>
-          <p:cNvSpPr txBox="1"/>
+          <p:cNvSpPr txBox="1">
+            <a:spLocks noGrp="1"/>
+          </p:cNvSpPr>
           <p:nvPr>
             <p:ph type="title"/>
           </p:nvPr>
@@ -3262,7 +3384,7 @@
           </a:prstGeom>
         </p:spPr>
         <p:txBody>
-          <a:bodyPr anchorCtr="0" anchor="ctr" bIns="91425" lIns="91425" spcFirstLastPara="1" rIns="91425" wrap="square" tIns="91425">
+          <a:bodyPr spcFirstLastPara="1" wrap="square" lIns="91425" tIns="91425" rIns="91425" bIns="91425" anchor="ctr" anchorCtr="0">
             <a:noAutofit/>
           </a:bodyPr>
           <a:lstStyle>
@@ -3366,15 +3488,19 @@
               <a:defRPr sz="3600"/>
             </a:lvl9pPr>
           </a:lstStyle>
-          <a:p/>
+          <a:p>
+            <a:endParaRPr/>
+          </a:p>
         </p:txBody>
       </p:sp>
       <p:sp>
         <p:nvSpPr>
           <p:cNvPr id="15" name="Google Shape;15;p3"/>
-          <p:cNvSpPr txBox="1"/>
+          <p:cNvSpPr txBox="1">
+            <a:spLocks noGrp="1"/>
+          </p:cNvSpPr>
           <p:nvPr>
-            <p:ph idx="12" type="sldNum"/>
+            <p:ph type="sldNum" idx="12"/>
           </p:nvPr>
         </p:nvSpPr>
         <p:spPr>
@@ -3387,7 +3513,7 @@
           </a:prstGeom>
         </p:spPr>
         <p:txBody>
-          <a:bodyPr anchorCtr="0" anchor="ctr" bIns="91425" lIns="91425" spcFirstLastPara="1" rIns="91425" wrap="square" tIns="91425">
+          <a:bodyPr spcFirstLastPara="1" wrap="square" lIns="91425" tIns="91425" rIns="91425" bIns="91425" anchor="ctr" anchorCtr="0">
             <a:noAutofit/>
           </a:bodyPr>
           <a:lstStyle>
@@ -3429,7 +3555,7 @@
             </a:lvl9pPr>
           </a:lstStyle>
           <a:p>
-            <a:pPr indent="0" lvl="0" marL="0" rtl="0" algn="r">
+            <a:pPr marL="0" lvl="0" indent="0" algn="r" rtl="0">
               <a:spcBef>
                 <a:spcPts val="0"/>
               </a:spcBef>
@@ -3440,7 +3566,7 @@
             </a:pPr>
             <a:fld id="{00000000-1234-1234-1234-123412341234}" type="slidenum">
               <a:rPr lang="it"/>
-              <a:t>‹#›</a:t>
+              <a:t>‹N›</a:t>
             </a:fld>
             <a:endParaRPr/>
           </a:p>
@@ -3455,11 +3581,11 @@
 </file>
 
 <file path=ppt/slideLayouts/slideLayout3.xml><?xml version="1.0" encoding="utf-8"?>
-<p:sldLayout xmlns:a="http://schemas.openxmlformats.org/drawingml/2006/main" xmlns:r="http://schemas.openxmlformats.org/officeDocument/2006/relationships" xmlns:mc="http://schemas.openxmlformats.org/markup-compatibility/2006" xmlns:mv="urn:schemas-microsoft-com:mac:vml" xmlns:p="http://schemas.openxmlformats.org/presentationml/2006/main" xmlns:c="http://schemas.openxmlformats.org/drawingml/2006/chart" xmlns:dgm="http://schemas.openxmlformats.org/drawingml/2006/diagram" xmlns:o="urn:schemas-microsoft-com:office:office" xmlns:v="urn:schemas-microsoft-com:vml" xmlns:pvml="urn:schemas-microsoft-com:office:powerpoint" xmlns:com="http://schemas.openxmlformats.org/drawingml/2006/compatibility" xmlns:p14="http://schemas.microsoft.com/office/powerpoint/2010/main" xmlns:p15="http://schemas.microsoft.com/office/powerpoint/2012/main" xmlns:ahyp="http://schemas.microsoft.com/office/drawing/2018/hyperlinkcolor" matchingName="Title and body" type="tx">
+<p:sldLayout xmlns:a="http://schemas.openxmlformats.org/drawingml/2006/main" xmlns:r="http://schemas.openxmlformats.org/officeDocument/2006/relationships" xmlns:p="http://schemas.openxmlformats.org/presentationml/2006/main" matchingName="Title and body" type="tx">
   <p:cSld name="TITLE_AND_BODY">
     <p:spTree>
       <p:nvGrpSpPr>
-        <p:cNvPr id="16" name="Shape 16"/>
+        <p:cNvPr id="1" name="Shape 16"/>
         <p:cNvGrpSpPr/>
         <p:nvPr/>
       </p:nvGrpSpPr>
@@ -3474,7 +3600,9 @@
       <p:sp>
         <p:nvSpPr>
           <p:cNvPr id="17" name="Google Shape;17;p4"/>
-          <p:cNvSpPr txBox="1"/>
+          <p:cNvSpPr txBox="1">
+            <a:spLocks noGrp="1"/>
+          </p:cNvSpPr>
           <p:nvPr>
             <p:ph type="title"/>
           </p:nvPr>
@@ -3489,7 +3617,7 @@
           </a:prstGeom>
         </p:spPr>
         <p:txBody>
-          <a:bodyPr anchorCtr="0" anchor="t" bIns="91425" lIns="91425" spcFirstLastPara="1" rIns="91425" wrap="square" tIns="91425">
+          <a:bodyPr spcFirstLastPara="1" wrap="square" lIns="91425" tIns="91425" rIns="91425" bIns="91425" anchor="t" anchorCtr="0">
             <a:noAutofit/>
           </a:bodyPr>
           <a:lstStyle>
@@ -3593,15 +3721,19 @@
               <a:defRPr/>
             </a:lvl9pPr>
           </a:lstStyle>
-          <a:p/>
+          <a:p>
+            <a:endParaRPr/>
+          </a:p>
         </p:txBody>
       </p:sp>
       <p:sp>
         <p:nvSpPr>
           <p:cNvPr id="18" name="Google Shape;18;p4"/>
-          <p:cNvSpPr txBox="1"/>
+          <p:cNvSpPr txBox="1">
+            <a:spLocks noGrp="1"/>
+          </p:cNvSpPr>
           <p:nvPr>
-            <p:ph idx="1" type="body"/>
+            <p:ph type="body" idx="1"/>
           </p:nvPr>
         </p:nvSpPr>
         <p:spPr>
@@ -3614,11 +3746,11 @@
           </a:prstGeom>
         </p:spPr>
         <p:txBody>
-          <a:bodyPr anchorCtr="0" anchor="t" bIns="91425" lIns="91425" spcFirstLastPara="1" rIns="91425" wrap="square" tIns="91425">
+          <a:bodyPr spcFirstLastPara="1" wrap="square" lIns="91425" tIns="91425" rIns="91425" bIns="91425" anchor="t" anchorCtr="0">
             <a:noAutofit/>
           </a:bodyPr>
           <a:lstStyle>
-            <a:lvl1pPr indent="-342900" lvl="0" marL="457200">
+            <a:lvl1pPr marL="457200" lvl="0" indent="-342900">
               <a:spcBef>
                 <a:spcPts val="0"/>
               </a:spcBef>
@@ -3629,7 +3761,7 @@
               <a:buChar char="●"/>
               <a:defRPr/>
             </a:lvl1pPr>
-            <a:lvl2pPr indent="-317500" lvl="1" marL="914400">
+            <a:lvl2pPr marL="914400" lvl="1" indent="-317500">
               <a:spcBef>
                 <a:spcPts val="1600"/>
               </a:spcBef>
@@ -3640,7 +3772,7 @@
               <a:buChar char="○"/>
               <a:defRPr/>
             </a:lvl2pPr>
-            <a:lvl3pPr indent="-317500" lvl="2" marL="1371600">
+            <a:lvl3pPr marL="1371600" lvl="2" indent="-317500">
               <a:spcBef>
                 <a:spcPts val="1600"/>
               </a:spcBef>
@@ -3651,7 +3783,7 @@
               <a:buChar char="■"/>
               <a:defRPr/>
             </a:lvl3pPr>
-            <a:lvl4pPr indent="-317500" lvl="3" marL="1828800">
+            <a:lvl4pPr marL="1828800" lvl="3" indent="-317500">
               <a:spcBef>
                 <a:spcPts val="1600"/>
               </a:spcBef>
@@ -3662,7 +3794,7 @@
               <a:buChar char="●"/>
               <a:defRPr/>
             </a:lvl4pPr>
-            <a:lvl5pPr indent="-317500" lvl="4" marL="2286000">
+            <a:lvl5pPr marL="2286000" lvl="4" indent="-317500">
               <a:spcBef>
                 <a:spcPts val="1600"/>
               </a:spcBef>
@@ -3673,7 +3805,7 @@
               <a:buChar char="○"/>
               <a:defRPr/>
             </a:lvl5pPr>
-            <a:lvl6pPr indent="-317500" lvl="5" marL="2743200">
+            <a:lvl6pPr marL="2743200" lvl="5" indent="-317500">
               <a:spcBef>
                 <a:spcPts val="1600"/>
               </a:spcBef>
@@ -3684,7 +3816,7 @@
               <a:buChar char="■"/>
               <a:defRPr/>
             </a:lvl6pPr>
-            <a:lvl7pPr indent="-317500" lvl="6" marL="3200400">
+            <a:lvl7pPr marL="3200400" lvl="6" indent="-317500">
               <a:spcBef>
                 <a:spcPts val="1600"/>
               </a:spcBef>
@@ -3695,7 +3827,7 @@
               <a:buChar char="●"/>
               <a:defRPr/>
             </a:lvl7pPr>
-            <a:lvl8pPr indent="-317500" lvl="7" marL="3657600">
+            <a:lvl8pPr marL="3657600" lvl="7" indent="-317500">
               <a:spcBef>
                 <a:spcPts val="1600"/>
               </a:spcBef>
@@ -3706,7 +3838,7 @@
               <a:buChar char="○"/>
               <a:defRPr/>
             </a:lvl8pPr>
-            <a:lvl9pPr indent="-317500" lvl="8" marL="4114800">
+            <a:lvl9pPr marL="4114800" lvl="8" indent="-317500">
               <a:spcBef>
                 <a:spcPts val="1600"/>
               </a:spcBef>
@@ -3718,15 +3850,19 @@
               <a:defRPr/>
             </a:lvl9pPr>
           </a:lstStyle>
-          <a:p/>
+          <a:p>
+            <a:endParaRPr/>
+          </a:p>
         </p:txBody>
       </p:sp>
       <p:sp>
         <p:nvSpPr>
           <p:cNvPr id="19" name="Google Shape;19;p4"/>
-          <p:cNvSpPr txBox="1"/>
+          <p:cNvSpPr txBox="1">
+            <a:spLocks noGrp="1"/>
+          </p:cNvSpPr>
           <p:nvPr>
-            <p:ph idx="12" type="sldNum"/>
+            <p:ph type="sldNum" idx="12"/>
           </p:nvPr>
         </p:nvSpPr>
         <p:spPr>
@@ -3739,7 +3875,7 @@
           </a:prstGeom>
         </p:spPr>
         <p:txBody>
-          <a:bodyPr anchorCtr="0" anchor="ctr" bIns="91425" lIns="91425" spcFirstLastPara="1" rIns="91425" wrap="square" tIns="91425">
+          <a:bodyPr spcFirstLastPara="1" wrap="square" lIns="91425" tIns="91425" rIns="91425" bIns="91425" anchor="ctr" anchorCtr="0">
             <a:noAutofit/>
           </a:bodyPr>
           <a:lstStyle>
@@ -3781,7 +3917,7 @@
             </a:lvl9pPr>
           </a:lstStyle>
           <a:p>
-            <a:pPr indent="0" lvl="0" marL="0" rtl="0" algn="r">
+            <a:pPr marL="0" lvl="0" indent="0" algn="r" rtl="0">
               <a:spcBef>
                 <a:spcPts val="0"/>
               </a:spcBef>
@@ -3792,7 +3928,7 @@
             </a:pPr>
             <a:fld id="{00000000-1234-1234-1234-123412341234}" type="slidenum">
               <a:rPr lang="it"/>
-              <a:t>‹#›</a:t>
+              <a:t>‹N›</a:t>
             </a:fld>
             <a:endParaRPr/>
           </a:p>
@@ -3807,11 +3943,11 @@
 </file>
 
 <file path=ppt/slideLayouts/slideLayout4.xml><?xml version="1.0" encoding="utf-8"?>
-<p:sldLayout xmlns:a="http://schemas.openxmlformats.org/drawingml/2006/main" xmlns:r="http://schemas.openxmlformats.org/officeDocument/2006/relationships" xmlns:mc="http://schemas.openxmlformats.org/markup-compatibility/2006" xmlns:mv="urn:schemas-microsoft-com:mac:vml" xmlns:p="http://schemas.openxmlformats.org/presentationml/2006/main" xmlns:c="http://schemas.openxmlformats.org/drawingml/2006/chart" xmlns:dgm="http://schemas.openxmlformats.org/drawingml/2006/diagram" xmlns:o="urn:schemas-microsoft-com:office:office" xmlns:v="urn:schemas-microsoft-com:vml" xmlns:pvml="urn:schemas-microsoft-com:office:powerpoint" xmlns:com="http://schemas.openxmlformats.org/drawingml/2006/compatibility" xmlns:p14="http://schemas.microsoft.com/office/powerpoint/2010/main" xmlns:p15="http://schemas.microsoft.com/office/powerpoint/2012/main" xmlns:ahyp="http://schemas.microsoft.com/office/drawing/2018/hyperlinkcolor" matchingName="Title and two columns" type="twoColTx">
+<p:sldLayout xmlns:a="http://schemas.openxmlformats.org/drawingml/2006/main" xmlns:r="http://schemas.openxmlformats.org/officeDocument/2006/relationships" xmlns:p="http://schemas.openxmlformats.org/presentationml/2006/main" matchingName="Title and two columns" type="twoColTx">
   <p:cSld name="TITLE_AND_TWO_COLUMNS">
     <p:spTree>
       <p:nvGrpSpPr>
-        <p:cNvPr id="20" name="Shape 20"/>
+        <p:cNvPr id="1" name="Shape 20"/>
         <p:cNvGrpSpPr/>
         <p:nvPr/>
       </p:nvGrpSpPr>
@@ -3826,7 +3962,9 @@
       <p:sp>
         <p:nvSpPr>
           <p:cNvPr id="21" name="Google Shape;21;p5"/>
-          <p:cNvSpPr txBox="1"/>
+          <p:cNvSpPr txBox="1">
+            <a:spLocks noGrp="1"/>
+          </p:cNvSpPr>
           <p:nvPr>
             <p:ph type="title"/>
           </p:nvPr>
@@ -3841,7 +3979,7 @@
           </a:prstGeom>
         </p:spPr>
         <p:txBody>
-          <a:bodyPr anchorCtr="0" anchor="t" bIns="91425" lIns="91425" spcFirstLastPara="1" rIns="91425" wrap="square" tIns="91425">
+          <a:bodyPr spcFirstLastPara="1" wrap="square" lIns="91425" tIns="91425" rIns="91425" bIns="91425" anchor="t" anchorCtr="0">
             <a:noAutofit/>
           </a:bodyPr>
           <a:lstStyle>
@@ -3945,15 +4083,19 @@
               <a:defRPr/>
             </a:lvl9pPr>
           </a:lstStyle>
-          <a:p/>
+          <a:p>
+            <a:endParaRPr/>
+          </a:p>
         </p:txBody>
       </p:sp>
       <p:sp>
         <p:nvSpPr>
           <p:cNvPr id="22" name="Google Shape;22;p5"/>
-          <p:cNvSpPr txBox="1"/>
+          <p:cNvSpPr txBox="1">
+            <a:spLocks noGrp="1"/>
+          </p:cNvSpPr>
           <p:nvPr>
-            <p:ph idx="1" type="body"/>
+            <p:ph type="body" idx="1"/>
           </p:nvPr>
         </p:nvSpPr>
         <p:spPr>
@@ -3966,11 +4108,11 @@
           </a:prstGeom>
         </p:spPr>
         <p:txBody>
-          <a:bodyPr anchorCtr="0" anchor="t" bIns="91425" lIns="91425" spcFirstLastPara="1" rIns="91425" wrap="square" tIns="91425">
+          <a:bodyPr spcFirstLastPara="1" wrap="square" lIns="91425" tIns="91425" rIns="91425" bIns="91425" anchor="t" anchorCtr="0">
             <a:noAutofit/>
           </a:bodyPr>
           <a:lstStyle>
-            <a:lvl1pPr indent="-317500" lvl="0" marL="457200">
+            <a:lvl1pPr marL="457200" lvl="0" indent="-317500">
               <a:spcBef>
                 <a:spcPts val="0"/>
               </a:spcBef>
@@ -3981,7 +4123,7 @@
               <a:buChar char="●"/>
               <a:defRPr sz="1400"/>
             </a:lvl1pPr>
-            <a:lvl2pPr indent="-304800" lvl="1" marL="914400">
+            <a:lvl2pPr marL="914400" lvl="1" indent="-304800">
               <a:spcBef>
                 <a:spcPts val="1600"/>
               </a:spcBef>
@@ -3992,7 +4134,7 @@
               <a:buChar char="○"/>
               <a:defRPr sz="1200"/>
             </a:lvl2pPr>
-            <a:lvl3pPr indent="-304800" lvl="2" marL="1371600">
+            <a:lvl3pPr marL="1371600" lvl="2" indent="-304800">
               <a:spcBef>
                 <a:spcPts val="1600"/>
               </a:spcBef>
@@ -4003,7 +4145,7 @@
               <a:buChar char="■"/>
               <a:defRPr sz="1200"/>
             </a:lvl3pPr>
-            <a:lvl4pPr indent="-304800" lvl="3" marL="1828800">
+            <a:lvl4pPr marL="1828800" lvl="3" indent="-304800">
               <a:spcBef>
                 <a:spcPts val="1600"/>
               </a:spcBef>
@@ -4014,7 +4156,7 @@
               <a:buChar char="●"/>
               <a:defRPr sz="1200"/>
             </a:lvl4pPr>
-            <a:lvl5pPr indent="-304800" lvl="4" marL="2286000">
+            <a:lvl5pPr marL="2286000" lvl="4" indent="-304800">
               <a:spcBef>
                 <a:spcPts val="1600"/>
               </a:spcBef>
@@ -4025,7 +4167,7 @@
               <a:buChar char="○"/>
               <a:defRPr sz="1200"/>
             </a:lvl5pPr>
-            <a:lvl6pPr indent="-304800" lvl="5" marL="2743200">
+            <a:lvl6pPr marL="2743200" lvl="5" indent="-304800">
               <a:spcBef>
                 <a:spcPts val="1600"/>
               </a:spcBef>
@@ -4036,7 +4178,7 @@
               <a:buChar char="■"/>
               <a:defRPr sz="1200"/>
             </a:lvl6pPr>
-            <a:lvl7pPr indent="-304800" lvl="6" marL="3200400">
+            <a:lvl7pPr marL="3200400" lvl="6" indent="-304800">
               <a:spcBef>
                 <a:spcPts val="1600"/>
               </a:spcBef>
@@ -4047,7 +4189,7 @@
               <a:buChar char="●"/>
               <a:defRPr sz="1200"/>
             </a:lvl7pPr>
-            <a:lvl8pPr indent="-304800" lvl="7" marL="3657600">
+            <a:lvl8pPr marL="3657600" lvl="7" indent="-304800">
               <a:spcBef>
                 <a:spcPts val="1600"/>
               </a:spcBef>
@@ -4058,7 +4200,7 @@
               <a:buChar char="○"/>
               <a:defRPr sz="1200"/>
             </a:lvl8pPr>
-            <a:lvl9pPr indent="-304800" lvl="8" marL="4114800">
+            <a:lvl9pPr marL="4114800" lvl="8" indent="-304800">
               <a:spcBef>
                 <a:spcPts val="1600"/>
               </a:spcBef>
@@ -4070,15 +4212,19 @@
               <a:defRPr sz="1200"/>
             </a:lvl9pPr>
           </a:lstStyle>
-          <a:p/>
+          <a:p>
+            <a:endParaRPr/>
+          </a:p>
         </p:txBody>
       </p:sp>
       <p:sp>
         <p:nvSpPr>
           <p:cNvPr id="23" name="Google Shape;23;p5"/>
-          <p:cNvSpPr txBox="1"/>
+          <p:cNvSpPr txBox="1">
+            <a:spLocks noGrp="1"/>
+          </p:cNvSpPr>
           <p:nvPr>
-            <p:ph idx="2" type="body"/>
+            <p:ph type="body" idx="2"/>
           </p:nvPr>
         </p:nvSpPr>
         <p:spPr>
@@ -4091,11 +4237,11 @@
           </a:prstGeom>
         </p:spPr>
         <p:txBody>
-          <a:bodyPr anchorCtr="0" anchor="t" bIns="91425" lIns="91425" spcFirstLastPara="1" rIns="91425" wrap="square" tIns="91425">
+          <a:bodyPr spcFirstLastPara="1" wrap="square" lIns="91425" tIns="91425" rIns="91425" bIns="91425" anchor="t" anchorCtr="0">
             <a:noAutofit/>
           </a:bodyPr>
           <a:lstStyle>
-            <a:lvl1pPr indent="-317500" lvl="0" marL="457200">
+            <a:lvl1pPr marL="457200" lvl="0" indent="-317500">
               <a:spcBef>
                 <a:spcPts val="0"/>
               </a:spcBef>
@@ -4106,7 +4252,7 @@
               <a:buChar char="●"/>
               <a:defRPr sz="1400"/>
             </a:lvl1pPr>
-            <a:lvl2pPr indent="-304800" lvl="1" marL="914400">
+            <a:lvl2pPr marL="914400" lvl="1" indent="-304800">
               <a:spcBef>
                 <a:spcPts val="1600"/>
               </a:spcBef>
@@ -4117,7 +4263,7 @@
               <a:buChar char="○"/>
               <a:defRPr sz="1200"/>
             </a:lvl2pPr>
-            <a:lvl3pPr indent="-304800" lvl="2" marL="1371600">
+            <a:lvl3pPr marL="1371600" lvl="2" indent="-304800">
               <a:spcBef>
                 <a:spcPts val="1600"/>
               </a:spcBef>
@@ -4128,7 +4274,7 @@
               <a:buChar char="■"/>
               <a:defRPr sz="1200"/>
             </a:lvl3pPr>
-            <a:lvl4pPr indent="-304800" lvl="3" marL="1828800">
+            <a:lvl4pPr marL="1828800" lvl="3" indent="-304800">
               <a:spcBef>
                 <a:spcPts val="1600"/>
               </a:spcBef>
@@ -4139,7 +4285,7 @@
               <a:buChar char="●"/>
               <a:defRPr sz="1200"/>
             </a:lvl4pPr>
-            <a:lvl5pPr indent="-304800" lvl="4" marL="2286000">
+            <a:lvl5pPr marL="2286000" lvl="4" indent="-304800">
               <a:spcBef>
                 <a:spcPts val="1600"/>
               </a:spcBef>
@@ -4150,7 +4296,7 @@
               <a:buChar char="○"/>
               <a:defRPr sz="1200"/>
             </a:lvl5pPr>
-            <a:lvl6pPr indent="-304800" lvl="5" marL="2743200">
+            <a:lvl6pPr marL="2743200" lvl="5" indent="-304800">
               <a:spcBef>
                 <a:spcPts val="1600"/>
               </a:spcBef>
@@ -4161,7 +4307,7 @@
               <a:buChar char="■"/>
               <a:defRPr sz="1200"/>
             </a:lvl6pPr>
-            <a:lvl7pPr indent="-304800" lvl="6" marL="3200400">
+            <a:lvl7pPr marL="3200400" lvl="6" indent="-304800">
               <a:spcBef>
                 <a:spcPts val="1600"/>
               </a:spcBef>
@@ -4172,7 +4318,7 @@
               <a:buChar char="●"/>
               <a:defRPr sz="1200"/>
             </a:lvl7pPr>
-            <a:lvl8pPr indent="-304800" lvl="7" marL="3657600">
+            <a:lvl8pPr marL="3657600" lvl="7" indent="-304800">
               <a:spcBef>
                 <a:spcPts val="1600"/>
               </a:spcBef>
@@ -4183,7 +4329,7 @@
               <a:buChar char="○"/>
               <a:defRPr sz="1200"/>
             </a:lvl8pPr>
-            <a:lvl9pPr indent="-304800" lvl="8" marL="4114800">
+            <a:lvl9pPr marL="4114800" lvl="8" indent="-304800">
               <a:spcBef>
                 <a:spcPts val="1600"/>
               </a:spcBef>
@@ -4195,15 +4341,19 @@
               <a:defRPr sz="1200"/>
             </a:lvl9pPr>
           </a:lstStyle>
-          <a:p/>
+          <a:p>
+            <a:endParaRPr/>
+          </a:p>
         </p:txBody>
       </p:sp>
       <p:sp>
         <p:nvSpPr>
           <p:cNvPr id="24" name="Google Shape;24;p5"/>
-          <p:cNvSpPr txBox="1"/>
+          <p:cNvSpPr txBox="1">
+            <a:spLocks noGrp="1"/>
+          </p:cNvSpPr>
           <p:nvPr>
-            <p:ph idx="12" type="sldNum"/>
+            <p:ph type="sldNum" idx="12"/>
           </p:nvPr>
         </p:nvSpPr>
         <p:spPr>
@@ -4216,7 +4366,7 @@
           </a:prstGeom>
         </p:spPr>
         <p:txBody>
-          <a:bodyPr anchorCtr="0" anchor="ctr" bIns="91425" lIns="91425" spcFirstLastPara="1" rIns="91425" wrap="square" tIns="91425">
+          <a:bodyPr spcFirstLastPara="1" wrap="square" lIns="91425" tIns="91425" rIns="91425" bIns="91425" anchor="ctr" anchorCtr="0">
             <a:noAutofit/>
           </a:bodyPr>
           <a:lstStyle>
@@ -4258,7 +4408,7 @@
             </a:lvl9pPr>
           </a:lstStyle>
           <a:p>
-            <a:pPr indent="0" lvl="0" marL="0" rtl="0" algn="r">
+            <a:pPr marL="0" lvl="0" indent="0" algn="r" rtl="0">
               <a:spcBef>
                 <a:spcPts val="0"/>
               </a:spcBef>
@@ -4269,7 +4419,7 @@
             </a:pPr>
             <a:fld id="{00000000-1234-1234-1234-123412341234}" type="slidenum">
               <a:rPr lang="it"/>
-              <a:t>‹#›</a:t>
+              <a:t>‹N›</a:t>
             </a:fld>
             <a:endParaRPr/>
           </a:p>
@@ -4284,11 +4434,11 @@
 </file>
 
 <file path=ppt/slideLayouts/slideLayout5.xml><?xml version="1.0" encoding="utf-8"?>
-<p:sldLayout xmlns:a="http://schemas.openxmlformats.org/drawingml/2006/main" xmlns:r="http://schemas.openxmlformats.org/officeDocument/2006/relationships" xmlns:mc="http://schemas.openxmlformats.org/markup-compatibility/2006" xmlns:mv="urn:schemas-microsoft-com:mac:vml" xmlns:p="http://schemas.openxmlformats.org/presentationml/2006/main" xmlns:c="http://schemas.openxmlformats.org/drawingml/2006/chart" xmlns:dgm="http://schemas.openxmlformats.org/drawingml/2006/diagram" xmlns:o="urn:schemas-microsoft-com:office:office" xmlns:v="urn:schemas-microsoft-com:vml" xmlns:pvml="urn:schemas-microsoft-com:office:powerpoint" xmlns:com="http://schemas.openxmlformats.org/drawingml/2006/compatibility" xmlns:p14="http://schemas.microsoft.com/office/powerpoint/2010/main" xmlns:p15="http://schemas.microsoft.com/office/powerpoint/2012/main" xmlns:ahyp="http://schemas.microsoft.com/office/drawing/2018/hyperlinkcolor" matchingName="Title only" type="titleOnly">
+<p:sldLayout xmlns:a="http://schemas.openxmlformats.org/drawingml/2006/main" xmlns:r="http://schemas.openxmlformats.org/officeDocument/2006/relationships" xmlns:p="http://schemas.openxmlformats.org/presentationml/2006/main" matchingName="Title only" type="titleOnly">
   <p:cSld name="TITLE_ONLY">
     <p:spTree>
       <p:nvGrpSpPr>
-        <p:cNvPr id="25" name="Shape 25"/>
+        <p:cNvPr id="1" name="Shape 25"/>
         <p:cNvGrpSpPr/>
         <p:nvPr/>
       </p:nvGrpSpPr>
@@ -4303,7 +4453,9 @@
       <p:sp>
         <p:nvSpPr>
           <p:cNvPr id="26" name="Google Shape;26;p6"/>
-          <p:cNvSpPr txBox="1"/>
+          <p:cNvSpPr txBox="1">
+            <a:spLocks noGrp="1"/>
+          </p:cNvSpPr>
           <p:nvPr>
             <p:ph type="title"/>
           </p:nvPr>
@@ -4318,7 +4470,7 @@
           </a:prstGeom>
         </p:spPr>
         <p:txBody>
-          <a:bodyPr anchorCtr="0" anchor="t" bIns="91425" lIns="91425" spcFirstLastPara="1" rIns="91425" wrap="square" tIns="91425">
+          <a:bodyPr spcFirstLastPara="1" wrap="square" lIns="91425" tIns="91425" rIns="91425" bIns="91425" anchor="t" anchorCtr="0">
             <a:noAutofit/>
           </a:bodyPr>
           <a:lstStyle>
@@ -4422,15 +4574,19 @@
               <a:defRPr/>
             </a:lvl9pPr>
           </a:lstStyle>
-          <a:p/>
+          <a:p>
+            <a:endParaRPr/>
+          </a:p>
         </p:txBody>
       </p:sp>
       <p:sp>
         <p:nvSpPr>
           <p:cNvPr id="27" name="Google Shape;27;p6"/>
-          <p:cNvSpPr txBox="1"/>
+          <p:cNvSpPr txBox="1">
+            <a:spLocks noGrp="1"/>
+          </p:cNvSpPr>
           <p:nvPr>
-            <p:ph idx="12" type="sldNum"/>
+            <p:ph type="sldNum" idx="12"/>
           </p:nvPr>
         </p:nvSpPr>
         <p:spPr>
@@ -4443,7 +4599,7 @@
           </a:prstGeom>
         </p:spPr>
         <p:txBody>
-          <a:bodyPr anchorCtr="0" anchor="ctr" bIns="91425" lIns="91425" spcFirstLastPara="1" rIns="91425" wrap="square" tIns="91425">
+          <a:bodyPr spcFirstLastPara="1" wrap="square" lIns="91425" tIns="91425" rIns="91425" bIns="91425" anchor="ctr" anchorCtr="0">
             <a:noAutofit/>
           </a:bodyPr>
           <a:lstStyle>
@@ -4485,7 +4641,7 @@
             </a:lvl9pPr>
           </a:lstStyle>
           <a:p>
-            <a:pPr indent="0" lvl="0" marL="0" rtl="0" algn="r">
+            <a:pPr marL="0" lvl="0" indent="0" algn="r" rtl="0">
               <a:spcBef>
                 <a:spcPts val="0"/>
               </a:spcBef>
@@ -4496,7 +4652,7 @@
             </a:pPr>
             <a:fld id="{00000000-1234-1234-1234-123412341234}" type="slidenum">
               <a:rPr lang="it"/>
-              <a:t>‹#›</a:t>
+              <a:t>‹N›</a:t>
             </a:fld>
             <a:endParaRPr/>
           </a:p>
@@ -4511,11 +4667,11 @@
 </file>
 
 <file path=ppt/slideLayouts/slideLayout6.xml><?xml version="1.0" encoding="utf-8"?>
-<p:sldLayout xmlns:a="http://schemas.openxmlformats.org/drawingml/2006/main" xmlns:r="http://schemas.openxmlformats.org/officeDocument/2006/relationships" xmlns:mc="http://schemas.openxmlformats.org/markup-compatibility/2006" xmlns:mv="urn:schemas-microsoft-com:mac:vml" xmlns:p="http://schemas.openxmlformats.org/presentationml/2006/main" xmlns:c="http://schemas.openxmlformats.org/drawingml/2006/chart" xmlns:dgm="http://schemas.openxmlformats.org/drawingml/2006/diagram" xmlns:o="urn:schemas-microsoft-com:office:office" xmlns:v="urn:schemas-microsoft-com:vml" xmlns:pvml="urn:schemas-microsoft-com:office:powerpoint" xmlns:com="http://schemas.openxmlformats.org/drawingml/2006/compatibility" xmlns:p14="http://schemas.microsoft.com/office/powerpoint/2010/main" xmlns:p15="http://schemas.microsoft.com/office/powerpoint/2012/main" xmlns:ahyp="http://schemas.microsoft.com/office/drawing/2018/hyperlinkcolor" matchingName="One column text">
+<p:sldLayout xmlns:a="http://schemas.openxmlformats.org/drawingml/2006/main" xmlns:r="http://schemas.openxmlformats.org/officeDocument/2006/relationships" xmlns:p="http://schemas.openxmlformats.org/presentationml/2006/main" matchingName="One column text">
   <p:cSld name="ONE_COLUMN_TEXT">
     <p:spTree>
       <p:nvGrpSpPr>
-        <p:cNvPr id="28" name="Shape 28"/>
+        <p:cNvPr id="1" name="Shape 28"/>
         <p:cNvGrpSpPr/>
         <p:nvPr/>
       </p:nvGrpSpPr>
@@ -4530,7 +4686,9 @@
       <p:sp>
         <p:nvSpPr>
           <p:cNvPr id="29" name="Google Shape;29;p7"/>
-          <p:cNvSpPr txBox="1"/>
+          <p:cNvSpPr txBox="1">
+            <a:spLocks noGrp="1"/>
+          </p:cNvSpPr>
           <p:nvPr>
             <p:ph type="title"/>
           </p:nvPr>
@@ -4545,7 +4703,7 @@
           </a:prstGeom>
         </p:spPr>
         <p:txBody>
-          <a:bodyPr anchorCtr="0" anchor="b" bIns="91425" lIns="91425" spcFirstLastPara="1" rIns="91425" wrap="square" tIns="91425">
+          <a:bodyPr spcFirstLastPara="1" wrap="square" lIns="91425" tIns="91425" rIns="91425" bIns="91425" anchor="b" anchorCtr="0">
             <a:noAutofit/>
           </a:bodyPr>
           <a:lstStyle>
@@ -4649,15 +4807,19 @@
               <a:defRPr sz="2400"/>
             </a:lvl9pPr>
           </a:lstStyle>
-          <a:p/>
+          <a:p>
+            <a:endParaRPr/>
+          </a:p>
         </p:txBody>
       </p:sp>
       <p:sp>
         <p:nvSpPr>
           <p:cNvPr id="30" name="Google Shape;30;p7"/>
-          <p:cNvSpPr txBox="1"/>
+          <p:cNvSpPr txBox="1">
+            <a:spLocks noGrp="1"/>
+          </p:cNvSpPr>
           <p:nvPr>
-            <p:ph idx="1" type="body"/>
+            <p:ph type="body" idx="1"/>
           </p:nvPr>
         </p:nvSpPr>
         <p:spPr>
@@ -4670,11 +4832,11 @@
           </a:prstGeom>
         </p:spPr>
         <p:txBody>
-          <a:bodyPr anchorCtr="0" anchor="t" bIns="91425" lIns="91425" spcFirstLastPara="1" rIns="91425" wrap="square" tIns="91425">
+          <a:bodyPr spcFirstLastPara="1" wrap="square" lIns="91425" tIns="91425" rIns="91425" bIns="91425" anchor="t" anchorCtr="0">
             <a:noAutofit/>
           </a:bodyPr>
           <a:lstStyle>
-            <a:lvl1pPr indent="-304800" lvl="0" marL="457200">
+            <a:lvl1pPr marL="457200" lvl="0" indent="-304800">
               <a:spcBef>
                 <a:spcPts val="0"/>
               </a:spcBef>
@@ -4685,7 +4847,7 @@
               <a:buChar char="●"/>
               <a:defRPr sz="1200"/>
             </a:lvl1pPr>
-            <a:lvl2pPr indent="-304800" lvl="1" marL="914400">
+            <a:lvl2pPr marL="914400" lvl="1" indent="-304800">
               <a:spcBef>
                 <a:spcPts val="1600"/>
               </a:spcBef>
@@ -4696,7 +4858,7 @@
               <a:buChar char="○"/>
               <a:defRPr sz="1200"/>
             </a:lvl2pPr>
-            <a:lvl3pPr indent="-304800" lvl="2" marL="1371600">
+            <a:lvl3pPr marL="1371600" lvl="2" indent="-304800">
               <a:spcBef>
                 <a:spcPts val="1600"/>
               </a:spcBef>
@@ -4707,7 +4869,7 @@
               <a:buChar char="■"/>
               <a:defRPr sz="1200"/>
             </a:lvl3pPr>
-            <a:lvl4pPr indent="-304800" lvl="3" marL="1828800">
+            <a:lvl4pPr marL="1828800" lvl="3" indent="-304800">
               <a:spcBef>
                 <a:spcPts val="1600"/>
               </a:spcBef>
@@ -4718,7 +4880,7 @@
               <a:buChar char="●"/>
               <a:defRPr sz="1200"/>
             </a:lvl4pPr>
-            <a:lvl5pPr indent="-304800" lvl="4" marL="2286000">
+            <a:lvl5pPr marL="2286000" lvl="4" indent="-304800">
               <a:spcBef>
                 <a:spcPts val="1600"/>
               </a:spcBef>
@@ -4729,7 +4891,7 @@
               <a:buChar char="○"/>
               <a:defRPr sz="1200"/>
             </a:lvl5pPr>
-            <a:lvl6pPr indent="-304800" lvl="5" marL="2743200">
+            <a:lvl6pPr marL="2743200" lvl="5" indent="-304800">
               <a:spcBef>
                 <a:spcPts val="1600"/>
               </a:spcBef>
@@ -4740,7 +4902,7 @@
               <a:buChar char="■"/>
               <a:defRPr sz="1200"/>
             </a:lvl6pPr>
-            <a:lvl7pPr indent="-304800" lvl="6" marL="3200400">
+            <a:lvl7pPr marL="3200400" lvl="6" indent="-304800">
               <a:spcBef>
                 <a:spcPts val="1600"/>
               </a:spcBef>
@@ -4751,7 +4913,7 @@
               <a:buChar char="●"/>
               <a:defRPr sz="1200"/>
             </a:lvl7pPr>
-            <a:lvl8pPr indent="-304800" lvl="7" marL="3657600">
+            <a:lvl8pPr marL="3657600" lvl="7" indent="-304800">
               <a:spcBef>
                 <a:spcPts val="1600"/>
               </a:spcBef>
@@ -4762,7 +4924,7 @@
               <a:buChar char="○"/>
               <a:defRPr sz="1200"/>
             </a:lvl8pPr>
-            <a:lvl9pPr indent="-304800" lvl="8" marL="4114800">
+            <a:lvl9pPr marL="4114800" lvl="8" indent="-304800">
               <a:spcBef>
                 <a:spcPts val="1600"/>
               </a:spcBef>
@@ -4774,15 +4936,19 @@
               <a:defRPr sz="1200"/>
             </a:lvl9pPr>
           </a:lstStyle>
-          <a:p/>
+          <a:p>
+            <a:endParaRPr/>
+          </a:p>
         </p:txBody>
       </p:sp>
       <p:sp>
         <p:nvSpPr>
           <p:cNvPr id="31" name="Google Shape;31;p7"/>
-          <p:cNvSpPr txBox="1"/>
+          <p:cNvSpPr txBox="1">
+            <a:spLocks noGrp="1"/>
+          </p:cNvSpPr>
           <p:nvPr>
-            <p:ph idx="12" type="sldNum"/>
+            <p:ph type="sldNum" idx="12"/>
           </p:nvPr>
         </p:nvSpPr>
         <p:spPr>
@@ -4795,7 +4961,7 @@
           </a:prstGeom>
         </p:spPr>
         <p:txBody>
-          <a:bodyPr anchorCtr="0" anchor="ctr" bIns="91425" lIns="91425" spcFirstLastPara="1" rIns="91425" wrap="square" tIns="91425">
+          <a:bodyPr spcFirstLastPara="1" wrap="square" lIns="91425" tIns="91425" rIns="91425" bIns="91425" anchor="ctr" anchorCtr="0">
             <a:noAutofit/>
           </a:bodyPr>
           <a:lstStyle>
@@ -4837,7 +5003,7 @@
             </a:lvl9pPr>
           </a:lstStyle>
           <a:p>
-            <a:pPr indent="0" lvl="0" marL="0" rtl="0" algn="r">
+            <a:pPr marL="0" lvl="0" indent="0" algn="r" rtl="0">
               <a:spcBef>
                 <a:spcPts val="0"/>
               </a:spcBef>
@@ -4848,7 +5014,7 @@
             </a:pPr>
             <a:fld id="{00000000-1234-1234-1234-123412341234}" type="slidenum">
               <a:rPr lang="it"/>
-              <a:t>‹#›</a:t>
+              <a:t>‹N›</a:t>
             </a:fld>
             <a:endParaRPr/>
           </a:p>
@@ -4863,11 +5029,11 @@
 </file>
 
 <file path=ppt/slideLayouts/slideLayout7.xml><?xml version="1.0" encoding="utf-8"?>
-<p:sldLayout xmlns:a="http://schemas.openxmlformats.org/drawingml/2006/main" xmlns:r="http://schemas.openxmlformats.org/officeDocument/2006/relationships" xmlns:mc="http://schemas.openxmlformats.org/markup-compatibility/2006" xmlns:mv="urn:schemas-microsoft-com:mac:vml" xmlns:p="http://schemas.openxmlformats.org/presentationml/2006/main" xmlns:c="http://schemas.openxmlformats.org/drawingml/2006/chart" xmlns:dgm="http://schemas.openxmlformats.org/drawingml/2006/diagram" xmlns:o="urn:schemas-microsoft-com:office:office" xmlns:v="urn:schemas-microsoft-com:vml" xmlns:pvml="urn:schemas-microsoft-com:office:powerpoint" xmlns:com="http://schemas.openxmlformats.org/drawingml/2006/compatibility" xmlns:p14="http://schemas.microsoft.com/office/powerpoint/2010/main" xmlns:p15="http://schemas.microsoft.com/office/powerpoint/2012/main" xmlns:ahyp="http://schemas.microsoft.com/office/drawing/2018/hyperlinkcolor" matchingName="Main point">
+<p:sldLayout xmlns:a="http://schemas.openxmlformats.org/drawingml/2006/main" xmlns:r="http://schemas.openxmlformats.org/officeDocument/2006/relationships" xmlns:p="http://schemas.openxmlformats.org/presentationml/2006/main" matchingName="Main point">
   <p:cSld name="MAIN_POINT">
     <p:spTree>
       <p:nvGrpSpPr>
-        <p:cNvPr id="32" name="Shape 32"/>
+        <p:cNvPr id="1" name="Shape 32"/>
         <p:cNvGrpSpPr/>
         <p:nvPr/>
       </p:nvGrpSpPr>
@@ -4882,7 +5048,9 @@
       <p:sp>
         <p:nvSpPr>
           <p:cNvPr id="33" name="Google Shape;33;p8"/>
-          <p:cNvSpPr txBox="1"/>
+          <p:cNvSpPr txBox="1">
+            <a:spLocks noGrp="1"/>
+          </p:cNvSpPr>
           <p:nvPr>
             <p:ph type="title"/>
           </p:nvPr>
@@ -4897,7 +5065,7 @@
           </a:prstGeom>
         </p:spPr>
         <p:txBody>
-          <a:bodyPr anchorCtr="0" anchor="ctr" bIns="91425" lIns="91425" spcFirstLastPara="1" rIns="91425" wrap="square" tIns="91425">
+          <a:bodyPr spcFirstLastPara="1" wrap="square" lIns="91425" tIns="91425" rIns="91425" bIns="91425" anchor="ctr" anchorCtr="0">
             <a:noAutofit/>
           </a:bodyPr>
           <a:lstStyle>
@@ -5001,15 +5169,19 @@
               <a:defRPr sz="4800"/>
             </a:lvl9pPr>
           </a:lstStyle>
-          <a:p/>
+          <a:p>
+            <a:endParaRPr/>
+          </a:p>
         </p:txBody>
       </p:sp>
       <p:sp>
         <p:nvSpPr>
           <p:cNvPr id="34" name="Google Shape;34;p8"/>
-          <p:cNvSpPr txBox="1"/>
+          <p:cNvSpPr txBox="1">
+            <a:spLocks noGrp="1"/>
+          </p:cNvSpPr>
           <p:nvPr>
-            <p:ph idx="12" type="sldNum"/>
+            <p:ph type="sldNum" idx="12"/>
           </p:nvPr>
         </p:nvSpPr>
         <p:spPr>
@@ -5022,7 +5194,7 @@
           </a:prstGeom>
         </p:spPr>
         <p:txBody>
-          <a:bodyPr anchorCtr="0" anchor="ctr" bIns="91425" lIns="91425" spcFirstLastPara="1" rIns="91425" wrap="square" tIns="91425">
+          <a:bodyPr spcFirstLastPara="1" wrap="square" lIns="91425" tIns="91425" rIns="91425" bIns="91425" anchor="ctr" anchorCtr="0">
             <a:noAutofit/>
           </a:bodyPr>
           <a:lstStyle>
@@ -5064,7 +5236,7 @@
             </a:lvl9pPr>
           </a:lstStyle>
           <a:p>
-            <a:pPr indent="0" lvl="0" marL="0" rtl="0" algn="r">
+            <a:pPr marL="0" lvl="0" indent="0" algn="r" rtl="0">
               <a:spcBef>
                 <a:spcPts val="0"/>
               </a:spcBef>
@@ -5075,7 +5247,7 @@
             </a:pPr>
             <a:fld id="{00000000-1234-1234-1234-123412341234}" type="slidenum">
               <a:rPr lang="it"/>
-              <a:t>‹#›</a:t>
+              <a:t>‹N›</a:t>
             </a:fld>
             <a:endParaRPr/>
           </a:p>
@@ -5090,11 +5262,11 @@
 </file>
 
 <file path=ppt/slideLayouts/slideLayout8.xml><?xml version="1.0" encoding="utf-8"?>
-<p:sldLayout xmlns:a="http://schemas.openxmlformats.org/drawingml/2006/main" xmlns:r="http://schemas.openxmlformats.org/officeDocument/2006/relationships" xmlns:mc="http://schemas.openxmlformats.org/markup-compatibility/2006" xmlns:mv="urn:schemas-microsoft-com:mac:vml" xmlns:p="http://schemas.openxmlformats.org/presentationml/2006/main" xmlns:c="http://schemas.openxmlformats.org/drawingml/2006/chart" xmlns:dgm="http://schemas.openxmlformats.org/drawingml/2006/diagram" xmlns:o="urn:schemas-microsoft-com:office:office" xmlns:v="urn:schemas-microsoft-com:vml" xmlns:pvml="urn:schemas-microsoft-com:office:powerpoint" xmlns:com="http://schemas.openxmlformats.org/drawingml/2006/compatibility" xmlns:p14="http://schemas.microsoft.com/office/powerpoint/2010/main" xmlns:p15="http://schemas.microsoft.com/office/powerpoint/2012/main" xmlns:ahyp="http://schemas.microsoft.com/office/drawing/2018/hyperlinkcolor" matchingName="Section title and description">
+<p:sldLayout xmlns:a="http://schemas.openxmlformats.org/drawingml/2006/main" xmlns:r="http://schemas.openxmlformats.org/officeDocument/2006/relationships" xmlns:p="http://schemas.openxmlformats.org/presentationml/2006/main" matchingName="Section title and description">
   <p:cSld name="SECTION_TITLE_AND_DESCRIPTION">
     <p:spTree>
       <p:nvGrpSpPr>
-        <p:cNvPr id="35" name="Shape 35"/>
+        <p:cNvPr id="1" name="Shape 35"/>
         <p:cNvGrpSpPr/>
         <p:nvPr/>
       </p:nvGrpSpPr>
@@ -5128,12 +5300,12 @@
           </a:ln>
         </p:spPr>
         <p:txBody>
-          <a:bodyPr anchorCtr="0" anchor="ctr" bIns="91425" lIns="91425" spcFirstLastPara="1" rIns="91425" wrap="square" tIns="91425">
+          <a:bodyPr spcFirstLastPara="1" wrap="square" lIns="91425" tIns="91425" rIns="91425" bIns="91425" anchor="ctr" anchorCtr="0">
             <a:noAutofit/>
           </a:bodyPr>
           <a:lstStyle/>
           <a:p>
-            <a:pPr indent="0" lvl="0" marL="0" rtl="0" algn="l">
+            <a:pPr marL="0" lvl="0" indent="0" algn="l" rtl="0">
               <a:spcBef>
                 <a:spcPts val="0"/>
               </a:spcBef>
@@ -5142,9 +5314,6 @@
               </a:spcAft>
               <a:buNone/>
             </a:pPr>
-            <a:r>
-              <a:t/>
-            </a:r>
             <a:endParaRPr/>
           </a:p>
         </p:txBody>
@@ -5152,7 +5321,9 @@
       <p:sp>
         <p:nvSpPr>
           <p:cNvPr id="37" name="Google Shape;37;p9"/>
-          <p:cNvSpPr txBox="1"/>
+          <p:cNvSpPr txBox="1">
+            <a:spLocks noGrp="1"/>
+          </p:cNvSpPr>
           <p:nvPr>
             <p:ph type="title"/>
           </p:nvPr>
@@ -5167,7 +5338,7 @@
           </a:prstGeom>
         </p:spPr>
         <p:txBody>
-          <a:bodyPr anchorCtr="0" anchor="b" bIns="91425" lIns="91425" spcFirstLastPara="1" rIns="91425" wrap="square" tIns="91425">
+          <a:bodyPr spcFirstLastPara="1" wrap="square" lIns="91425" tIns="91425" rIns="91425" bIns="91425" anchor="b" anchorCtr="0">
             <a:noAutofit/>
           </a:bodyPr>
           <a:lstStyle>
@@ -5271,15 +5442,19 @@
               <a:defRPr sz="4200"/>
             </a:lvl9pPr>
           </a:lstStyle>
-          <a:p/>
+          <a:p>
+            <a:endParaRPr/>
+          </a:p>
         </p:txBody>
       </p:sp>
       <p:sp>
         <p:nvSpPr>
           <p:cNvPr id="38" name="Google Shape;38;p9"/>
-          <p:cNvSpPr txBox="1"/>
+          <p:cNvSpPr txBox="1">
+            <a:spLocks noGrp="1"/>
+          </p:cNvSpPr>
           <p:nvPr>
-            <p:ph idx="1" type="subTitle"/>
+            <p:ph type="subTitle" idx="1"/>
           </p:nvPr>
         </p:nvSpPr>
         <p:spPr>
@@ -5292,7 +5467,7 @@
           </a:prstGeom>
         </p:spPr>
         <p:txBody>
-          <a:bodyPr anchorCtr="0" anchor="t" bIns="91425" lIns="91425" spcFirstLastPara="1" rIns="91425" wrap="square" tIns="91425">
+          <a:bodyPr spcFirstLastPara="1" wrap="square" lIns="91425" tIns="91425" rIns="91425" bIns="91425" anchor="t" anchorCtr="0">
             <a:noAutofit/>
           </a:bodyPr>
           <a:lstStyle>
@@ -5423,15 +5598,19 @@
               <a:defRPr sz="2100"/>
             </a:lvl9pPr>
           </a:lstStyle>
-          <a:p/>
+          <a:p>
+            <a:endParaRPr/>
+          </a:p>
         </p:txBody>
       </p:sp>
       <p:sp>
         <p:nvSpPr>
           <p:cNvPr id="39" name="Google Shape;39;p9"/>
-          <p:cNvSpPr txBox="1"/>
+          <p:cNvSpPr txBox="1">
+            <a:spLocks noGrp="1"/>
+          </p:cNvSpPr>
           <p:nvPr>
-            <p:ph idx="2" type="body"/>
+            <p:ph type="body" idx="2"/>
           </p:nvPr>
         </p:nvSpPr>
         <p:spPr>
@@ -5444,11 +5623,11 @@
           </a:prstGeom>
         </p:spPr>
         <p:txBody>
-          <a:bodyPr anchorCtr="0" anchor="ctr" bIns="91425" lIns="91425" spcFirstLastPara="1" rIns="91425" wrap="square" tIns="91425">
+          <a:bodyPr spcFirstLastPara="1" wrap="square" lIns="91425" tIns="91425" rIns="91425" bIns="91425" anchor="ctr" anchorCtr="0">
             <a:noAutofit/>
           </a:bodyPr>
           <a:lstStyle>
-            <a:lvl1pPr indent="-342900" lvl="0" marL="457200">
+            <a:lvl1pPr marL="457200" lvl="0" indent="-342900">
               <a:spcBef>
                 <a:spcPts val="0"/>
               </a:spcBef>
@@ -5459,7 +5638,7 @@
               <a:buChar char="●"/>
               <a:defRPr/>
             </a:lvl1pPr>
-            <a:lvl2pPr indent="-317500" lvl="1" marL="914400">
+            <a:lvl2pPr marL="914400" lvl="1" indent="-317500">
               <a:spcBef>
                 <a:spcPts val="1600"/>
               </a:spcBef>
@@ -5470,7 +5649,7 @@
               <a:buChar char="○"/>
               <a:defRPr/>
             </a:lvl2pPr>
-            <a:lvl3pPr indent="-317500" lvl="2" marL="1371600">
+            <a:lvl3pPr marL="1371600" lvl="2" indent="-317500">
               <a:spcBef>
                 <a:spcPts val="1600"/>
               </a:spcBef>
@@ -5481,7 +5660,7 @@
               <a:buChar char="■"/>
               <a:defRPr/>
             </a:lvl3pPr>
-            <a:lvl4pPr indent="-317500" lvl="3" marL="1828800">
+            <a:lvl4pPr marL="1828800" lvl="3" indent="-317500">
               <a:spcBef>
                 <a:spcPts val="1600"/>
               </a:spcBef>
@@ -5492,7 +5671,7 @@
               <a:buChar char="●"/>
               <a:defRPr/>
             </a:lvl4pPr>
-            <a:lvl5pPr indent="-317500" lvl="4" marL="2286000">
+            <a:lvl5pPr marL="2286000" lvl="4" indent="-317500">
               <a:spcBef>
                 <a:spcPts val="1600"/>
               </a:spcBef>
@@ -5503,7 +5682,7 @@
               <a:buChar char="○"/>
               <a:defRPr/>
             </a:lvl5pPr>
-            <a:lvl6pPr indent="-317500" lvl="5" marL="2743200">
+            <a:lvl6pPr marL="2743200" lvl="5" indent="-317500">
               <a:spcBef>
                 <a:spcPts val="1600"/>
               </a:spcBef>
@@ -5514,7 +5693,7 @@
               <a:buChar char="■"/>
               <a:defRPr/>
             </a:lvl6pPr>
-            <a:lvl7pPr indent="-317500" lvl="6" marL="3200400">
+            <a:lvl7pPr marL="3200400" lvl="6" indent="-317500">
               <a:spcBef>
                 <a:spcPts val="1600"/>
               </a:spcBef>
@@ -5525,7 +5704,7 @@
               <a:buChar char="●"/>
               <a:defRPr/>
             </a:lvl7pPr>
-            <a:lvl8pPr indent="-317500" lvl="7" marL="3657600">
+            <a:lvl8pPr marL="3657600" lvl="7" indent="-317500">
               <a:spcBef>
                 <a:spcPts val="1600"/>
               </a:spcBef>
@@ -5536,7 +5715,7 @@
               <a:buChar char="○"/>
               <a:defRPr/>
             </a:lvl8pPr>
-            <a:lvl9pPr indent="-317500" lvl="8" marL="4114800">
+            <a:lvl9pPr marL="4114800" lvl="8" indent="-317500">
               <a:spcBef>
                 <a:spcPts val="1600"/>
               </a:spcBef>
@@ -5548,15 +5727,19 @@
               <a:defRPr/>
             </a:lvl9pPr>
           </a:lstStyle>
-          <a:p/>
+          <a:p>
+            <a:endParaRPr/>
+          </a:p>
         </p:txBody>
       </p:sp>
       <p:sp>
         <p:nvSpPr>
           <p:cNvPr id="40" name="Google Shape;40;p9"/>
-          <p:cNvSpPr txBox="1"/>
+          <p:cNvSpPr txBox="1">
+            <a:spLocks noGrp="1"/>
+          </p:cNvSpPr>
           <p:nvPr>
-            <p:ph idx="12" type="sldNum"/>
+            <p:ph type="sldNum" idx="12"/>
           </p:nvPr>
         </p:nvSpPr>
         <p:spPr>
@@ -5569,7 +5752,7 @@
           </a:prstGeom>
         </p:spPr>
         <p:txBody>
-          <a:bodyPr anchorCtr="0" anchor="ctr" bIns="91425" lIns="91425" spcFirstLastPara="1" rIns="91425" wrap="square" tIns="91425">
+          <a:bodyPr spcFirstLastPara="1" wrap="square" lIns="91425" tIns="91425" rIns="91425" bIns="91425" anchor="ctr" anchorCtr="0">
             <a:noAutofit/>
           </a:bodyPr>
           <a:lstStyle>
@@ -5611,7 +5794,7 @@
             </a:lvl9pPr>
           </a:lstStyle>
           <a:p>
-            <a:pPr indent="0" lvl="0" marL="0" rtl="0" algn="r">
+            <a:pPr marL="0" lvl="0" indent="0" algn="r" rtl="0">
               <a:spcBef>
                 <a:spcPts val="0"/>
               </a:spcBef>
@@ -5622,7 +5805,7 @@
             </a:pPr>
             <a:fld id="{00000000-1234-1234-1234-123412341234}" type="slidenum">
               <a:rPr lang="it"/>
-              <a:t>‹#›</a:t>
+              <a:t>‹N›</a:t>
             </a:fld>
             <a:endParaRPr/>
           </a:p>
@@ -5637,11 +5820,11 @@
 </file>
 
 <file path=ppt/slideLayouts/slideLayout9.xml><?xml version="1.0" encoding="utf-8"?>
-<p:sldLayout xmlns:a="http://schemas.openxmlformats.org/drawingml/2006/main" xmlns:r="http://schemas.openxmlformats.org/officeDocument/2006/relationships" xmlns:mc="http://schemas.openxmlformats.org/markup-compatibility/2006" xmlns:mv="urn:schemas-microsoft-com:mac:vml" xmlns:p="http://schemas.openxmlformats.org/presentationml/2006/main" xmlns:c="http://schemas.openxmlformats.org/drawingml/2006/chart" xmlns:dgm="http://schemas.openxmlformats.org/drawingml/2006/diagram" xmlns:o="urn:schemas-microsoft-com:office:office" xmlns:v="urn:schemas-microsoft-com:vml" xmlns:pvml="urn:schemas-microsoft-com:office:powerpoint" xmlns:com="http://schemas.openxmlformats.org/drawingml/2006/compatibility" xmlns:p14="http://schemas.microsoft.com/office/powerpoint/2010/main" xmlns:p15="http://schemas.microsoft.com/office/powerpoint/2012/main" xmlns:ahyp="http://schemas.microsoft.com/office/drawing/2018/hyperlinkcolor" matchingName="Caption">
+<p:sldLayout xmlns:a="http://schemas.openxmlformats.org/drawingml/2006/main" xmlns:r="http://schemas.openxmlformats.org/officeDocument/2006/relationships" xmlns:p="http://schemas.openxmlformats.org/presentationml/2006/main" matchingName="Caption">
   <p:cSld name="CAPTION_ONLY">
     <p:spTree>
       <p:nvGrpSpPr>
-        <p:cNvPr id="41" name="Shape 41"/>
+        <p:cNvPr id="1" name="Shape 41"/>
         <p:cNvGrpSpPr/>
         <p:nvPr/>
       </p:nvGrpSpPr>
@@ -5656,9 +5839,11 @@
       <p:sp>
         <p:nvSpPr>
           <p:cNvPr id="42" name="Google Shape;42;p10"/>
-          <p:cNvSpPr txBox="1"/>
+          <p:cNvSpPr txBox="1">
+            <a:spLocks noGrp="1"/>
+          </p:cNvSpPr>
           <p:nvPr>
-            <p:ph idx="1" type="body"/>
+            <p:ph type="body" idx="1"/>
           </p:nvPr>
         </p:nvSpPr>
         <p:spPr>
@@ -5671,11 +5856,11 @@
           </a:prstGeom>
         </p:spPr>
         <p:txBody>
-          <a:bodyPr anchorCtr="0" anchor="ctr" bIns="91425" lIns="91425" spcFirstLastPara="1" rIns="91425" wrap="square" tIns="91425">
+          <a:bodyPr spcFirstLastPara="1" wrap="square" lIns="91425" tIns="91425" rIns="91425" bIns="91425" anchor="ctr" anchorCtr="0">
             <a:noAutofit/>
           </a:bodyPr>
           <a:lstStyle>
-            <a:lvl1pPr indent="-228600" lvl="0" marL="457200">
+            <a:lvl1pPr marL="457200" lvl="0" indent="-228600">
               <a:lnSpc>
                 <a:spcPct val="100000"/>
               </a:lnSpc>
@@ -5690,15 +5875,19 @@
               <a:defRPr/>
             </a:lvl1pPr>
           </a:lstStyle>
-          <a:p/>
+          <a:p>
+            <a:endParaRPr/>
+          </a:p>
         </p:txBody>
       </p:sp>
       <p:sp>
         <p:nvSpPr>
           <p:cNvPr id="43" name="Google Shape;43;p10"/>
-          <p:cNvSpPr txBox="1"/>
+          <p:cNvSpPr txBox="1">
+            <a:spLocks noGrp="1"/>
+          </p:cNvSpPr>
           <p:nvPr>
-            <p:ph idx="12" type="sldNum"/>
+            <p:ph type="sldNum" idx="12"/>
           </p:nvPr>
         </p:nvSpPr>
         <p:spPr>
@@ -5711,7 +5900,7 @@
           </a:prstGeom>
         </p:spPr>
         <p:txBody>
-          <a:bodyPr anchorCtr="0" anchor="ctr" bIns="91425" lIns="91425" spcFirstLastPara="1" rIns="91425" wrap="square" tIns="91425">
+          <a:bodyPr spcFirstLastPara="1" wrap="square" lIns="91425" tIns="91425" rIns="91425" bIns="91425" anchor="ctr" anchorCtr="0">
             <a:noAutofit/>
           </a:bodyPr>
           <a:lstStyle>
@@ -5753,7 +5942,7 @@
             </a:lvl9pPr>
           </a:lstStyle>
           <a:p>
-            <a:pPr indent="0" lvl="0" marL="0" rtl="0" algn="r">
+            <a:pPr marL="0" lvl="0" indent="0" algn="r" rtl="0">
               <a:spcBef>
                 <a:spcPts val="0"/>
               </a:spcBef>
@@ -5764,7 +5953,7 @@
             </a:pPr>
             <a:fld id="{00000000-1234-1234-1234-123412341234}" type="slidenum">
               <a:rPr lang="it"/>
-              <a:t>‹#›</a:t>
+              <a:t>‹N›</a:t>
             </a:fld>
             <a:endParaRPr/>
           </a:p>
@@ -5779,18 +5968,19 @@
 </file>
 
 <file path=ppt/slideMasters/slideMaster1.xml><?xml version="1.0" encoding="utf-8"?>
-<p:sldMaster xmlns:a="http://schemas.openxmlformats.org/drawingml/2006/main" xmlns:r="http://schemas.openxmlformats.org/officeDocument/2006/relationships" xmlns:mc="http://schemas.openxmlformats.org/markup-compatibility/2006" xmlns:mv="urn:schemas-microsoft-com:mac:vml" xmlns:p="http://schemas.openxmlformats.org/presentationml/2006/main" xmlns:c="http://schemas.openxmlformats.org/drawingml/2006/chart" xmlns:dgm="http://schemas.openxmlformats.org/drawingml/2006/diagram" xmlns:o="urn:schemas-microsoft-com:office:office" xmlns:v="urn:schemas-microsoft-com:vml" xmlns:pvml="urn:schemas-microsoft-com:office:powerpoint" xmlns:com="http://schemas.openxmlformats.org/drawingml/2006/compatibility" xmlns:p14="http://schemas.microsoft.com/office/powerpoint/2010/main" xmlns:p15="http://schemas.microsoft.com/office/powerpoint/2012/main" xmlns:ahyp="http://schemas.microsoft.com/office/drawing/2018/hyperlinkcolor">
+<p:sldMaster xmlns:a="http://schemas.openxmlformats.org/drawingml/2006/main" xmlns:r="http://schemas.openxmlformats.org/officeDocument/2006/relationships" xmlns:p="http://schemas.openxmlformats.org/presentationml/2006/main">
   <p:cSld name="simple-light-2">
     <p:bg>
       <p:bgPr>
         <a:solidFill>
           <a:schemeClr val="lt1"/>
         </a:solidFill>
+        <a:effectLst/>
       </p:bgPr>
     </p:bg>
     <p:spTree>
       <p:nvGrpSpPr>
-        <p:cNvPr id="5" name="Shape 5"/>
+        <p:cNvPr id="1" name="Shape 5"/>
         <p:cNvGrpSpPr/>
         <p:nvPr/>
       </p:nvGrpSpPr>
@@ -5805,7 +5995,9 @@
       <p:sp>
         <p:nvSpPr>
           <p:cNvPr id="6" name="Google Shape;6;p1"/>
-          <p:cNvSpPr txBox="1"/>
+          <p:cNvSpPr txBox="1">
+            <a:spLocks noGrp="1"/>
+          </p:cNvSpPr>
           <p:nvPr>
             <p:ph type="title"/>
           </p:nvPr>
@@ -5824,7 +6016,7 @@
           </a:ln>
         </p:spPr>
         <p:txBody>
-          <a:bodyPr anchorCtr="0" anchor="t" bIns="91425" lIns="91425" spcFirstLastPara="1" rIns="91425" wrap="square" tIns="91425">
+          <a:bodyPr spcFirstLastPara="1" wrap="square" lIns="91425" tIns="91425" rIns="91425" bIns="91425" anchor="t" anchorCtr="0">
             <a:noAutofit/>
           </a:bodyPr>
           <a:lstStyle>
@@ -5991,15 +6183,19 @@
               </a:defRPr>
             </a:lvl9pPr>
           </a:lstStyle>
-          <a:p/>
+          <a:p>
+            <a:endParaRPr/>
+          </a:p>
         </p:txBody>
       </p:sp>
       <p:sp>
         <p:nvSpPr>
           <p:cNvPr id="7" name="Google Shape;7;p1"/>
-          <p:cNvSpPr txBox="1"/>
+          <p:cNvSpPr txBox="1">
+            <a:spLocks noGrp="1"/>
+          </p:cNvSpPr>
           <p:nvPr>
-            <p:ph idx="1" type="body"/>
+            <p:ph type="body" idx="1"/>
           </p:nvPr>
         </p:nvSpPr>
         <p:spPr>
@@ -6016,11 +6212,11 @@
           </a:ln>
         </p:spPr>
         <p:txBody>
-          <a:bodyPr anchorCtr="0" anchor="t" bIns="91425" lIns="91425" spcFirstLastPara="1" rIns="91425" wrap="square" tIns="91425">
+          <a:bodyPr spcFirstLastPara="1" wrap="square" lIns="91425" tIns="91425" rIns="91425" bIns="91425" anchor="t" anchorCtr="0">
             <a:noAutofit/>
           </a:bodyPr>
           <a:lstStyle>
-            <a:lvl1pPr indent="-342900" lvl="0" marL="457200">
+            <a:lvl1pPr marL="457200" lvl="0" indent="-342900">
               <a:lnSpc>
                 <a:spcPct val="115000"/>
               </a:lnSpc>
@@ -6041,7 +6237,7 @@
                 </a:solidFill>
               </a:defRPr>
             </a:lvl1pPr>
-            <a:lvl2pPr indent="-317500" lvl="1" marL="914400">
+            <a:lvl2pPr marL="914400" lvl="1" indent="-317500">
               <a:lnSpc>
                 <a:spcPct val="115000"/>
               </a:lnSpc>
@@ -6062,7 +6258,7 @@
                 </a:solidFill>
               </a:defRPr>
             </a:lvl2pPr>
-            <a:lvl3pPr indent="-317500" lvl="2" marL="1371600">
+            <a:lvl3pPr marL="1371600" lvl="2" indent="-317500">
               <a:lnSpc>
                 <a:spcPct val="115000"/>
               </a:lnSpc>
@@ -6083,7 +6279,7 @@
                 </a:solidFill>
               </a:defRPr>
             </a:lvl3pPr>
-            <a:lvl4pPr indent="-317500" lvl="3" marL="1828800">
+            <a:lvl4pPr marL="1828800" lvl="3" indent="-317500">
               <a:lnSpc>
                 <a:spcPct val="115000"/>
               </a:lnSpc>
@@ -6104,7 +6300,7 @@
                 </a:solidFill>
               </a:defRPr>
             </a:lvl4pPr>
-            <a:lvl5pPr indent="-317500" lvl="4" marL="2286000">
+            <a:lvl5pPr marL="2286000" lvl="4" indent="-317500">
               <a:lnSpc>
                 <a:spcPct val="115000"/>
               </a:lnSpc>
@@ -6125,7 +6321,7 @@
                 </a:solidFill>
               </a:defRPr>
             </a:lvl5pPr>
-            <a:lvl6pPr indent="-317500" lvl="5" marL="2743200">
+            <a:lvl6pPr marL="2743200" lvl="5" indent="-317500">
               <a:lnSpc>
                 <a:spcPct val="115000"/>
               </a:lnSpc>
@@ -6146,7 +6342,7 @@
                 </a:solidFill>
               </a:defRPr>
             </a:lvl6pPr>
-            <a:lvl7pPr indent="-317500" lvl="6" marL="3200400">
+            <a:lvl7pPr marL="3200400" lvl="6" indent="-317500">
               <a:lnSpc>
                 <a:spcPct val="115000"/>
               </a:lnSpc>
@@ -6167,7 +6363,7 @@
                 </a:solidFill>
               </a:defRPr>
             </a:lvl7pPr>
-            <a:lvl8pPr indent="-317500" lvl="7" marL="3657600">
+            <a:lvl8pPr marL="3657600" lvl="7" indent="-317500">
               <a:lnSpc>
                 <a:spcPct val="115000"/>
               </a:lnSpc>
@@ -6188,7 +6384,7 @@
                 </a:solidFill>
               </a:defRPr>
             </a:lvl8pPr>
-            <a:lvl9pPr indent="-317500" lvl="8" marL="4114800">
+            <a:lvl9pPr marL="4114800" lvl="8" indent="-317500">
               <a:lnSpc>
                 <a:spcPct val="115000"/>
               </a:lnSpc>
@@ -6210,15 +6406,19 @@
               </a:defRPr>
             </a:lvl9pPr>
           </a:lstStyle>
-          <a:p/>
+          <a:p>
+            <a:endParaRPr/>
+          </a:p>
         </p:txBody>
       </p:sp>
       <p:sp>
         <p:nvSpPr>
           <p:cNvPr id="8" name="Google Shape;8;p1"/>
-          <p:cNvSpPr txBox="1"/>
+          <p:cNvSpPr txBox="1">
+            <a:spLocks noGrp="1"/>
+          </p:cNvSpPr>
           <p:nvPr>
-            <p:ph idx="12" type="sldNum"/>
+            <p:ph type="sldNum" idx="12"/>
           </p:nvPr>
         </p:nvSpPr>
         <p:spPr>
@@ -6235,7 +6435,7 @@
           </a:ln>
         </p:spPr>
         <p:txBody>
-          <a:bodyPr anchorCtr="0" anchor="ctr" bIns="91425" lIns="91425" spcFirstLastPara="1" rIns="91425" wrap="square" tIns="91425">
+          <a:bodyPr spcFirstLastPara="1" wrap="square" lIns="91425" tIns="91425" rIns="91425" bIns="91425" anchor="ctr" anchorCtr="0">
             <a:noAutofit/>
           </a:bodyPr>
           <a:lstStyle>
@@ -6313,7 +6513,7 @@
             </a:lvl9pPr>
           </a:lstStyle>
           <a:p>
-            <a:pPr indent="0" lvl="0" marL="0" rtl="0" algn="r">
+            <a:pPr marL="0" lvl="0" indent="0" algn="r" rtl="0">
               <a:spcBef>
                 <a:spcPts val="0"/>
               </a:spcBef>
@@ -6324,7 +6524,7 @@
             </a:pPr>
             <a:fld id="{00000000-1234-1234-1234-123412341234}" type="slidenum">
               <a:rPr lang="it"/>
-              <a:t>‹#›</a:t>
+              <a:t>‹N›</a:t>
             </a:fld>
             <a:endParaRPr/>
           </a:p>
@@ -6332,7 +6532,7 @@
       </p:sp>
     </p:spTree>
   </p:cSld>
-  <p:clrMap accent1="accent1" accent2="accent2" accent3="accent3" accent4="accent4" accent5="accent5" accent6="accent6" bg1="lt1" bg2="dk2" tx1="dk1" tx2="lt2" folHlink="folHlink" hlink="hlink"/>
+  <p:clrMap bg1="lt1" tx1="dk1" bg2="dk2" tx2="lt2" accent1="accent1" accent2="accent2" accent3="accent3" accent4="accent4" accent5="accent5" accent6="accent6" hlink="hlink" folHlink="folHlink"/>
   <p:sldLayoutIdLst>
     <p:sldLayoutId id="2147483648" r:id="rId1"/>
     <p:sldLayoutId id="2147483649" r:id="rId2"/>
@@ -6346,10 +6546,10 @@
     <p:sldLayoutId id="2147483657" r:id="rId10"/>
     <p:sldLayoutId id="2147483658" r:id="rId11"/>
   </p:sldLayoutIdLst>
-  <p:hf dt="0" ftr="0" hdr="0" sldNum="0"/>
+  <p:hf sldNum="0" hdr="0" ftr="0" dt="0"/>
   <p:txStyles>
     <p:titleStyle>
-      <a:defPPr lvl="0" marR="0" rtl="0" algn="l">
+      <a:defPPr marR="0" lvl="0" algn="l" rtl="0">
         <a:lnSpc>
           <a:spcPct val="100000"/>
         </a:lnSpc>
@@ -6360,7 +6560,7 @@
           <a:spcPts val="0"/>
         </a:spcAft>
       </a:defPPr>
-      <a:lvl1pPr lvl="0" marR="0" rtl="0" algn="l">
+      <a:lvl1pPr marR="0" lvl="0" algn="l" rtl="0">
         <a:lnSpc>
           <a:spcPct val="100000"/>
         </a:lnSpc>
@@ -6374,7 +6574,7 @@
           <a:srgbClr val="000000"/>
         </a:buClr>
         <a:buFont typeface="Arial"/>
-        <a:defRPr b="0" i="0" sz="1400" u="none" cap="none" strike="noStrike">
+        <a:defRPr sz="1400" b="0" i="0" u="none" strike="noStrike" cap="none">
           <a:solidFill>
             <a:srgbClr val="000000"/>
           </a:solidFill>
@@ -6384,7 +6584,7 @@
           <a:sym typeface="Arial"/>
         </a:defRPr>
       </a:lvl1pPr>
-      <a:lvl2pPr lvl="1" marR="0" rtl="0" algn="l">
+      <a:lvl2pPr marR="0" lvl="1" algn="l" rtl="0">
         <a:lnSpc>
           <a:spcPct val="100000"/>
         </a:lnSpc>
@@ -6398,7 +6598,7 @@
           <a:srgbClr val="000000"/>
         </a:buClr>
         <a:buFont typeface="Arial"/>
-        <a:defRPr b="0" i="0" sz="1400" u="none" cap="none" strike="noStrike">
+        <a:defRPr sz="1400" b="0" i="0" u="none" strike="noStrike" cap="none">
           <a:solidFill>
             <a:srgbClr val="000000"/>
           </a:solidFill>
@@ -6408,7 +6608,7 @@
           <a:sym typeface="Arial"/>
         </a:defRPr>
       </a:lvl2pPr>
-      <a:lvl3pPr lvl="2" marR="0" rtl="0" algn="l">
+      <a:lvl3pPr marR="0" lvl="2" algn="l" rtl="0">
         <a:lnSpc>
           <a:spcPct val="100000"/>
         </a:lnSpc>
@@ -6422,7 +6622,7 @@
           <a:srgbClr val="000000"/>
         </a:buClr>
         <a:buFont typeface="Arial"/>
-        <a:defRPr b="0" i="0" sz="1400" u="none" cap="none" strike="noStrike">
+        <a:defRPr sz="1400" b="0" i="0" u="none" strike="noStrike" cap="none">
           <a:solidFill>
             <a:srgbClr val="000000"/>
           </a:solidFill>
@@ -6432,7 +6632,7 @@
           <a:sym typeface="Arial"/>
         </a:defRPr>
       </a:lvl3pPr>
-      <a:lvl4pPr lvl="3" marR="0" rtl="0" algn="l">
+      <a:lvl4pPr marR="0" lvl="3" algn="l" rtl="0">
         <a:lnSpc>
           <a:spcPct val="100000"/>
         </a:lnSpc>
@@ -6446,7 +6646,7 @@
           <a:srgbClr val="000000"/>
         </a:buClr>
         <a:buFont typeface="Arial"/>
-        <a:defRPr b="0" i="0" sz="1400" u="none" cap="none" strike="noStrike">
+        <a:defRPr sz="1400" b="0" i="0" u="none" strike="noStrike" cap="none">
           <a:solidFill>
             <a:srgbClr val="000000"/>
           </a:solidFill>
@@ -6456,7 +6656,7 @@
           <a:sym typeface="Arial"/>
         </a:defRPr>
       </a:lvl4pPr>
-      <a:lvl5pPr lvl="4" marR="0" rtl="0" algn="l">
+      <a:lvl5pPr marR="0" lvl="4" algn="l" rtl="0">
         <a:lnSpc>
           <a:spcPct val="100000"/>
         </a:lnSpc>
@@ -6470,7 +6670,7 @@
           <a:srgbClr val="000000"/>
         </a:buClr>
         <a:buFont typeface="Arial"/>
-        <a:defRPr b="0" i="0" sz="1400" u="none" cap="none" strike="noStrike">
+        <a:defRPr sz="1400" b="0" i="0" u="none" strike="noStrike" cap="none">
           <a:solidFill>
             <a:srgbClr val="000000"/>
           </a:solidFill>
@@ -6480,7 +6680,7 @@
           <a:sym typeface="Arial"/>
         </a:defRPr>
       </a:lvl5pPr>
-      <a:lvl6pPr lvl="5" marR="0" rtl="0" algn="l">
+      <a:lvl6pPr marR="0" lvl="5" algn="l" rtl="0">
         <a:lnSpc>
           <a:spcPct val="100000"/>
         </a:lnSpc>
@@ -6494,7 +6694,7 @@
           <a:srgbClr val="000000"/>
         </a:buClr>
         <a:buFont typeface="Arial"/>
-        <a:defRPr b="0" i="0" sz="1400" u="none" cap="none" strike="noStrike">
+        <a:defRPr sz="1400" b="0" i="0" u="none" strike="noStrike" cap="none">
           <a:solidFill>
             <a:srgbClr val="000000"/>
           </a:solidFill>
@@ -6504,7 +6704,7 @@
           <a:sym typeface="Arial"/>
         </a:defRPr>
       </a:lvl6pPr>
-      <a:lvl7pPr lvl="6" marR="0" rtl="0" algn="l">
+      <a:lvl7pPr marR="0" lvl="6" algn="l" rtl="0">
         <a:lnSpc>
           <a:spcPct val="100000"/>
         </a:lnSpc>
@@ -6518,7 +6718,7 @@
           <a:srgbClr val="000000"/>
         </a:buClr>
         <a:buFont typeface="Arial"/>
-        <a:defRPr b="0" i="0" sz="1400" u="none" cap="none" strike="noStrike">
+        <a:defRPr sz="1400" b="0" i="0" u="none" strike="noStrike" cap="none">
           <a:solidFill>
             <a:srgbClr val="000000"/>
           </a:solidFill>
@@ -6528,7 +6728,7 @@
           <a:sym typeface="Arial"/>
         </a:defRPr>
       </a:lvl7pPr>
-      <a:lvl8pPr lvl="7" marR="0" rtl="0" algn="l">
+      <a:lvl8pPr marR="0" lvl="7" algn="l" rtl="0">
         <a:lnSpc>
           <a:spcPct val="100000"/>
         </a:lnSpc>
@@ -6542,7 +6742,7 @@
           <a:srgbClr val="000000"/>
         </a:buClr>
         <a:buFont typeface="Arial"/>
-        <a:defRPr b="0" i="0" sz="1400" u="none" cap="none" strike="noStrike">
+        <a:defRPr sz="1400" b="0" i="0" u="none" strike="noStrike" cap="none">
           <a:solidFill>
             <a:srgbClr val="000000"/>
           </a:solidFill>
@@ -6552,7 +6752,7 @@
           <a:sym typeface="Arial"/>
         </a:defRPr>
       </a:lvl8pPr>
-      <a:lvl9pPr lvl="8" marR="0" rtl="0" algn="l">
+      <a:lvl9pPr marR="0" lvl="8" algn="l" rtl="0">
         <a:lnSpc>
           <a:spcPct val="100000"/>
         </a:lnSpc>
@@ -6566,7 +6766,7 @@
           <a:srgbClr val="000000"/>
         </a:buClr>
         <a:buFont typeface="Arial"/>
-        <a:defRPr b="0" i="0" sz="1400" u="none" cap="none" strike="noStrike">
+        <a:defRPr sz="1400" b="0" i="0" u="none" strike="noStrike" cap="none">
           <a:solidFill>
             <a:srgbClr val="000000"/>
           </a:solidFill>
@@ -6578,7 +6778,7 @@
       </a:lvl9pPr>
     </p:titleStyle>
     <p:bodyStyle>
-      <a:defPPr lvl="0" marR="0" rtl="0" algn="l">
+      <a:defPPr marR="0" lvl="0" algn="l" rtl="0">
         <a:lnSpc>
           <a:spcPct val="100000"/>
         </a:lnSpc>
@@ -6589,7 +6789,7 @@
           <a:spcPts val="0"/>
         </a:spcAft>
       </a:defPPr>
-      <a:lvl1pPr lvl="0" marR="0" rtl="0" algn="l">
+      <a:lvl1pPr marR="0" lvl="0" algn="l" rtl="0">
         <a:lnSpc>
           <a:spcPct val="100000"/>
         </a:lnSpc>
@@ -6603,7 +6803,7 @@
           <a:srgbClr val="000000"/>
         </a:buClr>
         <a:buFont typeface="Arial"/>
-        <a:defRPr b="0" i="0" sz="1400" u="none" cap="none" strike="noStrike">
+        <a:defRPr sz="1400" b="0" i="0" u="none" strike="noStrike" cap="none">
           <a:solidFill>
             <a:srgbClr val="000000"/>
           </a:solidFill>
@@ -6613,7 +6813,7 @@
           <a:sym typeface="Arial"/>
         </a:defRPr>
       </a:lvl1pPr>
-      <a:lvl2pPr lvl="1" marR="0" rtl="0" algn="l">
+      <a:lvl2pPr marR="0" lvl="1" algn="l" rtl="0">
         <a:lnSpc>
           <a:spcPct val="100000"/>
         </a:lnSpc>
@@ -6627,7 +6827,7 @@
           <a:srgbClr val="000000"/>
         </a:buClr>
         <a:buFont typeface="Arial"/>
-        <a:defRPr b="0" i="0" sz="1400" u="none" cap="none" strike="noStrike">
+        <a:defRPr sz="1400" b="0" i="0" u="none" strike="noStrike" cap="none">
           <a:solidFill>
             <a:srgbClr val="000000"/>
           </a:solidFill>
@@ -6637,7 +6837,7 @@
           <a:sym typeface="Arial"/>
         </a:defRPr>
       </a:lvl2pPr>
-      <a:lvl3pPr lvl="2" marR="0" rtl="0" algn="l">
+      <a:lvl3pPr marR="0" lvl="2" algn="l" rtl="0">
         <a:lnSpc>
           <a:spcPct val="100000"/>
         </a:lnSpc>
@@ -6651,7 +6851,7 @@
           <a:srgbClr val="000000"/>
         </a:buClr>
         <a:buFont typeface="Arial"/>
-        <a:defRPr b="0" i="0" sz="1400" u="none" cap="none" strike="noStrike">
+        <a:defRPr sz="1400" b="0" i="0" u="none" strike="noStrike" cap="none">
           <a:solidFill>
             <a:srgbClr val="000000"/>
           </a:solidFill>
@@ -6661,7 +6861,7 @@
           <a:sym typeface="Arial"/>
         </a:defRPr>
       </a:lvl3pPr>
-      <a:lvl4pPr lvl="3" marR="0" rtl="0" algn="l">
+      <a:lvl4pPr marR="0" lvl="3" algn="l" rtl="0">
         <a:lnSpc>
           <a:spcPct val="100000"/>
         </a:lnSpc>
@@ -6675,7 +6875,7 @@
           <a:srgbClr val="000000"/>
         </a:buClr>
         <a:buFont typeface="Arial"/>
-        <a:defRPr b="0" i="0" sz="1400" u="none" cap="none" strike="noStrike">
+        <a:defRPr sz="1400" b="0" i="0" u="none" strike="noStrike" cap="none">
           <a:solidFill>
             <a:srgbClr val="000000"/>
           </a:solidFill>
@@ -6685,7 +6885,7 @@
           <a:sym typeface="Arial"/>
         </a:defRPr>
       </a:lvl4pPr>
-      <a:lvl5pPr lvl="4" marR="0" rtl="0" algn="l">
+      <a:lvl5pPr marR="0" lvl="4" algn="l" rtl="0">
         <a:lnSpc>
           <a:spcPct val="100000"/>
         </a:lnSpc>
@@ -6699,7 +6899,7 @@
           <a:srgbClr val="000000"/>
         </a:buClr>
         <a:buFont typeface="Arial"/>
-        <a:defRPr b="0" i="0" sz="1400" u="none" cap="none" strike="noStrike">
+        <a:defRPr sz="1400" b="0" i="0" u="none" strike="noStrike" cap="none">
           <a:solidFill>
             <a:srgbClr val="000000"/>
           </a:solidFill>
@@ -6709,7 +6909,7 @@
           <a:sym typeface="Arial"/>
         </a:defRPr>
       </a:lvl5pPr>
-      <a:lvl6pPr lvl="5" marR="0" rtl="0" algn="l">
+      <a:lvl6pPr marR="0" lvl="5" algn="l" rtl="0">
         <a:lnSpc>
           <a:spcPct val="100000"/>
         </a:lnSpc>
@@ -6723,7 +6923,7 @@
           <a:srgbClr val="000000"/>
         </a:buClr>
         <a:buFont typeface="Arial"/>
-        <a:defRPr b="0" i="0" sz="1400" u="none" cap="none" strike="noStrike">
+        <a:defRPr sz="1400" b="0" i="0" u="none" strike="noStrike" cap="none">
           <a:solidFill>
             <a:srgbClr val="000000"/>
           </a:solidFill>
@@ -6733,7 +6933,7 @@
           <a:sym typeface="Arial"/>
         </a:defRPr>
       </a:lvl6pPr>
-      <a:lvl7pPr lvl="6" marR="0" rtl="0" algn="l">
+      <a:lvl7pPr marR="0" lvl="6" algn="l" rtl="0">
         <a:lnSpc>
           <a:spcPct val="100000"/>
         </a:lnSpc>
@@ -6747,7 +6947,7 @@
           <a:srgbClr val="000000"/>
         </a:buClr>
         <a:buFont typeface="Arial"/>
-        <a:defRPr b="0" i="0" sz="1400" u="none" cap="none" strike="noStrike">
+        <a:defRPr sz="1400" b="0" i="0" u="none" strike="noStrike" cap="none">
           <a:solidFill>
             <a:srgbClr val="000000"/>
           </a:solidFill>
@@ -6757,7 +6957,7 @@
           <a:sym typeface="Arial"/>
         </a:defRPr>
       </a:lvl7pPr>
-      <a:lvl8pPr lvl="7" marR="0" rtl="0" algn="l">
+      <a:lvl8pPr marR="0" lvl="7" algn="l" rtl="0">
         <a:lnSpc>
           <a:spcPct val="100000"/>
         </a:lnSpc>
@@ -6771,7 +6971,7 @@
           <a:srgbClr val="000000"/>
         </a:buClr>
         <a:buFont typeface="Arial"/>
-        <a:defRPr b="0" i="0" sz="1400" u="none" cap="none" strike="noStrike">
+        <a:defRPr sz="1400" b="0" i="0" u="none" strike="noStrike" cap="none">
           <a:solidFill>
             <a:srgbClr val="000000"/>
           </a:solidFill>
@@ -6781,7 +6981,7 @@
           <a:sym typeface="Arial"/>
         </a:defRPr>
       </a:lvl8pPr>
-      <a:lvl9pPr lvl="8" marR="0" rtl="0" algn="l">
+      <a:lvl9pPr marR="0" lvl="8" algn="l" rtl="0">
         <a:lnSpc>
           <a:spcPct val="100000"/>
         </a:lnSpc>
@@ -6795,7 +6995,7 @@
           <a:srgbClr val="000000"/>
         </a:buClr>
         <a:buFont typeface="Arial"/>
-        <a:defRPr b="0" i="0" sz="1400" u="none" cap="none" strike="noStrike">
+        <a:defRPr sz="1400" b="0" i="0" u="none" strike="noStrike" cap="none">
           <a:solidFill>
             <a:srgbClr val="000000"/>
           </a:solidFill>
@@ -6807,7 +7007,7 @@
       </a:lvl9pPr>
     </p:bodyStyle>
     <p:otherStyle>
-      <a:defPPr lvl="0" marR="0" rtl="0" algn="l">
+      <a:defPPr marR="0" lvl="0" algn="l" rtl="0">
         <a:lnSpc>
           <a:spcPct val="100000"/>
         </a:lnSpc>
@@ -6818,7 +7018,7 @@
           <a:spcPts val="0"/>
         </a:spcAft>
       </a:defPPr>
-      <a:lvl1pPr lvl="0" marR="0" rtl="0" algn="l">
+      <a:lvl1pPr marR="0" lvl="0" algn="l" rtl="0">
         <a:lnSpc>
           <a:spcPct val="100000"/>
         </a:lnSpc>
@@ -6832,7 +7032,7 @@
           <a:srgbClr val="000000"/>
         </a:buClr>
         <a:buFont typeface="Arial"/>
-        <a:defRPr b="0" i="0" sz="1400" u="none" cap="none" strike="noStrike">
+        <a:defRPr sz="1400" b="0" i="0" u="none" strike="noStrike" cap="none">
           <a:solidFill>
             <a:srgbClr val="000000"/>
           </a:solidFill>
@@ -6842,7 +7042,7 @@
           <a:sym typeface="Arial"/>
         </a:defRPr>
       </a:lvl1pPr>
-      <a:lvl2pPr lvl="1" marR="0" rtl="0" algn="l">
+      <a:lvl2pPr marR="0" lvl="1" algn="l" rtl="0">
         <a:lnSpc>
           <a:spcPct val="100000"/>
         </a:lnSpc>
@@ -6856,7 +7056,7 @@
           <a:srgbClr val="000000"/>
         </a:buClr>
         <a:buFont typeface="Arial"/>
-        <a:defRPr b="0" i="0" sz="1400" u="none" cap="none" strike="noStrike">
+        <a:defRPr sz="1400" b="0" i="0" u="none" strike="noStrike" cap="none">
           <a:solidFill>
             <a:srgbClr val="000000"/>
           </a:solidFill>
@@ -6866,7 +7066,7 @@
           <a:sym typeface="Arial"/>
         </a:defRPr>
       </a:lvl2pPr>
-      <a:lvl3pPr lvl="2" marR="0" rtl="0" algn="l">
+      <a:lvl3pPr marR="0" lvl="2" algn="l" rtl="0">
         <a:lnSpc>
           <a:spcPct val="100000"/>
         </a:lnSpc>
@@ -6880,7 +7080,7 @@
           <a:srgbClr val="000000"/>
         </a:buClr>
         <a:buFont typeface="Arial"/>
-        <a:defRPr b="0" i="0" sz="1400" u="none" cap="none" strike="noStrike">
+        <a:defRPr sz="1400" b="0" i="0" u="none" strike="noStrike" cap="none">
           <a:solidFill>
             <a:srgbClr val="000000"/>
           </a:solidFill>
@@ -6890,7 +7090,7 @@
           <a:sym typeface="Arial"/>
         </a:defRPr>
       </a:lvl3pPr>
-      <a:lvl4pPr lvl="3" marR="0" rtl="0" algn="l">
+      <a:lvl4pPr marR="0" lvl="3" algn="l" rtl="0">
         <a:lnSpc>
           <a:spcPct val="100000"/>
         </a:lnSpc>
@@ -6904,7 +7104,7 @@
           <a:srgbClr val="000000"/>
         </a:buClr>
         <a:buFont typeface="Arial"/>
-        <a:defRPr b="0" i="0" sz="1400" u="none" cap="none" strike="noStrike">
+        <a:defRPr sz="1400" b="0" i="0" u="none" strike="noStrike" cap="none">
           <a:solidFill>
             <a:srgbClr val="000000"/>
           </a:solidFill>
@@ -6914,7 +7114,7 @@
           <a:sym typeface="Arial"/>
         </a:defRPr>
       </a:lvl4pPr>
-      <a:lvl5pPr lvl="4" marR="0" rtl="0" algn="l">
+      <a:lvl5pPr marR="0" lvl="4" algn="l" rtl="0">
         <a:lnSpc>
           <a:spcPct val="100000"/>
         </a:lnSpc>
@@ -6928,7 +7128,7 @@
           <a:srgbClr val="000000"/>
         </a:buClr>
         <a:buFont typeface="Arial"/>
-        <a:defRPr b="0" i="0" sz="1400" u="none" cap="none" strike="noStrike">
+        <a:defRPr sz="1400" b="0" i="0" u="none" strike="noStrike" cap="none">
           <a:solidFill>
             <a:srgbClr val="000000"/>
           </a:solidFill>
@@ -6938,7 +7138,7 @@
           <a:sym typeface="Arial"/>
         </a:defRPr>
       </a:lvl5pPr>
-      <a:lvl6pPr lvl="5" marR="0" rtl="0" algn="l">
+      <a:lvl6pPr marR="0" lvl="5" algn="l" rtl="0">
         <a:lnSpc>
           <a:spcPct val="100000"/>
         </a:lnSpc>
@@ -6952,7 +7152,7 @@
           <a:srgbClr val="000000"/>
         </a:buClr>
         <a:buFont typeface="Arial"/>
-        <a:defRPr b="0" i="0" sz="1400" u="none" cap="none" strike="noStrike">
+        <a:defRPr sz="1400" b="0" i="0" u="none" strike="noStrike" cap="none">
           <a:solidFill>
             <a:srgbClr val="000000"/>
           </a:solidFill>
@@ -6962,7 +7162,7 @@
           <a:sym typeface="Arial"/>
         </a:defRPr>
       </a:lvl6pPr>
-      <a:lvl7pPr lvl="6" marR="0" rtl="0" algn="l">
+      <a:lvl7pPr marR="0" lvl="6" algn="l" rtl="0">
         <a:lnSpc>
           <a:spcPct val="100000"/>
         </a:lnSpc>
@@ -6976,7 +7176,7 @@
           <a:srgbClr val="000000"/>
         </a:buClr>
         <a:buFont typeface="Arial"/>
-        <a:defRPr b="0" i="0" sz="1400" u="none" cap="none" strike="noStrike">
+        <a:defRPr sz="1400" b="0" i="0" u="none" strike="noStrike" cap="none">
           <a:solidFill>
             <a:srgbClr val="000000"/>
           </a:solidFill>
@@ -6986,7 +7186,7 @@
           <a:sym typeface="Arial"/>
         </a:defRPr>
       </a:lvl7pPr>
-      <a:lvl8pPr lvl="7" marR="0" rtl="0" algn="l">
+      <a:lvl8pPr marR="0" lvl="7" algn="l" rtl="0">
         <a:lnSpc>
           <a:spcPct val="100000"/>
         </a:lnSpc>
@@ -7000,7 +7200,7 @@
           <a:srgbClr val="000000"/>
         </a:buClr>
         <a:buFont typeface="Arial"/>
-        <a:defRPr b="0" i="0" sz="1400" u="none" cap="none" strike="noStrike">
+        <a:defRPr sz="1400" b="0" i="0" u="none" strike="noStrike" cap="none">
           <a:solidFill>
             <a:srgbClr val="000000"/>
           </a:solidFill>
@@ -7010,7 +7210,7 @@
           <a:sym typeface="Arial"/>
         </a:defRPr>
       </a:lvl8pPr>
-      <a:lvl9pPr lvl="8" marR="0" rtl="0" algn="l">
+      <a:lvl9pPr marR="0" lvl="8" algn="l" rtl="0">
         <a:lnSpc>
           <a:spcPct val="100000"/>
         </a:lnSpc>
@@ -7024,7 +7224,7 @@
           <a:srgbClr val="000000"/>
         </a:buClr>
         <a:buFont typeface="Arial"/>
-        <a:defRPr b="0" i="0" sz="1400" u="none" cap="none" strike="noStrike">
+        <a:defRPr sz="1400" b="0" i="0" u="none" strike="noStrike" cap="none">
           <a:solidFill>
             <a:srgbClr val="000000"/>
           </a:solidFill>
@@ -7040,11 +7240,11 @@
 </file>
 
 <file path=ppt/slides/slide1.xml><?xml version="1.0" encoding="utf-8"?>
-<p:sld xmlns:a="http://schemas.openxmlformats.org/drawingml/2006/main" xmlns:r="http://schemas.openxmlformats.org/officeDocument/2006/relationships" xmlns:mc="http://schemas.openxmlformats.org/markup-compatibility/2006" xmlns:mv="urn:schemas-microsoft-com:mac:vml" xmlns:p="http://schemas.openxmlformats.org/presentationml/2006/main" xmlns:c="http://schemas.openxmlformats.org/drawingml/2006/chart" xmlns:dgm="http://schemas.openxmlformats.org/drawingml/2006/diagram" xmlns:o="urn:schemas-microsoft-com:office:office" xmlns:v="urn:schemas-microsoft-com:vml" xmlns:pvml="urn:schemas-microsoft-com:office:powerpoint" xmlns:com="http://schemas.openxmlformats.org/drawingml/2006/compatibility" xmlns:p14="http://schemas.microsoft.com/office/powerpoint/2010/main" xmlns:p15="http://schemas.microsoft.com/office/powerpoint/2012/main" xmlns:ahyp="http://schemas.microsoft.com/office/drawing/2018/hyperlinkcolor">
+<p:sld xmlns:a="http://schemas.openxmlformats.org/drawingml/2006/main" xmlns:r="http://schemas.openxmlformats.org/officeDocument/2006/relationships" xmlns:p="http://schemas.openxmlformats.org/presentationml/2006/main">
   <p:cSld>
     <p:spTree>
       <p:nvGrpSpPr>
-        <p:cNvPr id="53" name="Shape 53"/>
+        <p:cNvPr id="1" name="Shape 53"/>
         <p:cNvGrpSpPr/>
         <p:nvPr/>
       </p:nvGrpSpPr>
@@ -7059,7 +7259,9 @@
       <p:sp>
         <p:nvSpPr>
           <p:cNvPr id="54" name="Google Shape;54;p13"/>
-          <p:cNvSpPr txBox="1"/>
+          <p:cNvSpPr txBox="1">
+            <a:spLocks noGrp="1"/>
+          </p:cNvSpPr>
           <p:nvPr>
             <p:ph type="ctrTitle"/>
           </p:nvPr>
@@ -7074,12 +7276,12 @@
           </a:prstGeom>
         </p:spPr>
         <p:txBody>
-          <a:bodyPr anchorCtr="0" anchor="b" bIns="91425" lIns="91425" spcFirstLastPara="1" rIns="91425" wrap="square" tIns="91425">
+          <a:bodyPr spcFirstLastPara="1" wrap="square" lIns="91425" tIns="91425" rIns="91425" bIns="91425" anchor="b" anchorCtr="0">
             <a:noAutofit/>
           </a:bodyPr>
           <a:lstStyle/>
           <a:p>
-            <a:pPr indent="0" lvl="0" marL="0" rtl="0" algn="ctr">
+            <a:pPr marL="0" lvl="0" indent="0" algn="ctr" rtl="0">
               <a:spcBef>
                 <a:spcPts val="0"/>
               </a:spcBef>
@@ -7099,9 +7301,11 @@
       <p:sp>
         <p:nvSpPr>
           <p:cNvPr id="55" name="Google Shape;55;p13"/>
-          <p:cNvSpPr txBox="1"/>
+          <p:cNvSpPr txBox="1">
+            <a:spLocks noGrp="1"/>
+          </p:cNvSpPr>
           <p:nvPr>
-            <p:ph idx="1" type="subTitle"/>
+            <p:ph type="subTitle" idx="1"/>
           </p:nvPr>
         </p:nvSpPr>
         <p:spPr>
@@ -7114,12 +7318,12 @@
           </a:prstGeom>
         </p:spPr>
         <p:txBody>
-          <a:bodyPr anchorCtr="0" anchor="t" bIns="91425" lIns="91425" spcFirstLastPara="1" rIns="91425" wrap="square" tIns="91425">
+          <a:bodyPr spcFirstLastPara="1" wrap="square" lIns="91425" tIns="91425" rIns="91425" bIns="91425" anchor="t" anchorCtr="0">
             <a:noAutofit/>
           </a:bodyPr>
           <a:lstStyle/>
           <a:p>
-            <a:pPr indent="0" lvl="0" marL="0" rtl="0" algn="ctr">
+            <a:pPr marL="0" lvl="0" indent="0" algn="ctr" rtl="0">
               <a:spcBef>
                 <a:spcPts val="0"/>
               </a:spcBef>
@@ -7145,11 +7349,11 @@
 </file>
 
 <file path=ppt/slides/slide10.xml><?xml version="1.0" encoding="utf-8"?>
-<p:sld xmlns:a="http://schemas.openxmlformats.org/drawingml/2006/main" xmlns:r="http://schemas.openxmlformats.org/officeDocument/2006/relationships" xmlns:mc="http://schemas.openxmlformats.org/markup-compatibility/2006" xmlns:mv="urn:schemas-microsoft-com:mac:vml" xmlns:p="http://schemas.openxmlformats.org/presentationml/2006/main" xmlns:c="http://schemas.openxmlformats.org/drawingml/2006/chart" xmlns:dgm="http://schemas.openxmlformats.org/drawingml/2006/diagram" xmlns:o="urn:schemas-microsoft-com:office:office" xmlns:v="urn:schemas-microsoft-com:vml" xmlns:pvml="urn:schemas-microsoft-com:office:powerpoint" xmlns:com="http://schemas.openxmlformats.org/drawingml/2006/compatibility" xmlns:p14="http://schemas.microsoft.com/office/powerpoint/2010/main" xmlns:p15="http://schemas.microsoft.com/office/powerpoint/2012/main" xmlns:ahyp="http://schemas.microsoft.com/office/drawing/2018/hyperlinkcolor">
+<p:sld xmlns:a="http://schemas.openxmlformats.org/drawingml/2006/main" xmlns:r="http://schemas.openxmlformats.org/officeDocument/2006/relationships" xmlns:p="http://schemas.openxmlformats.org/presentationml/2006/main">
   <p:cSld>
     <p:spTree>
       <p:nvGrpSpPr>
-        <p:cNvPr id="124" name="Shape 124"/>
+        <p:cNvPr id="1" name="Shape 124"/>
         <p:cNvGrpSpPr/>
         <p:nvPr/>
       </p:nvGrpSpPr>
@@ -7164,7 +7368,9 @@
       <p:sp>
         <p:nvSpPr>
           <p:cNvPr id="125" name="Google Shape;125;p22"/>
-          <p:cNvSpPr txBox="1"/>
+          <p:cNvSpPr txBox="1">
+            <a:spLocks noGrp="1"/>
+          </p:cNvSpPr>
           <p:nvPr>
             <p:ph type="title"/>
           </p:nvPr>
@@ -7179,12 +7385,12 @@
           </a:prstGeom>
         </p:spPr>
         <p:txBody>
-          <a:bodyPr anchorCtr="0" anchor="t" bIns="91425" lIns="91425" spcFirstLastPara="1" rIns="91425" wrap="square" tIns="91425">
+          <a:bodyPr spcFirstLastPara="1" wrap="square" lIns="91425" tIns="91425" rIns="91425" bIns="91425" anchor="t" anchorCtr="0">
             <a:noAutofit/>
           </a:bodyPr>
           <a:lstStyle/>
           <a:p>
-            <a:pPr indent="0" lvl="0" marL="0" rtl="0" algn="l">
+            <a:pPr marL="0" lvl="0" indent="0" algn="l" rtl="0">
               <a:spcBef>
                 <a:spcPts val="0"/>
               </a:spcBef>
@@ -7204,9 +7410,11 @@
       <p:sp>
         <p:nvSpPr>
           <p:cNvPr id="126" name="Google Shape;126;p22"/>
-          <p:cNvSpPr txBox="1"/>
+          <p:cNvSpPr txBox="1">
+            <a:spLocks noGrp="1"/>
+          </p:cNvSpPr>
           <p:nvPr>
-            <p:ph idx="1" type="body"/>
+            <p:ph type="body" idx="1"/>
           </p:nvPr>
         </p:nvSpPr>
         <p:spPr>
@@ -7219,12 +7427,12 @@
           </a:prstGeom>
         </p:spPr>
         <p:txBody>
-          <a:bodyPr anchorCtr="0" anchor="t" bIns="91425" lIns="91425" spcFirstLastPara="1" rIns="91425" wrap="square" tIns="91425">
+          <a:bodyPr spcFirstLastPara="1" wrap="square" lIns="91425" tIns="91425" rIns="91425" bIns="91425" anchor="t" anchorCtr="0">
             <a:noAutofit/>
           </a:bodyPr>
           <a:lstStyle/>
           <a:p>
-            <a:pPr indent="0" lvl="0" marL="0" rtl="0" algn="l">
+            <a:pPr marL="0" lvl="0" indent="0" algn="l" rtl="0">
               <a:spcBef>
                 <a:spcPts val="0"/>
               </a:spcBef>
@@ -7240,7 +7448,7 @@
             <a:endParaRPr/>
           </a:p>
           <a:p>
-            <a:pPr indent="-342900" lvl="0" marL="457200" rtl="0" algn="l">
+            <a:pPr marL="457200" lvl="0" indent="-342900" algn="l" rtl="0">
               <a:spcBef>
                 <a:spcPts val="1600"/>
               </a:spcBef>
@@ -7257,7 +7465,7 @@
             <a:endParaRPr/>
           </a:p>
           <a:p>
-            <a:pPr indent="-342900" lvl="0" marL="457200" rtl="0" algn="l">
+            <a:pPr marL="457200" lvl="0" indent="-342900" algn="l" rtl="0">
               <a:spcBef>
                 <a:spcPts val="0"/>
               </a:spcBef>
@@ -7274,7 +7482,7 @@
             <a:endParaRPr/>
           </a:p>
           <a:p>
-            <a:pPr indent="-342900" lvl="0" marL="457200" rtl="0" algn="l">
+            <a:pPr marL="457200" lvl="0" indent="-342900" algn="l" rtl="0">
               <a:spcBef>
                 <a:spcPts val="0"/>
               </a:spcBef>
@@ -7291,7 +7499,7 @@
             <a:endParaRPr/>
           </a:p>
           <a:p>
-            <a:pPr indent="-342900" lvl="0" marL="457200" rtl="0" algn="l">
+            <a:pPr marL="457200" lvl="0" indent="-342900" algn="l" rtl="0">
               <a:spcBef>
                 <a:spcPts val="0"/>
               </a:spcBef>
@@ -7308,7 +7516,7 @@
             <a:endParaRPr/>
           </a:p>
           <a:p>
-            <a:pPr indent="0" lvl="0" marL="0" rtl="0" algn="l">
+            <a:pPr marL="0" lvl="0" indent="0" algn="l" rtl="0">
               <a:spcBef>
                 <a:spcPts val="1600"/>
               </a:spcBef>
@@ -7317,9 +7525,6 @@
               </a:spcAft>
               <a:buNone/>
             </a:pPr>
-            <a:r>
-              <a:t/>
-            </a:r>
             <a:endParaRPr/>
           </a:p>
         </p:txBody>
@@ -7333,11 +7538,11 @@
 </file>
 
 <file path=ppt/slides/slide11.xml><?xml version="1.0" encoding="utf-8"?>
-<p:sld xmlns:a="http://schemas.openxmlformats.org/drawingml/2006/main" xmlns:r="http://schemas.openxmlformats.org/officeDocument/2006/relationships" xmlns:mc="http://schemas.openxmlformats.org/markup-compatibility/2006" xmlns:mv="urn:schemas-microsoft-com:mac:vml" xmlns:p="http://schemas.openxmlformats.org/presentationml/2006/main" xmlns:c="http://schemas.openxmlformats.org/drawingml/2006/chart" xmlns:dgm="http://schemas.openxmlformats.org/drawingml/2006/diagram" xmlns:o="urn:schemas-microsoft-com:office:office" xmlns:v="urn:schemas-microsoft-com:vml" xmlns:pvml="urn:schemas-microsoft-com:office:powerpoint" xmlns:com="http://schemas.openxmlformats.org/drawingml/2006/compatibility" xmlns:p14="http://schemas.microsoft.com/office/powerpoint/2010/main" xmlns:p15="http://schemas.microsoft.com/office/powerpoint/2012/main" xmlns:ahyp="http://schemas.microsoft.com/office/drawing/2018/hyperlinkcolor">
+<p:sld xmlns:a="http://schemas.openxmlformats.org/drawingml/2006/main" xmlns:r="http://schemas.openxmlformats.org/officeDocument/2006/relationships" xmlns:p="http://schemas.openxmlformats.org/presentationml/2006/main">
   <p:cSld>
     <p:spTree>
       <p:nvGrpSpPr>
-        <p:cNvPr id="130" name="Shape 130"/>
+        <p:cNvPr id="1" name="Shape 130"/>
         <p:cNvGrpSpPr/>
         <p:nvPr/>
       </p:nvGrpSpPr>
@@ -7352,7 +7557,9 @@
       <p:sp>
         <p:nvSpPr>
           <p:cNvPr id="131" name="Google Shape;131;p23"/>
-          <p:cNvSpPr txBox="1"/>
+          <p:cNvSpPr txBox="1">
+            <a:spLocks noGrp="1"/>
+          </p:cNvSpPr>
           <p:nvPr>
             <p:ph type="title"/>
           </p:nvPr>
@@ -7367,12 +7574,12 @@
           </a:prstGeom>
         </p:spPr>
         <p:txBody>
-          <a:bodyPr anchorCtr="0" anchor="t" bIns="91425" lIns="91425" spcFirstLastPara="1" rIns="91425" wrap="square" tIns="91425">
+          <a:bodyPr spcFirstLastPara="1" wrap="square" lIns="91425" tIns="91425" rIns="91425" bIns="91425" anchor="t" anchorCtr="0">
             <a:noAutofit/>
           </a:bodyPr>
           <a:lstStyle/>
           <a:p>
-            <a:pPr indent="0" lvl="0" marL="0" rtl="0" algn="l">
+            <a:pPr marL="0" lvl="0" indent="0" algn="l" rtl="0">
               <a:spcBef>
                 <a:spcPts val="0"/>
               </a:spcBef>
@@ -7392,9 +7599,11 @@
       <p:sp>
         <p:nvSpPr>
           <p:cNvPr id="132" name="Google Shape;132;p23"/>
-          <p:cNvSpPr txBox="1"/>
+          <p:cNvSpPr txBox="1">
+            <a:spLocks noGrp="1"/>
+          </p:cNvSpPr>
           <p:nvPr>
-            <p:ph idx="1" type="body"/>
+            <p:ph type="body" idx="1"/>
           </p:nvPr>
         </p:nvSpPr>
         <p:spPr>
@@ -7407,12 +7616,12 @@
           </a:prstGeom>
         </p:spPr>
         <p:txBody>
-          <a:bodyPr anchorCtr="0" anchor="t" bIns="91425" lIns="91425" spcFirstLastPara="1" rIns="91425" wrap="square" tIns="91425">
+          <a:bodyPr spcFirstLastPara="1" wrap="square" lIns="91425" tIns="91425" rIns="91425" bIns="91425" anchor="t" anchorCtr="0">
             <a:noAutofit/>
           </a:bodyPr>
           <a:lstStyle/>
           <a:p>
-            <a:pPr indent="0" lvl="0" marL="0" rtl="0" algn="l">
+            <a:pPr marL="0" lvl="0" indent="0" algn="l" rtl="0">
               <a:spcBef>
                 <a:spcPts val="0"/>
               </a:spcBef>
@@ -7423,11 +7632,7 @@
             </a:pPr>
             <a:r>
               <a:rPr lang="it"/>
-              <a:t>Classification confusion </a:t>
-            </a:r>
-            <a:r>
-              <a:rPr lang="it"/>
-              <a:t>matrices</a:t>
+              <a:t>Classification confusion matrices</a:t>
             </a:r>
             <a:endParaRPr/>
           </a:p>
@@ -7464,9 +7669,11 @@
       <p:sp>
         <p:nvSpPr>
           <p:cNvPr id="134" name="Google Shape;134;p23"/>
-          <p:cNvSpPr txBox="1"/>
+          <p:cNvSpPr txBox="1">
+            <a:spLocks noGrp="1"/>
+          </p:cNvSpPr>
           <p:nvPr>
-            <p:ph idx="1" type="body"/>
+            <p:ph type="body" idx="1"/>
           </p:nvPr>
         </p:nvSpPr>
         <p:spPr>
@@ -7479,12 +7686,12 @@
           </a:prstGeom>
         </p:spPr>
         <p:txBody>
-          <a:bodyPr anchorCtr="0" anchor="t" bIns="91425" lIns="91425" spcFirstLastPara="1" rIns="91425" wrap="square" tIns="91425">
+          <a:bodyPr spcFirstLastPara="1" wrap="square" lIns="91425" tIns="91425" rIns="91425" bIns="91425" anchor="t" anchorCtr="0">
             <a:noAutofit/>
           </a:bodyPr>
           <a:lstStyle/>
           <a:p>
-            <a:pPr indent="0" lvl="0" marL="0" rtl="0" algn="l">
+            <a:pPr marL="0" lvl="0" indent="0" algn="l" rtl="0">
               <a:spcBef>
                 <a:spcPts val="0"/>
               </a:spcBef>
@@ -7494,10 +7701,10 @@
               <a:buNone/>
             </a:pPr>
             <a:r>
-              <a:rPr lang="it"/>
-              <a:t>Segmentation dice metrics</a:t>
+              <a:rPr lang="it" dirty="0"/>
+              <a:t>Segmentation Dice metrics</a:t>
             </a:r>
-            <a:endParaRPr/>
+            <a:endParaRPr dirty="0"/>
           </a:p>
         </p:txBody>
       </p:sp>
@@ -7510,11 +7717,11 @@
 </file>
 
 <file path=ppt/slides/slide12.xml><?xml version="1.0" encoding="utf-8"?>
-<p:sld xmlns:a="http://schemas.openxmlformats.org/drawingml/2006/main" xmlns:r="http://schemas.openxmlformats.org/officeDocument/2006/relationships" xmlns:mc="http://schemas.openxmlformats.org/markup-compatibility/2006" xmlns:mv="urn:schemas-microsoft-com:mac:vml" xmlns:p="http://schemas.openxmlformats.org/presentationml/2006/main" xmlns:c="http://schemas.openxmlformats.org/drawingml/2006/chart" xmlns:dgm="http://schemas.openxmlformats.org/drawingml/2006/diagram" xmlns:o="urn:schemas-microsoft-com:office:office" xmlns:v="urn:schemas-microsoft-com:vml" xmlns:pvml="urn:schemas-microsoft-com:office:powerpoint" xmlns:com="http://schemas.openxmlformats.org/drawingml/2006/compatibility" xmlns:p14="http://schemas.microsoft.com/office/powerpoint/2010/main" xmlns:p15="http://schemas.microsoft.com/office/powerpoint/2012/main" xmlns:ahyp="http://schemas.microsoft.com/office/drawing/2018/hyperlinkcolor">
+<p:sld xmlns:a="http://schemas.openxmlformats.org/drawingml/2006/main" xmlns:r="http://schemas.openxmlformats.org/officeDocument/2006/relationships" xmlns:p="http://schemas.openxmlformats.org/presentationml/2006/main">
   <p:cSld>
     <p:spTree>
       <p:nvGrpSpPr>
-        <p:cNvPr id="138" name="Shape 138"/>
+        <p:cNvPr id="1" name="Shape 138"/>
         <p:cNvGrpSpPr/>
         <p:nvPr/>
       </p:nvGrpSpPr>
@@ -7529,7 +7736,9 @@
       <p:sp>
         <p:nvSpPr>
           <p:cNvPr id="139" name="Google Shape;139;p24"/>
-          <p:cNvSpPr txBox="1"/>
+          <p:cNvSpPr txBox="1">
+            <a:spLocks noGrp="1"/>
+          </p:cNvSpPr>
           <p:nvPr>
             <p:ph type="title"/>
           </p:nvPr>
@@ -7544,12 +7753,12 @@
           </a:prstGeom>
         </p:spPr>
         <p:txBody>
-          <a:bodyPr anchorCtr="0" anchor="t" bIns="91425" lIns="91425" spcFirstLastPara="1" rIns="91425" wrap="square" tIns="91425">
+          <a:bodyPr spcFirstLastPara="1" wrap="square" lIns="91425" tIns="91425" rIns="91425" bIns="91425" anchor="t" anchorCtr="0">
             <a:noAutofit/>
           </a:bodyPr>
           <a:lstStyle/>
           <a:p>
-            <a:pPr indent="0" lvl="0" marL="0" rtl="0" algn="l">
+            <a:pPr marL="0" lvl="0" indent="0" algn="l" rtl="0">
               <a:spcBef>
                 <a:spcPts val="0"/>
               </a:spcBef>
@@ -7574,9 +7783,11 @@
       <p:sp>
         <p:nvSpPr>
           <p:cNvPr id="140" name="Google Shape;140;p24"/>
-          <p:cNvSpPr txBox="1"/>
+          <p:cNvSpPr txBox="1">
+            <a:spLocks noGrp="1"/>
+          </p:cNvSpPr>
           <p:nvPr>
-            <p:ph idx="1" type="body"/>
+            <p:ph type="body" idx="1"/>
           </p:nvPr>
         </p:nvSpPr>
         <p:spPr>
@@ -7589,12 +7800,12 @@
           </a:prstGeom>
         </p:spPr>
         <p:txBody>
-          <a:bodyPr anchorCtr="0" anchor="t" bIns="91425" lIns="91425" spcFirstLastPara="1" rIns="91425" wrap="square" tIns="91425">
+          <a:bodyPr spcFirstLastPara="1" wrap="square" lIns="91425" tIns="91425" rIns="91425" bIns="91425" anchor="t" anchorCtr="0">
             <a:noAutofit/>
           </a:bodyPr>
           <a:lstStyle/>
           <a:p>
-            <a:pPr indent="0" lvl="0" marL="0" rtl="0" algn="l">
+            <a:pPr marL="0" lvl="0" indent="0" algn="l" rtl="0">
               <a:spcBef>
                 <a:spcPts val="0"/>
               </a:spcBef>
@@ -7610,7 +7821,7 @@
             <a:endParaRPr/>
           </a:p>
           <a:p>
-            <a:pPr indent="457200" lvl="0" marL="0" rtl="0" algn="l">
+            <a:pPr marL="0" lvl="0" indent="457200" algn="l" rtl="0">
               <a:lnSpc>
                 <a:spcPct val="100000"/>
               </a:lnSpc>
@@ -7667,11 +7878,11 @@
 </file>
 
 <file path=ppt/slides/slide13.xml><?xml version="1.0" encoding="utf-8"?>
-<p:sld xmlns:a="http://schemas.openxmlformats.org/drawingml/2006/main" xmlns:r="http://schemas.openxmlformats.org/officeDocument/2006/relationships" xmlns:mc="http://schemas.openxmlformats.org/markup-compatibility/2006" xmlns:mv="urn:schemas-microsoft-com:mac:vml" xmlns:p="http://schemas.openxmlformats.org/presentationml/2006/main" xmlns:c="http://schemas.openxmlformats.org/drawingml/2006/chart" xmlns:dgm="http://schemas.openxmlformats.org/drawingml/2006/diagram" xmlns:o="urn:schemas-microsoft-com:office:office" xmlns:v="urn:schemas-microsoft-com:vml" xmlns:pvml="urn:schemas-microsoft-com:office:powerpoint" xmlns:com="http://schemas.openxmlformats.org/drawingml/2006/compatibility" xmlns:p14="http://schemas.microsoft.com/office/powerpoint/2010/main" xmlns:p15="http://schemas.microsoft.com/office/powerpoint/2012/main" xmlns:ahyp="http://schemas.microsoft.com/office/drawing/2018/hyperlinkcolor">
+<p:sld xmlns:a="http://schemas.openxmlformats.org/drawingml/2006/main" xmlns:r="http://schemas.openxmlformats.org/officeDocument/2006/relationships" xmlns:p="http://schemas.openxmlformats.org/presentationml/2006/main">
   <p:cSld>
     <p:spTree>
       <p:nvGrpSpPr>
-        <p:cNvPr id="145" name="Shape 145"/>
+        <p:cNvPr id="1" name="Shape 145"/>
         <p:cNvGrpSpPr/>
         <p:nvPr/>
       </p:nvGrpSpPr>
@@ -7686,7 +7897,9 @@
       <p:sp>
         <p:nvSpPr>
           <p:cNvPr id="146" name="Google Shape;146;p25"/>
-          <p:cNvSpPr txBox="1"/>
+          <p:cNvSpPr txBox="1">
+            <a:spLocks noGrp="1"/>
+          </p:cNvSpPr>
           <p:nvPr>
             <p:ph type="title"/>
           </p:nvPr>
@@ -7701,12 +7914,12 @@
           </a:prstGeom>
         </p:spPr>
         <p:txBody>
-          <a:bodyPr anchorCtr="0" anchor="t" bIns="91425" lIns="91425" spcFirstLastPara="1" rIns="91425" wrap="square" tIns="91425">
+          <a:bodyPr spcFirstLastPara="1" wrap="square" lIns="91425" tIns="91425" rIns="91425" bIns="91425" anchor="t" anchorCtr="0">
             <a:noAutofit/>
           </a:bodyPr>
           <a:lstStyle/>
           <a:p>
-            <a:pPr indent="0" lvl="0" marL="0" rtl="0" algn="l">
+            <a:pPr marL="0" lvl="0" indent="0" algn="l" rtl="0">
               <a:spcBef>
                 <a:spcPts val="0"/>
               </a:spcBef>
@@ -7760,11 +7973,11 @@
 </file>
 
 <file path=ppt/slides/slide14.xml><?xml version="1.0" encoding="utf-8"?>
-<p:sld xmlns:a="http://schemas.openxmlformats.org/drawingml/2006/main" xmlns:r="http://schemas.openxmlformats.org/officeDocument/2006/relationships" xmlns:mc="http://schemas.openxmlformats.org/markup-compatibility/2006" xmlns:mv="urn:schemas-microsoft-com:mac:vml" xmlns:p="http://schemas.openxmlformats.org/presentationml/2006/main" xmlns:c="http://schemas.openxmlformats.org/drawingml/2006/chart" xmlns:dgm="http://schemas.openxmlformats.org/drawingml/2006/diagram" xmlns:o="urn:schemas-microsoft-com:office:office" xmlns:v="urn:schemas-microsoft-com:vml" xmlns:pvml="urn:schemas-microsoft-com:office:powerpoint" xmlns:com="http://schemas.openxmlformats.org/drawingml/2006/compatibility" xmlns:p14="http://schemas.microsoft.com/office/powerpoint/2010/main" xmlns:p15="http://schemas.microsoft.com/office/powerpoint/2012/main" xmlns:ahyp="http://schemas.microsoft.com/office/drawing/2018/hyperlinkcolor">
+<p:sld xmlns:a="http://schemas.openxmlformats.org/drawingml/2006/main" xmlns:r="http://schemas.openxmlformats.org/officeDocument/2006/relationships" xmlns:p="http://schemas.openxmlformats.org/presentationml/2006/main">
   <p:cSld>
     <p:spTree>
       <p:nvGrpSpPr>
-        <p:cNvPr id="151" name="Shape 151"/>
+        <p:cNvPr id="1" name="Shape 151"/>
         <p:cNvGrpSpPr/>
         <p:nvPr/>
       </p:nvGrpSpPr>
@@ -7779,7 +7992,9 @@
       <p:sp>
         <p:nvSpPr>
           <p:cNvPr id="152" name="Google Shape;152;p26"/>
-          <p:cNvSpPr txBox="1"/>
+          <p:cNvSpPr txBox="1">
+            <a:spLocks noGrp="1"/>
+          </p:cNvSpPr>
           <p:nvPr>
             <p:ph type="title"/>
           </p:nvPr>
@@ -7794,12 +8009,12 @@
           </a:prstGeom>
         </p:spPr>
         <p:txBody>
-          <a:bodyPr anchorCtr="0" anchor="t" bIns="91425" lIns="91425" spcFirstLastPara="1" rIns="91425" wrap="square" tIns="91425">
+          <a:bodyPr spcFirstLastPara="1" wrap="square" lIns="91425" tIns="91425" rIns="91425" bIns="91425" anchor="t" anchorCtr="0">
             <a:noAutofit/>
           </a:bodyPr>
           <a:lstStyle/>
           <a:p>
-            <a:pPr indent="0" lvl="0" marL="0" rtl="0" algn="l">
+            <a:pPr marL="0" lvl="0" indent="0" algn="l" rtl="0">
               <a:spcBef>
                 <a:spcPts val="0"/>
               </a:spcBef>
@@ -7820,7 +8035,7 @@
             <a:endParaRPr/>
           </a:p>
           <a:p>
-            <a:pPr indent="0" lvl="0" marL="0" rtl="0" algn="l">
+            <a:pPr marL="0" lvl="0" indent="0" algn="l" rtl="0">
               <a:spcBef>
                 <a:spcPts val="0"/>
               </a:spcBef>
@@ -7829,9 +8044,6 @@
               </a:spcAft>
               <a:buNone/>
             </a:pPr>
-            <a:r>
-              <a:t/>
-            </a:r>
             <a:endParaRPr/>
           </a:p>
         </p:txBody>
@@ -7873,11 +8085,11 @@
 </file>
 
 <file path=ppt/slides/slide15.xml><?xml version="1.0" encoding="utf-8"?>
-<p:sld xmlns:a="http://schemas.openxmlformats.org/drawingml/2006/main" xmlns:r="http://schemas.openxmlformats.org/officeDocument/2006/relationships" xmlns:mc="http://schemas.openxmlformats.org/markup-compatibility/2006" xmlns:mv="urn:schemas-microsoft-com:mac:vml" xmlns:p="http://schemas.openxmlformats.org/presentationml/2006/main" xmlns:c="http://schemas.openxmlformats.org/drawingml/2006/chart" xmlns:dgm="http://schemas.openxmlformats.org/drawingml/2006/diagram" xmlns:o="urn:schemas-microsoft-com:office:office" xmlns:v="urn:schemas-microsoft-com:vml" xmlns:pvml="urn:schemas-microsoft-com:office:powerpoint" xmlns:com="http://schemas.openxmlformats.org/drawingml/2006/compatibility" xmlns:p14="http://schemas.microsoft.com/office/powerpoint/2010/main" xmlns:p15="http://schemas.microsoft.com/office/powerpoint/2012/main" xmlns:ahyp="http://schemas.microsoft.com/office/drawing/2018/hyperlinkcolor">
+<p:sld xmlns:a="http://schemas.openxmlformats.org/drawingml/2006/main" xmlns:r="http://schemas.openxmlformats.org/officeDocument/2006/relationships" xmlns:p="http://schemas.openxmlformats.org/presentationml/2006/main">
   <p:cSld>
     <p:spTree>
       <p:nvGrpSpPr>
-        <p:cNvPr id="157" name="Shape 157"/>
+        <p:cNvPr id="1" name="Shape 157"/>
         <p:cNvGrpSpPr/>
         <p:nvPr/>
       </p:nvGrpSpPr>
@@ -7892,7 +8104,9 @@
       <p:sp>
         <p:nvSpPr>
           <p:cNvPr id="158" name="Google Shape;158;p27"/>
-          <p:cNvSpPr txBox="1"/>
+          <p:cNvSpPr txBox="1">
+            <a:spLocks noGrp="1"/>
+          </p:cNvSpPr>
           <p:nvPr>
             <p:ph type="title"/>
           </p:nvPr>
@@ -7907,12 +8121,12 @@
           </a:prstGeom>
         </p:spPr>
         <p:txBody>
-          <a:bodyPr anchorCtr="0" anchor="t" bIns="91425" lIns="91425" spcFirstLastPara="1" rIns="91425" wrap="square" tIns="91425">
+          <a:bodyPr spcFirstLastPara="1" wrap="square" lIns="91425" tIns="91425" rIns="91425" bIns="91425" anchor="t" anchorCtr="0">
             <a:noAutofit/>
           </a:bodyPr>
           <a:lstStyle/>
           <a:p>
-            <a:pPr indent="0" lvl="0" marL="0" rtl="0" algn="l">
+            <a:pPr marL="0" lvl="0" indent="0" algn="l" rtl="0">
               <a:spcBef>
                 <a:spcPts val="0"/>
               </a:spcBef>
@@ -7971,11 +8185,11 @@
 </file>
 
 <file path=ppt/slides/slide16.xml><?xml version="1.0" encoding="utf-8"?>
-<p:sld xmlns:a="http://schemas.openxmlformats.org/drawingml/2006/main" xmlns:r="http://schemas.openxmlformats.org/officeDocument/2006/relationships" xmlns:mc="http://schemas.openxmlformats.org/markup-compatibility/2006" xmlns:mv="urn:schemas-microsoft-com:mac:vml" xmlns:p="http://schemas.openxmlformats.org/presentationml/2006/main" xmlns:c="http://schemas.openxmlformats.org/drawingml/2006/chart" xmlns:dgm="http://schemas.openxmlformats.org/drawingml/2006/diagram" xmlns:o="urn:schemas-microsoft-com:office:office" xmlns:v="urn:schemas-microsoft-com:vml" xmlns:pvml="urn:schemas-microsoft-com:office:powerpoint" xmlns:com="http://schemas.openxmlformats.org/drawingml/2006/compatibility" xmlns:p14="http://schemas.microsoft.com/office/powerpoint/2010/main" xmlns:p15="http://schemas.microsoft.com/office/powerpoint/2012/main" xmlns:ahyp="http://schemas.microsoft.com/office/drawing/2018/hyperlinkcolor">
+<p:sld xmlns:a="http://schemas.openxmlformats.org/drawingml/2006/main" xmlns:r="http://schemas.openxmlformats.org/officeDocument/2006/relationships" xmlns:p="http://schemas.openxmlformats.org/presentationml/2006/main">
   <p:cSld>
     <p:spTree>
       <p:nvGrpSpPr>
-        <p:cNvPr id="163" name="Shape 163"/>
+        <p:cNvPr id="1" name="Shape 163"/>
         <p:cNvGrpSpPr/>
         <p:nvPr/>
       </p:nvGrpSpPr>
@@ -7990,7 +8204,9 @@
       <p:sp>
         <p:nvSpPr>
           <p:cNvPr id="164" name="Google Shape;164;p28"/>
-          <p:cNvSpPr txBox="1"/>
+          <p:cNvSpPr txBox="1">
+            <a:spLocks noGrp="1"/>
+          </p:cNvSpPr>
           <p:nvPr>
             <p:ph type="title"/>
           </p:nvPr>
@@ -8005,12 +8221,12 @@
           </a:prstGeom>
         </p:spPr>
         <p:txBody>
-          <a:bodyPr anchorCtr="0" anchor="t" bIns="91425" lIns="91425" spcFirstLastPara="1" rIns="91425" wrap="square" tIns="91425">
+          <a:bodyPr spcFirstLastPara="1" wrap="square" lIns="91425" tIns="91425" rIns="91425" bIns="91425" anchor="t" anchorCtr="0">
             <a:noAutofit/>
           </a:bodyPr>
           <a:lstStyle/>
           <a:p>
-            <a:pPr indent="0" lvl="0" marL="0" rtl="0" algn="l">
+            <a:pPr marL="0" lvl="0" indent="0" algn="l" rtl="0">
               <a:spcBef>
                 <a:spcPts val="0"/>
               </a:spcBef>
@@ -8069,11 +8285,11 @@
 </file>
 
 <file path=ppt/slides/slide17.xml><?xml version="1.0" encoding="utf-8"?>
-<p:sld xmlns:a="http://schemas.openxmlformats.org/drawingml/2006/main" xmlns:r="http://schemas.openxmlformats.org/officeDocument/2006/relationships" xmlns:mc="http://schemas.openxmlformats.org/markup-compatibility/2006" xmlns:mv="urn:schemas-microsoft-com:mac:vml" xmlns:p="http://schemas.openxmlformats.org/presentationml/2006/main" xmlns:c="http://schemas.openxmlformats.org/drawingml/2006/chart" xmlns:dgm="http://schemas.openxmlformats.org/drawingml/2006/diagram" xmlns:o="urn:schemas-microsoft-com:office:office" xmlns:v="urn:schemas-microsoft-com:vml" xmlns:pvml="urn:schemas-microsoft-com:office:powerpoint" xmlns:com="http://schemas.openxmlformats.org/drawingml/2006/compatibility" xmlns:p14="http://schemas.microsoft.com/office/powerpoint/2010/main" xmlns:p15="http://schemas.microsoft.com/office/powerpoint/2012/main" xmlns:ahyp="http://schemas.microsoft.com/office/drawing/2018/hyperlinkcolor">
+<p:sld xmlns:a="http://schemas.openxmlformats.org/drawingml/2006/main" xmlns:r="http://schemas.openxmlformats.org/officeDocument/2006/relationships" xmlns:p="http://schemas.openxmlformats.org/presentationml/2006/main">
   <p:cSld>
     <p:spTree>
       <p:nvGrpSpPr>
-        <p:cNvPr id="169" name="Shape 169"/>
+        <p:cNvPr id="1" name="Shape 169"/>
         <p:cNvGrpSpPr/>
         <p:nvPr/>
       </p:nvGrpSpPr>
@@ -8088,7 +8304,9 @@
       <p:sp>
         <p:nvSpPr>
           <p:cNvPr id="170" name="Google Shape;170;p29"/>
-          <p:cNvSpPr txBox="1"/>
+          <p:cNvSpPr txBox="1">
+            <a:spLocks noGrp="1"/>
+          </p:cNvSpPr>
           <p:nvPr>
             <p:ph type="title"/>
           </p:nvPr>
@@ -8103,12 +8321,12 @@
           </a:prstGeom>
         </p:spPr>
         <p:txBody>
-          <a:bodyPr anchorCtr="0" anchor="t" bIns="91425" lIns="91425" spcFirstLastPara="1" rIns="91425" wrap="square" tIns="91425">
+          <a:bodyPr spcFirstLastPara="1" wrap="square" lIns="91425" tIns="91425" rIns="91425" bIns="91425" anchor="t" anchorCtr="0">
             <a:noAutofit/>
           </a:bodyPr>
           <a:lstStyle/>
           <a:p>
-            <a:pPr indent="0" lvl="0" marL="0" rtl="0" algn="l">
+            <a:pPr marL="0" lvl="0" indent="0" algn="l" rtl="0">
               <a:spcBef>
                 <a:spcPts val="0"/>
               </a:spcBef>
@@ -8128,9 +8346,11 @@
       <p:sp>
         <p:nvSpPr>
           <p:cNvPr id="171" name="Google Shape;171;p29"/>
-          <p:cNvSpPr txBox="1"/>
+          <p:cNvSpPr txBox="1">
+            <a:spLocks noGrp="1"/>
+          </p:cNvSpPr>
           <p:nvPr>
-            <p:ph idx="1" type="body"/>
+            <p:ph type="body" idx="1"/>
           </p:nvPr>
         </p:nvSpPr>
         <p:spPr>
@@ -8143,12 +8363,12 @@
           </a:prstGeom>
         </p:spPr>
         <p:txBody>
-          <a:bodyPr anchorCtr="0" anchor="t" bIns="91425" lIns="91425" spcFirstLastPara="1" rIns="91425" wrap="square" tIns="91425">
+          <a:bodyPr spcFirstLastPara="1" wrap="square" lIns="91425" tIns="91425" rIns="91425" bIns="91425" anchor="t" anchorCtr="0">
             <a:noAutofit/>
           </a:bodyPr>
           <a:lstStyle/>
           <a:p>
-            <a:pPr indent="0" lvl="0" marL="0" rtl="0" algn="l">
+            <a:pPr marL="0" lvl="0" indent="0" algn="l" rtl="0">
               <a:spcBef>
                 <a:spcPts val="0"/>
               </a:spcBef>
@@ -8159,20 +8379,12 @@
             </a:pPr>
             <a:r>
               <a:rPr lang="it"/>
-              <a:t>This project leverages the semantic segmentation and classification techniques to solve the steel defect detection problem. From the experiments </a:t>
-            </a:r>
-            <a:r>
-              <a:rPr lang="it"/>
-              <a:t>arises</a:t>
-            </a:r>
-            <a:r>
-              <a:rPr lang="it"/>
-              <a:t> that the combination of these two techniques works particularly well as a tradeoff between accuracy and precision.</a:t>
+              <a:t>This project leverages the semantic segmentation and classification techniques to solve the steel defect detection problem. From the experiments arises that the combination of these two techniques works particularly well as a tradeoff between accuracy and precision.</a:t>
             </a:r>
             <a:endParaRPr/>
           </a:p>
           <a:p>
-            <a:pPr indent="0" lvl="0" marL="0" rtl="0" algn="l">
+            <a:pPr marL="0" lvl="0" indent="0" algn="l" rtl="0">
               <a:spcBef>
                 <a:spcPts val="1600"/>
               </a:spcBef>
@@ -8188,7 +8400,7 @@
             <a:endParaRPr/>
           </a:p>
           <a:p>
-            <a:pPr indent="-342900" lvl="0" marL="457200" rtl="0" algn="l">
+            <a:pPr marL="457200" lvl="0" indent="-342900" algn="l" rtl="0">
               <a:spcBef>
                 <a:spcPts val="1600"/>
               </a:spcBef>
@@ -8205,7 +8417,7 @@
             <a:endParaRPr/>
           </a:p>
           <a:p>
-            <a:pPr indent="-342900" lvl="0" marL="457200" rtl="0" algn="l">
+            <a:pPr marL="457200" lvl="0" indent="-342900" algn="l" rtl="0">
               <a:spcBef>
                 <a:spcPts val="0"/>
               </a:spcBef>
@@ -8232,11 +8444,11 @@
 </file>
 
 <file path=ppt/slides/slide2.xml><?xml version="1.0" encoding="utf-8"?>
-<p:sld xmlns:a="http://schemas.openxmlformats.org/drawingml/2006/main" xmlns:r="http://schemas.openxmlformats.org/officeDocument/2006/relationships" xmlns:mc="http://schemas.openxmlformats.org/markup-compatibility/2006" xmlns:mv="urn:schemas-microsoft-com:mac:vml" xmlns:p="http://schemas.openxmlformats.org/presentationml/2006/main" xmlns:c="http://schemas.openxmlformats.org/drawingml/2006/chart" xmlns:dgm="http://schemas.openxmlformats.org/drawingml/2006/diagram" xmlns:o="urn:schemas-microsoft-com:office:office" xmlns:v="urn:schemas-microsoft-com:vml" xmlns:pvml="urn:schemas-microsoft-com:office:powerpoint" xmlns:com="http://schemas.openxmlformats.org/drawingml/2006/compatibility" xmlns:p14="http://schemas.microsoft.com/office/powerpoint/2010/main" xmlns:p15="http://schemas.microsoft.com/office/powerpoint/2012/main" xmlns:ahyp="http://schemas.microsoft.com/office/drawing/2018/hyperlinkcolor">
+<p:sld xmlns:a="http://schemas.openxmlformats.org/drawingml/2006/main" xmlns:r="http://schemas.openxmlformats.org/officeDocument/2006/relationships" xmlns:p="http://schemas.openxmlformats.org/presentationml/2006/main">
   <p:cSld>
     <p:spTree>
       <p:nvGrpSpPr>
-        <p:cNvPr id="59" name="Shape 59"/>
+        <p:cNvPr id="1" name="Shape 59"/>
         <p:cNvGrpSpPr/>
         <p:nvPr/>
       </p:nvGrpSpPr>
@@ -8251,7 +8463,9 @@
       <p:sp>
         <p:nvSpPr>
           <p:cNvPr id="60" name="Google Shape;60;p14"/>
-          <p:cNvSpPr txBox="1"/>
+          <p:cNvSpPr txBox="1">
+            <a:spLocks noGrp="1"/>
+          </p:cNvSpPr>
           <p:nvPr>
             <p:ph type="title"/>
           </p:nvPr>
@@ -8266,12 +8480,12 @@
           </a:prstGeom>
         </p:spPr>
         <p:txBody>
-          <a:bodyPr anchorCtr="0" anchor="t" bIns="91425" lIns="91425" spcFirstLastPara="1" rIns="91425" wrap="square" tIns="91425">
+          <a:bodyPr spcFirstLastPara="1" wrap="square" lIns="91425" tIns="91425" rIns="91425" bIns="91425" anchor="t" anchorCtr="0">
             <a:noAutofit/>
           </a:bodyPr>
           <a:lstStyle/>
           <a:p>
-            <a:pPr indent="0" lvl="0" marL="0" rtl="0" algn="l">
+            <a:pPr marL="0" lvl="0" indent="0" algn="l" rtl="0">
               <a:spcBef>
                 <a:spcPts val="0"/>
               </a:spcBef>
@@ -8287,7 +8501,7 @@
             <a:endParaRPr/>
           </a:p>
           <a:p>
-            <a:pPr indent="0" lvl="0" marL="0" rtl="0" algn="l">
+            <a:pPr marL="0" lvl="0" indent="0" algn="l" rtl="0">
               <a:spcBef>
                 <a:spcPts val="0"/>
               </a:spcBef>
@@ -8296,9 +8510,6 @@
               </a:spcAft>
               <a:buNone/>
             </a:pPr>
-            <a:r>
-              <a:t/>
-            </a:r>
             <a:endParaRPr/>
           </a:p>
         </p:txBody>
@@ -8306,9 +8517,11 @@
       <p:sp>
         <p:nvSpPr>
           <p:cNvPr id="61" name="Google Shape;61;p14"/>
-          <p:cNvSpPr txBox="1"/>
+          <p:cNvSpPr txBox="1">
+            <a:spLocks noGrp="1"/>
+          </p:cNvSpPr>
           <p:nvPr>
-            <p:ph idx="1" type="body"/>
+            <p:ph type="body" idx="1"/>
           </p:nvPr>
         </p:nvSpPr>
         <p:spPr>
@@ -8321,12 +8534,12 @@
           </a:prstGeom>
         </p:spPr>
         <p:txBody>
-          <a:bodyPr anchorCtr="0" anchor="t" bIns="91425" lIns="91425" spcFirstLastPara="1" rIns="91425" wrap="square" tIns="91425">
+          <a:bodyPr spcFirstLastPara="1" wrap="square" lIns="91425" tIns="91425" rIns="91425" bIns="91425" anchor="t" anchorCtr="0">
             <a:noAutofit/>
           </a:bodyPr>
           <a:lstStyle/>
           <a:p>
-            <a:pPr indent="0" lvl="0" marL="0" rtl="0" algn="l">
+            <a:pPr marL="0" lvl="0" indent="0" algn="l" rtl="0">
               <a:spcBef>
                 <a:spcPts val="0"/>
               </a:spcBef>
@@ -8336,14 +8549,10 @@
               <a:buNone/>
             </a:pPr>
             <a:r>
-              <a:rPr lang="it" sz="1500"/>
-              <a:t>The problem consists in s</a:t>
+              <a:rPr lang="it" sz="1500" dirty="0"/>
+              <a:t>The problem consists in segmenting and classifying defects over steel sheets that come from high frequency cameras.</a:t>
             </a:r>
-            <a:r>
-              <a:rPr lang="it" sz="1500"/>
-              <a:t>egment and classify defects over steel sheets that comes from high frequency cameras.</a:t>
-            </a:r>
-            <a:endParaRPr sz="1500"/>
+            <a:endParaRPr sz="1500" dirty="0"/>
           </a:p>
         </p:txBody>
       </p:sp>
@@ -8468,11 +8677,11 @@
 </file>
 
 <file path=ppt/slides/slide3.xml><?xml version="1.0" encoding="utf-8"?>
-<p:sld xmlns:a="http://schemas.openxmlformats.org/drawingml/2006/main" xmlns:r="http://schemas.openxmlformats.org/officeDocument/2006/relationships" xmlns:mc="http://schemas.openxmlformats.org/markup-compatibility/2006" xmlns:mv="urn:schemas-microsoft-com:mac:vml" xmlns:p="http://schemas.openxmlformats.org/presentationml/2006/main" xmlns:c="http://schemas.openxmlformats.org/drawingml/2006/chart" xmlns:dgm="http://schemas.openxmlformats.org/drawingml/2006/diagram" xmlns:o="urn:schemas-microsoft-com:office:office" xmlns:v="urn:schemas-microsoft-com:vml" xmlns:pvml="urn:schemas-microsoft-com:office:powerpoint" xmlns:com="http://schemas.openxmlformats.org/drawingml/2006/compatibility" xmlns:p14="http://schemas.microsoft.com/office/powerpoint/2010/main" xmlns:p15="http://schemas.microsoft.com/office/powerpoint/2012/main" xmlns:ahyp="http://schemas.microsoft.com/office/drawing/2018/hyperlinkcolor">
+<p:sld xmlns:a="http://schemas.openxmlformats.org/drawingml/2006/main" xmlns:r="http://schemas.openxmlformats.org/officeDocument/2006/relationships" xmlns:p="http://schemas.openxmlformats.org/presentationml/2006/main">
   <p:cSld>
     <p:spTree>
       <p:nvGrpSpPr>
-        <p:cNvPr id="69" name="Shape 69"/>
+        <p:cNvPr id="1" name="Shape 69"/>
         <p:cNvGrpSpPr/>
         <p:nvPr/>
       </p:nvGrpSpPr>
@@ -8487,7 +8696,9 @@
       <p:sp>
         <p:nvSpPr>
           <p:cNvPr id="70" name="Google Shape;70;p15"/>
-          <p:cNvSpPr txBox="1"/>
+          <p:cNvSpPr txBox="1">
+            <a:spLocks noGrp="1"/>
+          </p:cNvSpPr>
           <p:nvPr>
             <p:ph type="title"/>
           </p:nvPr>
@@ -8502,12 +8713,12 @@
           </a:prstGeom>
         </p:spPr>
         <p:txBody>
-          <a:bodyPr anchorCtr="0" anchor="t" bIns="91425" lIns="91425" spcFirstLastPara="1" rIns="91425" wrap="square" tIns="91425">
+          <a:bodyPr spcFirstLastPara="1" wrap="square" lIns="91425" tIns="91425" rIns="91425" bIns="91425" anchor="t" anchorCtr="0">
             <a:noAutofit/>
           </a:bodyPr>
           <a:lstStyle/>
           <a:p>
-            <a:pPr indent="0" lvl="0" marL="0" rtl="0" algn="l">
+            <a:pPr marL="0" lvl="0" indent="0" algn="l" rtl="0">
               <a:spcBef>
                 <a:spcPts val="0"/>
               </a:spcBef>
@@ -8517,13 +8728,13 @@
               <a:buNone/>
             </a:pPr>
             <a:r>
-              <a:rPr lang="it"/>
-              <a:t>Objectives</a:t>
+              <a:rPr lang="it" dirty="0"/>
+              <a:t>Purposes</a:t>
             </a:r>
-            <a:endParaRPr/>
-          </a:p>
-          <a:p>
-            <a:pPr indent="0" lvl="0" marL="0" rtl="0" algn="l">
+            <a:endParaRPr dirty="0"/>
+          </a:p>
+          <a:p>
+            <a:pPr marL="0" lvl="0" indent="0" algn="l" rtl="0">
               <a:spcBef>
                 <a:spcPts val="0"/>
               </a:spcBef>
@@ -8532,19 +8743,18 @@
               </a:spcAft>
               <a:buNone/>
             </a:pPr>
-            <a:r>
-              <a:t/>
-            </a:r>
-            <a:endParaRPr/>
+            <a:endParaRPr dirty="0"/>
           </a:p>
         </p:txBody>
       </p:sp>
       <p:sp>
         <p:nvSpPr>
           <p:cNvPr id="71" name="Google Shape;71;p15"/>
-          <p:cNvSpPr txBox="1"/>
+          <p:cNvSpPr txBox="1">
+            <a:spLocks noGrp="1"/>
+          </p:cNvSpPr>
           <p:nvPr>
-            <p:ph idx="1" type="body"/>
+            <p:ph type="body" idx="1"/>
           </p:nvPr>
         </p:nvSpPr>
         <p:spPr>
@@ -8557,12 +8767,12 @@
           </a:prstGeom>
         </p:spPr>
         <p:txBody>
-          <a:bodyPr anchorCtr="0" anchor="t" bIns="91425" lIns="91425" spcFirstLastPara="1" rIns="91425" wrap="square" tIns="91425">
+          <a:bodyPr spcFirstLastPara="1" wrap="square" lIns="91425" tIns="91425" rIns="91425" bIns="91425" anchor="t" anchorCtr="0">
             <a:noAutofit/>
           </a:bodyPr>
           <a:lstStyle/>
           <a:p>
-            <a:pPr indent="0" lvl="0" marL="0" rtl="0" algn="l">
+            <a:pPr marL="0" lvl="0" indent="0" algn="l" rtl="0">
               <a:spcBef>
                 <a:spcPts val="0"/>
               </a:spcBef>
@@ -8577,21 +8787,21 @@
               <a:buNone/>
             </a:pPr>
             <a:r>
-              <a:rPr lang="it">
+              <a:rPr lang="it" dirty="0">
                 <a:solidFill>
                   <a:srgbClr val="666666"/>
                 </a:solidFill>
               </a:rPr>
               <a:t>The proposed solution is built focusing on two expected results: a precise defect segmentation and labelling, and an accurate classification between defective and non-defective images, in order to reduce false positives, and so waste of money and resources.</a:t>
             </a:r>
-            <a:endParaRPr>
+            <a:endParaRPr dirty="0">
               <a:solidFill>
                 <a:srgbClr val="666666"/>
               </a:solidFill>
             </a:endParaRPr>
           </a:p>
           <a:p>
-            <a:pPr indent="0" lvl="0" marL="0" rtl="0" algn="l">
+            <a:pPr marL="0" lvl="0" indent="0" algn="l" rtl="0">
               <a:spcBef>
                 <a:spcPts val="1600"/>
               </a:spcBef>
@@ -8600,17 +8810,16 @@
               </a:spcAft>
               <a:buNone/>
             </a:pPr>
-            <a:r>
-              <a:t/>
-            </a:r>
-            <a:endParaRPr/>
+            <a:endParaRPr dirty="0"/>
           </a:p>
         </p:txBody>
       </p:sp>
       <p:sp>
         <p:nvSpPr>
           <p:cNvPr id="72" name="Google Shape;72;p15"/>
-          <p:cNvSpPr txBox="1"/>
+          <p:cNvSpPr txBox="1">
+            <a:spLocks noGrp="1"/>
+          </p:cNvSpPr>
           <p:nvPr>
             <p:ph type="title"/>
           </p:nvPr>
@@ -8625,12 +8834,12 @@
           </a:prstGeom>
         </p:spPr>
         <p:txBody>
-          <a:bodyPr anchorCtr="0" anchor="t" bIns="91425" lIns="91425" spcFirstLastPara="1" rIns="91425" wrap="square" tIns="91425">
+          <a:bodyPr spcFirstLastPara="1" wrap="square" lIns="91425" tIns="91425" rIns="91425" bIns="91425" anchor="t" anchorCtr="0">
             <a:noAutofit/>
           </a:bodyPr>
           <a:lstStyle/>
           <a:p>
-            <a:pPr indent="0" lvl="0" marL="0" rtl="0" algn="l">
+            <a:pPr marL="0" lvl="0" indent="0" algn="l" rtl="0">
               <a:spcBef>
                 <a:spcPts val="0"/>
               </a:spcBef>
@@ -8641,16 +8850,12 @@
             </a:pPr>
             <a:r>
               <a:rPr lang="it"/>
-              <a:t>Metric</a:t>
-            </a:r>
-            <a:r>
-              <a:rPr lang="it"/>
-              <a:t>s</a:t>
+              <a:t>Metrics</a:t>
             </a:r>
             <a:endParaRPr/>
           </a:p>
           <a:p>
-            <a:pPr indent="0" lvl="0" marL="0" rtl="0" algn="l">
+            <a:pPr marL="0" lvl="0" indent="0" algn="l" rtl="0">
               <a:spcBef>
                 <a:spcPts val="0"/>
               </a:spcBef>
@@ -8659,9 +8864,6 @@
               </a:spcAft>
               <a:buNone/>
             </a:pPr>
-            <a:r>
-              <a:t/>
-            </a:r>
             <a:endParaRPr/>
           </a:p>
         </p:txBody>
@@ -8686,12 +8888,12 @@
           </a:ln>
         </p:spPr>
         <p:txBody>
-          <a:bodyPr anchorCtr="0" anchor="t" bIns="91425" lIns="91425" spcFirstLastPara="1" rIns="91425" wrap="square" tIns="91425">
+          <a:bodyPr spcFirstLastPara="1" wrap="square" lIns="91425" tIns="91425" rIns="91425" bIns="91425" anchor="t" anchorCtr="0">
             <a:noAutofit/>
           </a:bodyPr>
           <a:lstStyle/>
           <a:p>
-            <a:pPr indent="0" lvl="0" marL="0" rtl="0" algn="l">
+            <a:pPr marL="0" lvl="0" indent="0" algn="l" rtl="0">
               <a:spcBef>
                 <a:spcPts val="0"/>
               </a:spcBef>
@@ -8701,14 +8903,14 @@
               <a:buNone/>
             </a:pPr>
             <a:r>
-              <a:rPr lang="it" sz="1800">
+              <a:rPr lang="it" sz="1800" dirty="0">
                 <a:solidFill>
                   <a:srgbClr val="666666"/>
                 </a:solidFill>
               </a:rPr>
-              <a:t>The evaluation metrics is the so called Dice coefficient, which is not only an accuracy index, but it also penalizes the false positives that the method finds, more similar to precision.</a:t>
+              <a:t>The evaluation metrics is the so called Dice coefficient, which is not only an accuracy index, but it also penalizes the false positives found by the method, more similar to precision.</a:t>
             </a:r>
-            <a:endParaRPr sz="1800">
+            <a:endParaRPr sz="1800" dirty="0">
               <a:solidFill>
                 <a:srgbClr val="666666"/>
               </a:solidFill>
@@ -8753,11 +8955,11 @@
 </file>
 
 <file path=ppt/slides/slide4.xml><?xml version="1.0" encoding="utf-8"?>
-<p:sld xmlns:a="http://schemas.openxmlformats.org/drawingml/2006/main" xmlns:r="http://schemas.openxmlformats.org/officeDocument/2006/relationships" xmlns:mc="http://schemas.openxmlformats.org/markup-compatibility/2006" xmlns:mv="urn:schemas-microsoft-com:mac:vml" xmlns:p="http://schemas.openxmlformats.org/presentationml/2006/main" xmlns:c="http://schemas.openxmlformats.org/drawingml/2006/chart" xmlns:dgm="http://schemas.openxmlformats.org/drawingml/2006/diagram" xmlns:o="urn:schemas-microsoft-com:office:office" xmlns:v="urn:schemas-microsoft-com:vml" xmlns:pvml="urn:schemas-microsoft-com:office:powerpoint" xmlns:com="http://schemas.openxmlformats.org/drawingml/2006/compatibility" xmlns:p14="http://schemas.microsoft.com/office/powerpoint/2010/main" xmlns:p15="http://schemas.microsoft.com/office/powerpoint/2012/main" xmlns:ahyp="http://schemas.microsoft.com/office/drawing/2018/hyperlinkcolor">
+<p:sld xmlns:a="http://schemas.openxmlformats.org/drawingml/2006/main" xmlns:r="http://schemas.openxmlformats.org/officeDocument/2006/relationships" xmlns:p="http://schemas.openxmlformats.org/presentationml/2006/main">
   <p:cSld>
     <p:spTree>
       <p:nvGrpSpPr>
-        <p:cNvPr id="78" name="Shape 78"/>
+        <p:cNvPr id="1" name="Shape 78"/>
         <p:cNvGrpSpPr/>
         <p:nvPr/>
       </p:nvGrpSpPr>
@@ -8772,7 +8974,9 @@
       <p:sp>
         <p:nvSpPr>
           <p:cNvPr id="79" name="Google Shape;79;p16"/>
-          <p:cNvSpPr txBox="1"/>
+          <p:cNvSpPr txBox="1">
+            <a:spLocks noGrp="1"/>
+          </p:cNvSpPr>
           <p:nvPr>
             <p:ph type="title"/>
           </p:nvPr>
@@ -8787,12 +8991,12 @@
           </a:prstGeom>
         </p:spPr>
         <p:txBody>
-          <a:bodyPr anchorCtr="0" anchor="t" bIns="91425" lIns="91425" spcFirstLastPara="1" rIns="91425" wrap="square" tIns="91425">
+          <a:bodyPr spcFirstLastPara="1" wrap="square" lIns="91425" tIns="91425" rIns="91425" bIns="91425" anchor="t" anchorCtr="0">
             <a:noAutofit/>
           </a:bodyPr>
           <a:lstStyle/>
           <a:p>
-            <a:pPr indent="0" lvl="0" marL="0" rtl="0" algn="l">
+            <a:pPr marL="0" lvl="0" indent="0" algn="l" rtl="0">
               <a:spcBef>
                 <a:spcPts val="0"/>
               </a:spcBef>
@@ -8812,9 +9016,11 @@
       <p:sp>
         <p:nvSpPr>
           <p:cNvPr id="80" name="Google Shape;80;p16"/>
-          <p:cNvSpPr txBox="1"/>
+          <p:cNvSpPr txBox="1">
+            <a:spLocks noGrp="1"/>
+          </p:cNvSpPr>
           <p:nvPr>
-            <p:ph idx="1" type="body"/>
+            <p:ph type="body" idx="1"/>
           </p:nvPr>
         </p:nvSpPr>
         <p:spPr>
@@ -8827,12 +9033,12 @@
           </a:prstGeom>
         </p:spPr>
         <p:txBody>
-          <a:bodyPr anchorCtr="0" anchor="t" bIns="91425" lIns="91425" spcFirstLastPara="1" rIns="91425" wrap="square" tIns="91425">
+          <a:bodyPr spcFirstLastPara="1" wrap="square" lIns="91425" tIns="91425" rIns="91425" bIns="91425" anchor="t" anchorCtr="0">
             <a:noAutofit/>
           </a:bodyPr>
           <a:lstStyle/>
           <a:p>
-            <a:pPr indent="-342900" lvl="0" marL="457200" rtl="0" algn="l">
+            <a:pPr marL="457200" lvl="0" indent="-342900" algn="l" rtl="0">
               <a:spcBef>
                 <a:spcPts val="0"/>
               </a:spcBef>
@@ -8843,7 +9049,7 @@
               <a:buChar char="●"/>
             </a:pPr>
             <a:r>
-              <a:rPr b="1" lang="it"/>
+              <a:rPr lang="it" b="1"/>
               <a:t>Residual Networks: </a:t>
             </a:r>
             <a:r>
@@ -8853,7 +9059,7 @@
             <a:endParaRPr/>
           </a:p>
           <a:p>
-            <a:pPr indent="-342900" lvl="0" marL="457200" rtl="0" algn="l">
+            <a:pPr marL="457200" lvl="0" indent="-342900" algn="l" rtl="0">
               <a:spcBef>
                 <a:spcPts val="0"/>
               </a:spcBef>
@@ -8864,12 +9070,8 @@
               <a:buChar char="●"/>
             </a:pPr>
             <a:r>
-              <a:rPr b="1" lang="it"/>
-              <a:t>EfficientNet</a:t>
-            </a:r>
-            <a:r>
-              <a:rPr b="1" lang="it"/>
-              <a:t>:</a:t>
+              <a:rPr lang="it" b="1"/>
+              <a:t>EfficientNet:</a:t>
             </a:r>
             <a:r>
               <a:rPr lang="it"/>
@@ -8878,7 +9080,7 @@
             <a:endParaRPr/>
           </a:p>
           <a:p>
-            <a:pPr indent="-342900" lvl="0" marL="457200" rtl="0" algn="l">
+            <a:pPr marL="457200" lvl="0" indent="-342900" algn="l" rtl="0">
               <a:spcBef>
                 <a:spcPts val="0"/>
               </a:spcBef>
@@ -8889,25 +9091,17 @@
               <a:buChar char="●"/>
             </a:pPr>
             <a:r>
-              <a:rPr b="1" lang="it"/>
+              <a:rPr lang="it" b="1"/>
               <a:t>U-Net: </a:t>
             </a:r>
             <a:r>
               <a:rPr lang="it"/>
-              <a:t>This architecture is composed of two concatenated parts: the contracting path works as a classical FCNN to extract meaningful feature from the image, while the expansive path builds a high resolution output starting from the feature extracted during the first phase. I</a:t>
-            </a:r>
-            <a:r>
-              <a:rPr lang="it"/>
-              <a:t>n order to achieve higher semantic levels </a:t>
-            </a:r>
-            <a:r>
-              <a:rPr lang="it"/>
-              <a:t>each up-sampling layer is enriched with features information extracted in the corresponding downsampling layer</a:t>
+              <a:t>This architecture is composed of two concatenated parts: the contracting path works as a classical FCNN to extract meaningful feature from the image, while the expansive path builds a high resolution output starting from the feature extracted during the first phase. In order to achieve higher semantic levels each up-sampling layer is enriched with features information extracted in the corresponding downsampling layer</a:t>
             </a:r>
             <a:endParaRPr/>
           </a:p>
           <a:p>
-            <a:pPr indent="0" lvl="0" marL="0" rtl="0" algn="l">
+            <a:pPr marL="0" lvl="0" indent="0" algn="l" rtl="0">
               <a:spcBef>
                 <a:spcPts val="1600"/>
               </a:spcBef>
@@ -8916,9 +9110,6 @@
               </a:spcAft>
               <a:buNone/>
             </a:pPr>
-            <a:r>
-              <a:t/>
-            </a:r>
             <a:endParaRPr b="1"/>
           </a:p>
         </p:txBody>
@@ -8932,11 +9123,11 @@
 </file>
 
 <file path=ppt/slides/slide5.xml><?xml version="1.0" encoding="utf-8"?>
-<p:sld xmlns:a="http://schemas.openxmlformats.org/drawingml/2006/main" xmlns:r="http://schemas.openxmlformats.org/officeDocument/2006/relationships" xmlns:mc="http://schemas.openxmlformats.org/markup-compatibility/2006" xmlns:mv="urn:schemas-microsoft-com:mac:vml" xmlns:p="http://schemas.openxmlformats.org/presentationml/2006/main" xmlns:c="http://schemas.openxmlformats.org/drawingml/2006/chart" xmlns:dgm="http://schemas.openxmlformats.org/drawingml/2006/diagram" xmlns:o="urn:schemas-microsoft-com:office:office" xmlns:v="urn:schemas-microsoft-com:vml" xmlns:pvml="urn:schemas-microsoft-com:office:powerpoint" xmlns:com="http://schemas.openxmlformats.org/drawingml/2006/compatibility" xmlns:p14="http://schemas.microsoft.com/office/powerpoint/2010/main" xmlns:p15="http://schemas.microsoft.com/office/powerpoint/2012/main" xmlns:ahyp="http://schemas.microsoft.com/office/drawing/2018/hyperlinkcolor">
+<p:sld xmlns:a="http://schemas.openxmlformats.org/drawingml/2006/main" xmlns:r="http://schemas.openxmlformats.org/officeDocument/2006/relationships" xmlns:p="http://schemas.openxmlformats.org/presentationml/2006/main">
   <p:cSld>
     <p:spTree>
       <p:nvGrpSpPr>
-        <p:cNvPr id="84" name="Shape 84"/>
+        <p:cNvPr id="1" name="Shape 84"/>
         <p:cNvGrpSpPr/>
         <p:nvPr/>
       </p:nvGrpSpPr>
@@ -8951,7 +9142,9 @@
       <p:sp>
         <p:nvSpPr>
           <p:cNvPr id="85" name="Google Shape;85;p17"/>
-          <p:cNvSpPr txBox="1"/>
+          <p:cNvSpPr txBox="1">
+            <a:spLocks noGrp="1"/>
+          </p:cNvSpPr>
           <p:nvPr>
             <p:ph type="title"/>
           </p:nvPr>
@@ -8966,12 +9159,12 @@
           </a:prstGeom>
         </p:spPr>
         <p:txBody>
-          <a:bodyPr anchorCtr="0" anchor="t" bIns="91425" lIns="91425" spcFirstLastPara="1" rIns="91425" wrap="square" tIns="91425">
+          <a:bodyPr spcFirstLastPara="1" wrap="square" lIns="91425" tIns="91425" rIns="91425" bIns="91425" anchor="t" anchorCtr="0">
             <a:noAutofit/>
           </a:bodyPr>
           <a:lstStyle/>
           <a:p>
-            <a:pPr indent="0" lvl="0" marL="0" rtl="0" algn="l">
+            <a:pPr marL="0" lvl="0" indent="0" algn="l" rtl="0">
               <a:spcBef>
                 <a:spcPts val="0"/>
               </a:spcBef>
@@ -9036,12 +9229,12 @@
           </a:ln>
         </p:spPr>
         <p:txBody>
-          <a:bodyPr anchorCtr="0" anchor="t" bIns="91425" lIns="91425" spcFirstLastPara="1" rIns="91425" wrap="square" tIns="91425">
+          <a:bodyPr spcFirstLastPara="1" wrap="square" lIns="91425" tIns="91425" rIns="91425" bIns="91425" anchor="t" anchorCtr="0">
             <a:noAutofit/>
           </a:bodyPr>
           <a:lstStyle/>
           <a:p>
-            <a:pPr indent="0" lvl="0" marL="0" rtl="0" algn="l">
+            <a:pPr marL="0" lvl="0" indent="0" algn="l" rtl="0">
               <a:spcBef>
                 <a:spcPts val="0"/>
               </a:spcBef>
@@ -9056,15 +9249,7 @@
                   <a:srgbClr val="666666"/>
                 </a:solidFill>
               </a:rPr>
-              <a:t>First approach: </a:t>
-            </a:r>
-            <a:r>
-              <a:rPr lang="it" sz="1800">
-                <a:solidFill>
-                  <a:srgbClr val="666666"/>
-                </a:solidFill>
-              </a:rPr>
-              <a:t>Classical semantic segmentation pipeline</a:t>
+              <a:t>First approach: Classical semantic segmentation pipeline</a:t>
             </a:r>
             <a:endParaRPr sz="1800">
               <a:solidFill>
@@ -9122,12 +9307,12 @@
           </a:ln>
         </p:spPr>
         <p:txBody>
-          <a:bodyPr anchorCtr="0" anchor="t" bIns="91425" lIns="91425" spcFirstLastPara="1" rIns="91425" wrap="square" tIns="91425">
+          <a:bodyPr spcFirstLastPara="1" wrap="square" lIns="91425" tIns="91425" rIns="91425" bIns="91425" anchor="t" anchorCtr="0">
             <a:noAutofit/>
           </a:bodyPr>
           <a:lstStyle/>
           <a:p>
-            <a:pPr indent="0" lvl="0" marL="0" rtl="0" algn="l">
+            <a:pPr marL="0" lvl="0" indent="0" algn="l" rtl="0">
               <a:spcBef>
                 <a:spcPts val="0"/>
               </a:spcBef>
@@ -9142,15 +9327,7 @@
                   <a:srgbClr val="666666"/>
                 </a:solidFill>
               </a:rPr>
-              <a:t>Second</a:t>
-            </a:r>
-            <a:r>
-              <a:rPr lang="it" sz="1800">
-                <a:solidFill>
-                  <a:srgbClr val="666666"/>
-                </a:solidFill>
-              </a:rPr>
-              <a:t> approach: semantic segmentation on refined set of defective-only images</a:t>
+              <a:t>Second approach: semantic segmentation on refined set of defective-only images</a:t>
             </a:r>
             <a:endParaRPr sz="1800">
               <a:solidFill>
@@ -9169,11 +9346,11 @@
 </file>
 
 <file path=ppt/slides/slide6.xml><?xml version="1.0" encoding="utf-8"?>
-<p:sld xmlns:a="http://schemas.openxmlformats.org/drawingml/2006/main" xmlns:r="http://schemas.openxmlformats.org/officeDocument/2006/relationships" xmlns:mc="http://schemas.openxmlformats.org/markup-compatibility/2006" xmlns:mv="urn:schemas-microsoft-com:mac:vml" xmlns:p="http://schemas.openxmlformats.org/presentationml/2006/main" xmlns:c="http://schemas.openxmlformats.org/drawingml/2006/chart" xmlns:dgm="http://schemas.openxmlformats.org/drawingml/2006/diagram" xmlns:o="urn:schemas-microsoft-com:office:office" xmlns:v="urn:schemas-microsoft-com:vml" xmlns:pvml="urn:schemas-microsoft-com:office:powerpoint" xmlns:com="http://schemas.openxmlformats.org/drawingml/2006/compatibility" xmlns:p14="http://schemas.microsoft.com/office/powerpoint/2010/main" xmlns:p15="http://schemas.microsoft.com/office/powerpoint/2012/main" xmlns:ahyp="http://schemas.microsoft.com/office/drawing/2018/hyperlinkcolor">
+<p:sld xmlns:a="http://schemas.openxmlformats.org/drawingml/2006/main" xmlns:r="http://schemas.openxmlformats.org/officeDocument/2006/relationships" xmlns:p="http://schemas.openxmlformats.org/presentationml/2006/main">
   <p:cSld>
     <p:spTree>
       <p:nvGrpSpPr>
-        <p:cNvPr id="93" name="Shape 93"/>
+        <p:cNvPr id="1" name="Shape 93"/>
         <p:cNvGrpSpPr/>
         <p:nvPr/>
       </p:nvGrpSpPr>
@@ -9188,7 +9365,9 @@
       <p:sp>
         <p:nvSpPr>
           <p:cNvPr id="94" name="Google Shape;94;p18"/>
-          <p:cNvSpPr txBox="1"/>
+          <p:cNvSpPr txBox="1">
+            <a:spLocks noGrp="1"/>
+          </p:cNvSpPr>
           <p:nvPr>
             <p:ph type="title"/>
           </p:nvPr>
@@ -9203,12 +9382,12 @@
           </a:prstGeom>
         </p:spPr>
         <p:txBody>
-          <a:bodyPr anchorCtr="0" anchor="t" bIns="91425" lIns="91425" spcFirstLastPara="1" rIns="91425" wrap="square" tIns="91425">
+          <a:bodyPr spcFirstLastPara="1" wrap="square" lIns="91425" tIns="91425" rIns="91425" bIns="91425" anchor="t" anchorCtr="0">
             <a:noAutofit/>
           </a:bodyPr>
           <a:lstStyle/>
           <a:p>
-            <a:pPr indent="0" lvl="0" marL="0" rtl="0" algn="l">
+            <a:pPr marL="0" lvl="0" indent="0" algn="l" rtl="0">
               <a:spcBef>
                 <a:spcPts val="0"/>
               </a:spcBef>
@@ -9245,12 +9424,12 @@
           </a:ln>
         </p:spPr>
         <p:txBody>
-          <a:bodyPr anchorCtr="0" anchor="t" bIns="91425" lIns="91425" spcFirstLastPara="1" rIns="91425" wrap="square" tIns="91425">
+          <a:bodyPr spcFirstLastPara="1" wrap="square" lIns="91425" tIns="91425" rIns="91425" bIns="91425" anchor="t" anchorCtr="0">
             <a:noAutofit/>
           </a:bodyPr>
           <a:lstStyle/>
           <a:p>
-            <a:pPr indent="0" lvl="0" marL="0" rtl="0" algn="l">
+            <a:pPr marL="0" lvl="0" indent="0" algn="l" rtl="0">
               <a:spcBef>
                 <a:spcPts val="0"/>
               </a:spcBef>
@@ -9265,30 +9444,14 @@
               <a:buNone/>
             </a:pPr>
             <a:r>
-              <a:rPr lang="it" sz="1800">
+              <a:rPr lang="it" sz="1800" dirty="0">
                 <a:solidFill>
                   <a:srgbClr val="666666"/>
                 </a:solidFill>
               </a:rPr>
-              <a:t>The </a:t>
+              <a:t>The rationale behind the second approach is that usually false defects have a very similar pattern compared to real defects, for this reason a specific binary classifier is used for trying to avoid the problem. Recognizing defects on good images strongly penalizes dice coefficient.</a:t>
             </a:r>
-            <a:r>
-              <a:rPr lang="it" sz="1800">
-                <a:solidFill>
-                  <a:srgbClr val="666666"/>
-                </a:solidFill>
-              </a:rPr>
-              <a:t>rationale</a:t>
-            </a:r>
-            <a:r>
-              <a:rPr lang="it" sz="1800">
-                <a:solidFill>
-                  <a:srgbClr val="666666"/>
-                </a:solidFill>
-              </a:rPr>
-              <a:t> behind the second approach is that usually false defects have a very similar pattern of real defects, for this reason a specific binary classifier is used for trying to avoid the problem. Recognizing defects on good images strongly penalizes dice coefficient.</a:t>
-            </a:r>
-            <a:endParaRPr sz="1800">
+            <a:endParaRPr sz="1800" dirty="0">
               <a:solidFill>
                 <a:srgbClr val="666666"/>
               </a:solidFill>
@@ -9344,12 +9507,12 @@
           </a:ln>
         </p:spPr>
         <p:txBody>
-          <a:bodyPr anchorCtr="0" anchor="t" bIns="91425" lIns="91425" spcFirstLastPara="1" rIns="91425" wrap="square" tIns="91425">
+          <a:bodyPr spcFirstLastPara="1" wrap="square" lIns="91425" tIns="91425" rIns="91425" bIns="91425" anchor="t" anchorCtr="0">
             <a:noAutofit/>
           </a:bodyPr>
           <a:lstStyle/>
           <a:p>
-            <a:pPr indent="0" lvl="0" marL="0" rtl="0" algn="l">
+            <a:pPr marL="0" lvl="0" indent="0" algn="l" rtl="0">
               <a:spcBef>
                 <a:spcPts val="0"/>
               </a:spcBef>
@@ -9414,12 +9577,12 @@
           </a:ln>
         </p:spPr>
         <p:txBody>
-          <a:bodyPr anchorCtr="0" anchor="t" bIns="91425" lIns="91425" spcFirstLastPara="1" rIns="91425" wrap="square" tIns="91425">
+          <a:bodyPr spcFirstLastPara="1" wrap="square" lIns="91425" tIns="91425" rIns="91425" bIns="91425" anchor="t" anchorCtr="0">
             <a:noAutofit/>
           </a:bodyPr>
           <a:lstStyle/>
           <a:p>
-            <a:pPr indent="0" lvl="0" marL="0" rtl="0" algn="l">
+            <a:pPr marL="0" lvl="0" indent="0" algn="l" rtl="0">
               <a:spcBef>
                 <a:spcPts val="0"/>
               </a:spcBef>
@@ -9430,11 +9593,7 @@
             </a:pPr>
             <a:r>
               <a:rPr lang="it" sz="1200"/>
-              <a:t>Complete pipeline:</a:t>
-            </a:r>
-            <a:r>
-              <a:rPr lang="it" sz="1200"/>
-              <a:t> dice 1.0</a:t>
+              <a:t>Complete pipeline: dice 1.0</a:t>
             </a:r>
             <a:endParaRPr sz="1200"/>
           </a:p>
@@ -9449,11 +9608,11 @@
 </file>
 
 <file path=ppt/slides/slide7.xml><?xml version="1.0" encoding="utf-8"?>
-<p:sld xmlns:a="http://schemas.openxmlformats.org/drawingml/2006/main" xmlns:r="http://schemas.openxmlformats.org/officeDocument/2006/relationships" xmlns:mc="http://schemas.openxmlformats.org/markup-compatibility/2006" xmlns:mv="urn:schemas-microsoft-com:mac:vml" xmlns:p="http://schemas.openxmlformats.org/presentationml/2006/main" xmlns:c="http://schemas.openxmlformats.org/drawingml/2006/chart" xmlns:dgm="http://schemas.openxmlformats.org/drawingml/2006/diagram" xmlns:o="urn:schemas-microsoft-com:office:office" xmlns:v="urn:schemas-microsoft-com:vml" xmlns:pvml="urn:schemas-microsoft-com:office:powerpoint" xmlns:com="http://schemas.openxmlformats.org/drawingml/2006/compatibility" xmlns:p14="http://schemas.microsoft.com/office/powerpoint/2010/main" xmlns:p15="http://schemas.microsoft.com/office/powerpoint/2012/main" xmlns:ahyp="http://schemas.microsoft.com/office/drawing/2018/hyperlinkcolor">
+<p:sld xmlns:a="http://schemas.openxmlformats.org/drawingml/2006/main" xmlns:r="http://schemas.openxmlformats.org/officeDocument/2006/relationships" xmlns:p="http://schemas.openxmlformats.org/presentationml/2006/main">
   <p:cSld>
     <p:spTree>
       <p:nvGrpSpPr>
-        <p:cNvPr id="103" name="Shape 103"/>
+        <p:cNvPr id="1" name="Shape 103"/>
         <p:cNvGrpSpPr/>
         <p:nvPr/>
       </p:nvGrpSpPr>
@@ -9468,7 +9627,9 @@
       <p:sp>
         <p:nvSpPr>
           <p:cNvPr id="104" name="Google Shape;104;p19"/>
-          <p:cNvSpPr txBox="1"/>
+          <p:cNvSpPr txBox="1">
+            <a:spLocks noGrp="1"/>
+          </p:cNvSpPr>
           <p:nvPr>
             <p:ph type="title"/>
           </p:nvPr>
@@ -9483,12 +9644,12 @@
           </a:prstGeom>
         </p:spPr>
         <p:txBody>
-          <a:bodyPr anchorCtr="0" anchor="t" bIns="91425" lIns="91425" spcFirstLastPara="1" rIns="91425" wrap="square" tIns="91425">
+          <a:bodyPr spcFirstLastPara="1" wrap="square" lIns="91425" tIns="91425" rIns="91425" bIns="91425" anchor="t" anchorCtr="0">
             <a:noAutofit/>
           </a:bodyPr>
           <a:lstStyle/>
           <a:p>
-            <a:pPr indent="0" lvl="0" marL="0" rtl="0" algn="l">
+            <a:pPr marL="0" lvl="0" indent="0" algn="l" rtl="0">
               <a:spcBef>
                 <a:spcPts val="0"/>
               </a:spcBef>
@@ -9508,9 +9669,11 @@
       <p:sp>
         <p:nvSpPr>
           <p:cNvPr id="105" name="Google Shape;105;p19"/>
-          <p:cNvSpPr txBox="1"/>
+          <p:cNvSpPr txBox="1">
+            <a:spLocks noGrp="1"/>
+          </p:cNvSpPr>
           <p:nvPr>
-            <p:ph idx="1" type="body"/>
+            <p:ph type="body" idx="1"/>
           </p:nvPr>
         </p:nvSpPr>
         <p:spPr>
@@ -9523,12 +9686,12 @@
           </a:prstGeom>
         </p:spPr>
         <p:txBody>
-          <a:bodyPr anchorCtr="0" anchor="t" bIns="91425" lIns="91425" spcFirstLastPara="1" rIns="91425" wrap="square" tIns="91425">
+          <a:bodyPr spcFirstLastPara="1" wrap="square" lIns="91425" tIns="91425" rIns="91425" bIns="91425" anchor="t" anchorCtr="0">
             <a:noAutofit/>
           </a:bodyPr>
           <a:lstStyle/>
           <a:p>
-            <a:pPr indent="0" lvl="0" marL="0" rtl="0" algn="l">
+            <a:pPr marL="0" lvl="0" indent="0" algn="l" rtl="0">
               <a:spcBef>
                 <a:spcPts val="0"/>
               </a:spcBef>
@@ -9549,7 +9712,7 @@
             <a:endParaRPr/>
           </a:p>
           <a:p>
-            <a:pPr indent="0" lvl="0" marL="0" rtl="0" algn="l">
+            <a:pPr marL="0" lvl="0" indent="0" algn="l" rtl="0">
               <a:spcBef>
                 <a:spcPts val="1600"/>
               </a:spcBef>
@@ -9603,11 +9766,11 @@
 </file>
 
 <file path=ppt/slides/slide8.xml><?xml version="1.0" encoding="utf-8"?>
-<p:sld xmlns:a="http://schemas.openxmlformats.org/drawingml/2006/main" xmlns:r="http://schemas.openxmlformats.org/officeDocument/2006/relationships" xmlns:mc="http://schemas.openxmlformats.org/markup-compatibility/2006" xmlns:mv="urn:schemas-microsoft-com:mac:vml" xmlns:p="http://schemas.openxmlformats.org/presentationml/2006/main" xmlns:c="http://schemas.openxmlformats.org/drawingml/2006/chart" xmlns:dgm="http://schemas.openxmlformats.org/drawingml/2006/diagram" xmlns:o="urn:schemas-microsoft-com:office:office" xmlns:v="urn:schemas-microsoft-com:vml" xmlns:pvml="urn:schemas-microsoft-com:office:powerpoint" xmlns:com="http://schemas.openxmlformats.org/drawingml/2006/compatibility" xmlns:p14="http://schemas.microsoft.com/office/powerpoint/2010/main" xmlns:p15="http://schemas.microsoft.com/office/powerpoint/2012/main" xmlns:ahyp="http://schemas.microsoft.com/office/drawing/2018/hyperlinkcolor">
+<p:sld xmlns:a="http://schemas.openxmlformats.org/drawingml/2006/main" xmlns:r="http://schemas.openxmlformats.org/officeDocument/2006/relationships" xmlns:p="http://schemas.openxmlformats.org/presentationml/2006/main">
   <p:cSld>
     <p:spTree>
       <p:nvGrpSpPr>
-        <p:cNvPr id="110" name="Shape 110"/>
+        <p:cNvPr id="1" name="Shape 110"/>
         <p:cNvGrpSpPr/>
         <p:nvPr/>
       </p:nvGrpSpPr>
@@ -9622,7 +9785,9 @@
       <p:sp>
         <p:nvSpPr>
           <p:cNvPr id="111" name="Google Shape;111;p20"/>
-          <p:cNvSpPr txBox="1"/>
+          <p:cNvSpPr txBox="1">
+            <a:spLocks noGrp="1"/>
+          </p:cNvSpPr>
           <p:nvPr>
             <p:ph type="title"/>
           </p:nvPr>
@@ -9637,12 +9802,12 @@
           </a:prstGeom>
         </p:spPr>
         <p:txBody>
-          <a:bodyPr anchorCtr="0" anchor="t" bIns="91425" lIns="91425" spcFirstLastPara="1" rIns="91425" wrap="square" tIns="91425">
+          <a:bodyPr spcFirstLastPara="1" wrap="square" lIns="91425" tIns="91425" rIns="91425" bIns="91425" anchor="t" anchorCtr="0">
             <a:noAutofit/>
           </a:bodyPr>
           <a:lstStyle/>
           <a:p>
-            <a:pPr indent="0" lvl="0" marL="0" rtl="0" algn="l">
+            <a:pPr marL="0" lvl="0" indent="0" algn="l" rtl="0">
               <a:spcBef>
                 <a:spcPts val="0"/>
               </a:spcBef>
@@ -9662,9 +9827,11 @@
       <p:sp>
         <p:nvSpPr>
           <p:cNvPr id="112" name="Google Shape;112;p20"/>
-          <p:cNvSpPr txBox="1"/>
+          <p:cNvSpPr txBox="1">
+            <a:spLocks noGrp="1"/>
+          </p:cNvSpPr>
           <p:nvPr>
-            <p:ph idx="1" type="body"/>
+            <p:ph type="body" idx="1"/>
           </p:nvPr>
         </p:nvSpPr>
         <p:spPr>
@@ -9677,12 +9844,12 @@
           </a:prstGeom>
         </p:spPr>
         <p:txBody>
-          <a:bodyPr anchorCtr="0" anchor="t" bIns="91425" lIns="91425" spcFirstLastPara="1" rIns="91425" wrap="square" tIns="91425">
+          <a:bodyPr spcFirstLastPara="1" wrap="square" lIns="91425" tIns="91425" rIns="91425" bIns="91425" anchor="t" anchorCtr="0">
             <a:noAutofit/>
           </a:bodyPr>
           <a:lstStyle/>
           <a:p>
-            <a:pPr indent="0" lvl="0" marL="0" rtl="0" algn="l">
+            <a:pPr marL="0" lvl="0" indent="0" algn="l" rtl="0">
               <a:spcBef>
                 <a:spcPts val="0"/>
               </a:spcBef>
@@ -9711,7 +9878,7 @@
             </a:endParaRPr>
           </a:p>
           <a:p>
-            <a:pPr indent="0" lvl="0" marL="0" rtl="0" algn="l">
+            <a:pPr marL="0" lvl="0" indent="0" algn="l" rtl="0">
               <a:spcBef>
                 <a:spcPts val="1600"/>
               </a:spcBef>
@@ -9734,7 +9901,7 @@
               <a:t>Even if Softmax should be the straightforward choice for multiclass segmentation by definition, this means that I have to treat 'no Defect' pixels as a separate class altogether. In my opinion, this decision will stress even more the imbalanced data issue The usage of Sigmoid activation function, instead, brings the network to perform four </a:t>
             </a:r>
             <a:r>
-              <a:rPr i="1" lang="it">
+              <a:rPr lang="it" i="1">
                 <a:solidFill>
                   <a:srgbClr val="666666"/>
                 </a:solidFill>
@@ -9763,7 +9930,7 @@
             </a:endParaRPr>
           </a:p>
           <a:p>
-            <a:pPr indent="0" lvl="0" marL="0" rtl="0" algn="l">
+            <a:pPr marL="0" lvl="0" indent="0" algn="l" rtl="0">
               <a:spcBef>
                 <a:spcPts val="1600"/>
               </a:spcBef>
@@ -9772,9 +9939,6 @@
               </a:spcAft>
               <a:buNone/>
             </a:pPr>
-            <a:r>
-              <a:t/>
-            </a:r>
             <a:endParaRPr>
               <a:solidFill>
                 <a:srgbClr val="666666"/>
@@ -9792,11 +9956,11 @@
 </file>
 
 <file path=ppt/slides/slide9.xml><?xml version="1.0" encoding="utf-8"?>
-<p:sld xmlns:a="http://schemas.openxmlformats.org/drawingml/2006/main" xmlns:r="http://schemas.openxmlformats.org/officeDocument/2006/relationships" xmlns:mc="http://schemas.openxmlformats.org/markup-compatibility/2006" xmlns:mv="urn:schemas-microsoft-com:mac:vml" xmlns:p="http://schemas.openxmlformats.org/presentationml/2006/main" xmlns:c="http://schemas.openxmlformats.org/drawingml/2006/chart" xmlns:dgm="http://schemas.openxmlformats.org/drawingml/2006/diagram" xmlns:o="urn:schemas-microsoft-com:office:office" xmlns:v="urn:schemas-microsoft-com:vml" xmlns:pvml="urn:schemas-microsoft-com:office:powerpoint" xmlns:com="http://schemas.openxmlformats.org/drawingml/2006/compatibility" xmlns:p14="http://schemas.microsoft.com/office/powerpoint/2010/main" xmlns:p15="http://schemas.microsoft.com/office/powerpoint/2012/main" xmlns:ahyp="http://schemas.microsoft.com/office/drawing/2018/hyperlinkcolor">
+<p:sld xmlns:a="http://schemas.openxmlformats.org/drawingml/2006/main" xmlns:r="http://schemas.openxmlformats.org/officeDocument/2006/relationships" xmlns:p="http://schemas.openxmlformats.org/presentationml/2006/main">
   <p:cSld>
     <p:spTree>
       <p:nvGrpSpPr>
-        <p:cNvPr id="116" name="Shape 116"/>
+        <p:cNvPr id="1" name="Shape 116"/>
         <p:cNvGrpSpPr/>
         <p:nvPr/>
       </p:nvGrpSpPr>
@@ -9811,7 +9975,9 @@
       <p:sp>
         <p:nvSpPr>
           <p:cNvPr id="117" name="Google Shape;117;p21"/>
-          <p:cNvSpPr txBox="1"/>
+          <p:cNvSpPr txBox="1">
+            <a:spLocks noGrp="1"/>
+          </p:cNvSpPr>
           <p:nvPr>
             <p:ph type="title"/>
           </p:nvPr>
@@ -9826,12 +9992,12 @@
           </a:prstGeom>
         </p:spPr>
         <p:txBody>
-          <a:bodyPr anchorCtr="0" anchor="t" bIns="91425" lIns="91425" spcFirstLastPara="1" rIns="91425" wrap="square" tIns="91425">
+          <a:bodyPr spcFirstLastPara="1" wrap="square" lIns="91425" tIns="91425" rIns="91425" bIns="91425" anchor="t" anchorCtr="0">
             <a:noAutofit/>
           </a:bodyPr>
           <a:lstStyle/>
           <a:p>
-            <a:pPr indent="0" lvl="0" marL="0" rtl="0" algn="l">
+            <a:pPr marL="0" lvl="0" indent="0" algn="l" rtl="0">
               <a:spcBef>
                 <a:spcPts val="0"/>
               </a:spcBef>
@@ -9852,7 +10018,7 @@
             <a:endParaRPr/>
           </a:p>
           <a:p>
-            <a:pPr indent="0" lvl="0" marL="0" rtl="0" algn="l">
+            <a:pPr marL="0" lvl="0" indent="0" algn="l" rtl="0">
               <a:spcBef>
                 <a:spcPts val="0"/>
               </a:spcBef>
@@ -9861,9 +10027,6 @@
               </a:spcAft>
               <a:buNone/>
             </a:pPr>
-            <a:r>
-              <a:t/>
-            </a:r>
             <a:endParaRPr/>
           </a:p>
         </p:txBody>
@@ -9871,9 +10034,11 @@
       <p:sp>
         <p:nvSpPr>
           <p:cNvPr id="118" name="Google Shape;118;p21"/>
-          <p:cNvSpPr txBox="1"/>
+          <p:cNvSpPr txBox="1">
+            <a:spLocks noGrp="1"/>
+          </p:cNvSpPr>
           <p:nvPr>
-            <p:ph idx="1" type="body"/>
+            <p:ph type="body" idx="1"/>
           </p:nvPr>
         </p:nvSpPr>
         <p:spPr>
@@ -9886,12 +10051,12 @@
           </a:prstGeom>
         </p:spPr>
         <p:txBody>
-          <a:bodyPr anchorCtr="0" anchor="t" bIns="91425" lIns="91425" spcFirstLastPara="1" rIns="91425" wrap="square" tIns="91425">
+          <a:bodyPr spcFirstLastPara="1" wrap="square" lIns="91425" tIns="91425" rIns="91425" bIns="91425" anchor="t" anchorCtr="0">
             <a:noAutofit/>
           </a:bodyPr>
           <a:lstStyle/>
           <a:p>
-            <a:pPr indent="-342900" lvl="0" marL="457200" rtl="0" algn="l">
+            <a:pPr marL="457200" lvl="0" indent="-342900" algn="l" rtl="0">
               <a:spcBef>
                 <a:spcPts val="0"/>
               </a:spcBef>
@@ -9908,7 +10073,7 @@
             <a:endParaRPr/>
           </a:p>
           <a:p>
-            <a:pPr indent="-342900" lvl="0" marL="457200" rtl="0" algn="l">
+            <a:pPr marL="457200" lvl="0" indent="-342900" algn="l" rtl="0">
               <a:spcBef>
                 <a:spcPts val="0"/>
               </a:spcBef>
@@ -9925,7 +10090,7 @@
             <a:endParaRPr/>
           </a:p>
           <a:p>
-            <a:pPr indent="-342900" lvl="0" marL="457200" rtl="0" algn="l">
+            <a:pPr marL="457200" lvl="0" indent="-342900" algn="l" rtl="0">
               <a:spcBef>
                 <a:spcPts val="0"/>
               </a:spcBef>
@@ -9942,7 +10107,7 @@
             <a:endParaRPr/>
           </a:p>
           <a:p>
-            <a:pPr indent="-342900" lvl="0" marL="457200" rtl="0" algn="l">
+            <a:pPr marL="457200" lvl="0" indent="-342900" algn="l" rtl="0">
               <a:spcBef>
                 <a:spcPts val="0"/>
               </a:spcBef>
@@ -9957,7 +10122,7 @@
               <a:t>Balanced </a:t>
             </a:r>
             <a:r>
-              <a:rPr i="1" lang="it"/>
+              <a:rPr lang="it" i="1"/>
               <a:t>bce_dice</a:t>
             </a:r>
             <a:r>
@@ -9965,7 +10130,7 @@
               <a:t> loss for 70 epochs and then </a:t>
             </a:r>
             <a:r>
-              <a:rPr i="1" lang="it"/>
+              <a:rPr lang="it" i="1"/>
               <a:t>Tversky </a:t>
             </a:r>
             <a:r>
@@ -9975,7 +10140,7 @@
             <a:endParaRPr/>
           </a:p>
           <a:p>
-            <a:pPr indent="0" lvl="0" marL="0" rtl="0" algn="l">
+            <a:pPr marL="0" lvl="0" indent="0" algn="l" rtl="0">
               <a:spcBef>
                 <a:spcPts val="1600"/>
               </a:spcBef>
@@ -9984,13 +10149,10 @@
               </a:spcAft>
               <a:buNone/>
             </a:pPr>
-            <a:r>
-              <a:t/>
-            </a:r>
             <a:endParaRPr/>
           </a:p>
           <a:p>
-            <a:pPr indent="0" lvl="0" marL="0" rtl="0" algn="l">
+            <a:pPr marL="0" lvl="0" indent="0" algn="l" rtl="0">
               <a:spcBef>
                 <a:spcPts val="1600"/>
               </a:spcBef>
@@ -9999,13 +10161,10 @@
               </a:spcAft>
               <a:buNone/>
             </a:pPr>
-            <a:r>
-              <a:t/>
-            </a:r>
             <a:endParaRPr/>
           </a:p>
           <a:p>
-            <a:pPr indent="-342900" lvl="0" marL="457200" rtl="0" algn="l">
+            <a:pPr marL="457200" lvl="0" indent="-342900" algn="l" rtl="0">
               <a:spcBef>
                 <a:spcPts val="1600"/>
               </a:spcBef>
@@ -10088,7 +10247,7 @@
 </file>
 
 <file path=ppt/theme/theme1.xml><?xml version="1.0" encoding="utf-8"?>
-<a:theme xmlns:a="http://schemas.openxmlformats.org/drawingml/2006/main" xmlns:r="http://schemas.openxmlformats.org/officeDocument/2006/relationships" name="Simple Light">
+<a:theme xmlns:a="http://schemas.openxmlformats.org/drawingml/2006/main" name="Simple Light">
   <a:themeElements>
     <a:clrScheme name="Simple Light">
       <a:dk1>
@@ -10363,11 +10522,13 @@
       </a:bgFillStyleLst>
     </a:fmtScheme>
   </a:themeElements>
+  <a:objectDefaults/>
+  <a:extraClrSchemeLst/>
 </a:theme>
 </file>
 
 <file path=ppt/theme/theme2.xml><?xml version="1.0" encoding="utf-8"?>
-<a:theme xmlns:a="http://schemas.openxmlformats.org/drawingml/2006/main" xmlns:r="http://schemas.openxmlformats.org/officeDocument/2006/relationships">
+<a:theme xmlns:a="http://schemas.openxmlformats.org/drawingml/2006/main">
   <a:themeElements>
     <a:clrScheme name="Default">
       <a:dk1>
@@ -10642,5 +10803,7 @@
       </a:bgFillStyleLst>
     </a:fmtScheme>
   </a:themeElements>
+  <a:objectDefaults/>
+  <a:extraClrSchemeLst/>
 </a:theme>
 </file>
--- a/Severstal Segmentation.pptx
+++ b/Severstal Segmentation.pptx
@@ -7708,6 +7708,40 @@
           </a:p>
         </p:txBody>
       </p:sp>
+      <p:pic>
+        <p:nvPicPr>
+          <p:cNvPr id="6" name="Google Shape;135;p23">
+            <a:extLst>
+              <a:ext uri="{FF2B5EF4-FFF2-40B4-BE49-F238E27FC236}">
+                <a16:creationId xmlns:a16="http://schemas.microsoft.com/office/drawing/2014/main" id="{5BB8FBA5-254D-4FCD-9B21-3391495127DB}"/>
+              </a:ext>
+            </a:extLst>
+          </p:cNvPr>
+          <p:cNvPicPr preferRelativeResize="0"/>
+          <p:nvPr/>
+        </p:nvPicPr>
+        <p:blipFill>
+          <a:blip r:embed="rId4">
+            <a:alphaModFix/>
+          </a:blip>
+          <a:stretch>
+            <a:fillRect/>
+          </a:stretch>
+        </p:blipFill>
+        <p:spPr>
+          <a:xfrm>
+            <a:off x="4002974" y="1890262"/>
+            <a:ext cx="4682301" cy="1362975"/>
+          </a:xfrm>
+          <a:prstGeom prst="rect">
+            <a:avLst/>
+          </a:prstGeom>
+          <a:noFill/>
+          <a:ln>
+            <a:noFill/>
+          </a:ln>
+        </p:spPr>
+      </p:pic>
     </p:spTree>
   </p:cSld>
   <p:clrMapOvr>
